--- a/MZCARD.pptx
+++ b/MZCARD.pptx
@@ -3705,7 +3705,7 @@
                 <a:latin typeface="나눔고딕" panose="020D0604000000000000" pitchFamily="50" charset="-127"/>
                 <a:ea typeface="나눔고딕" panose="020D0604000000000000" pitchFamily="50" charset="-127"/>
               </a:rPr>
-              <a:t>SON HEUNG MIN</a:t>
+              <a:t>Robert Lewandowski</a:t>
             </a:r>
           </a:p>
         </p:txBody>

--- a/MZCARD.pptx
+++ b/MZCARD.pptx
@@ -9793,6 +9793,36 @@
               </a:rPr>
               <a:t>모델 선정 및 예측</a:t>
             </a:r>
+            <a:r>
+              <a:rPr lang="en-US" altLang="ko-KR" sz="3200" b="1" dirty="0">
+                <a:solidFill>
+                  <a:srgbClr val="4B5555"/>
+                </a:solidFill>
+                <a:latin typeface="나눔고딕" panose="020D0604000000000000" pitchFamily="50" charset="-127"/>
+                <a:ea typeface="나눔고딕" panose="020D0604000000000000" pitchFamily="50" charset="-127"/>
+              </a:rPr>
+              <a:t> (</a:t>
+            </a:r>
+            <a:r>
+              <a:rPr lang="ko-KR" altLang="en-US" sz="3200" b="1" dirty="0">
+                <a:solidFill>
+                  <a:srgbClr val="4B5555"/>
+                </a:solidFill>
+                <a:latin typeface="나눔고딕" panose="020D0604000000000000" pitchFamily="50" charset="-127"/>
+                <a:ea typeface="나눔고딕" panose="020D0604000000000000" pitchFamily="50" charset="-127"/>
+              </a:rPr>
+              <a:t>예정</a:t>
+            </a:r>
+            <a:r>
+              <a:rPr lang="en-US" altLang="ko-KR" sz="3200" b="1" dirty="0">
+                <a:solidFill>
+                  <a:srgbClr val="4B5555"/>
+                </a:solidFill>
+                <a:latin typeface="나눔고딕" panose="020D0604000000000000" pitchFamily="50" charset="-127"/>
+                <a:ea typeface="나눔고딕" panose="020D0604000000000000" pitchFamily="50" charset="-127"/>
+              </a:rPr>
+              <a:t>)</a:t>
+            </a:r>
             <a:endParaRPr lang="ko-KR" altLang="en-US" sz="3600" b="1" dirty="0">
               <a:solidFill>
                 <a:srgbClr val="1171A4"/>
@@ -9839,7 +9869,37 @@
                 <a:latin typeface="나눔고딕" panose="020D0604000000000000" pitchFamily="50" charset="-127"/>
                 <a:ea typeface="나눔고딕" panose="020D0604000000000000" pitchFamily="50" charset="-127"/>
               </a:rPr>
-              <a:t>모델 평가 및 결론</a:t>
+              <a:t>모델 평가 및 결론 </a:t>
+            </a:r>
+            <a:r>
+              <a:rPr lang="en-US" altLang="ko-KR" sz="3200" b="1" dirty="0">
+                <a:solidFill>
+                  <a:srgbClr val="4B5555"/>
+                </a:solidFill>
+                <a:latin typeface="나눔고딕" panose="020D0604000000000000" pitchFamily="50" charset="-127"/>
+                <a:ea typeface="나눔고딕" panose="020D0604000000000000" pitchFamily="50" charset="-127"/>
+              </a:rPr>
+              <a:t>(</a:t>
+            </a:r>
+            <a:r>
+              <a:rPr lang="ko-KR" altLang="en-US" sz="3200" b="1" dirty="0">
+                <a:solidFill>
+                  <a:srgbClr val="4B5555"/>
+                </a:solidFill>
+                <a:latin typeface="나눔고딕" panose="020D0604000000000000" pitchFamily="50" charset="-127"/>
+                <a:ea typeface="나눔고딕" panose="020D0604000000000000" pitchFamily="50" charset="-127"/>
+              </a:rPr>
+              <a:t>예정</a:t>
+            </a:r>
+            <a:r>
+              <a:rPr lang="en-US" altLang="ko-KR" sz="3200" b="1" dirty="0">
+                <a:solidFill>
+                  <a:srgbClr val="4B5555"/>
+                </a:solidFill>
+                <a:latin typeface="나눔고딕" panose="020D0604000000000000" pitchFamily="50" charset="-127"/>
+                <a:ea typeface="나눔고딕" panose="020D0604000000000000" pitchFamily="50" charset="-127"/>
+              </a:rPr>
+              <a:t>)</a:t>
             </a:r>
             <a:endParaRPr lang="ko-KR" altLang="en-US" sz="3600" b="1" dirty="0">
               <a:solidFill>

--- a/MZCARD.pptx
+++ b/MZCARD.pptx
@@ -19,8 +19,9 @@
     <p:sldId id="293" r:id="rId13"/>
     <p:sldId id="294" r:id="rId14"/>
     <p:sldId id="295" r:id="rId15"/>
-    <p:sldId id="288" r:id="rId16"/>
-    <p:sldId id="266" r:id="rId17"/>
+    <p:sldId id="298" r:id="rId16"/>
+    <p:sldId id="288" r:id="rId17"/>
+    <p:sldId id="266" r:id="rId18"/>
   </p:sldIdLst>
   <p:sldSz cx="12192000" cy="6858000"/>
   <p:notesSz cx="6858000" cy="9144000"/>
@@ -6312,10 +6313,10 @@
       </p:sp>
       <p:pic>
         <p:nvPicPr>
-          <p:cNvPr id="4098" name="Picture 2">
-            <a:extLst>
-              <a:ext uri="{FF2B5EF4-FFF2-40B4-BE49-F238E27FC236}">
-                <a16:creationId xmlns:a16="http://schemas.microsoft.com/office/drawing/2014/main" id="{7292ACE6-9D33-F08A-D5E3-B19B351EE701}"/>
+          <p:cNvPr id="1026" name="Picture 2">
+            <a:extLst>
+              <a:ext uri="{FF2B5EF4-FFF2-40B4-BE49-F238E27FC236}">
+                <a16:creationId xmlns:a16="http://schemas.microsoft.com/office/drawing/2014/main" id="{84020FC0-E716-3B3C-3539-CCC2EAD5832E}"/>
               </a:ext>
             </a:extLst>
           </p:cNvPr>
@@ -6339,8 +6340,8 @@
         </p:blipFill>
         <p:spPr bwMode="auto">
           <a:xfrm>
-            <a:off x="1616749" y="1554440"/>
-            <a:ext cx="10064391" cy="5057095"/>
+            <a:off x="1616749" y="1591507"/>
+            <a:ext cx="10080175" cy="5065026"/>
           </a:xfrm>
           <a:prstGeom prst="rect">
             <a:avLst/>
@@ -6544,7 +6545,7 @@
           <p:cNvPr id="5" name="TextBox 4">
             <a:extLst>
               <a:ext uri="{FF2B5EF4-FFF2-40B4-BE49-F238E27FC236}">
-                <a16:creationId xmlns:a16="http://schemas.microsoft.com/office/drawing/2014/main" id="{A0E380EB-5AEA-7826-3418-B45EA28E6AD7}"/>
+                <a16:creationId xmlns:a16="http://schemas.microsoft.com/office/drawing/2014/main" id="{7BFD4658-3FF2-C685-2A7F-E92AF43E4D87}"/>
               </a:ext>
             </a:extLst>
           </p:cNvPr>
@@ -6553,8 +6554,8 @@
         </p:nvSpPr>
         <p:spPr>
           <a:xfrm>
-            <a:off x="511713" y="1154331"/>
-            <a:ext cx="4987566" cy="400110"/>
+            <a:off x="511712" y="1154331"/>
+            <a:ext cx="6051133" cy="400110"/>
           </a:xfrm>
           <a:prstGeom prst="rect">
             <a:avLst/>
@@ -6575,7 +6576,27 @@
                 <a:latin typeface="나눔고딕" panose="020D0604000000000000" pitchFamily="50" charset="-127"/>
                 <a:ea typeface="나눔고딕" panose="020D0604000000000000" pitchFamily="50" charset="-127"/>
               </a:rPr>
-              <a:t>공간 데이터 분석</a:t>
+              <a:t>카드 소유주 </a:t>
+            </a:r>
+            <a:r>
+              <a:rPr lang="ko-KR" altLang="en-US" sz="2000" b="1" dirty="0" err="1">
+                <a:solidFill>
+                  <a:srgbClr val="4B5555"/>
+                </a:solidFill>
+                <a:latin typeface="나눔고딕" panose="020D0604000000000000" pitchFamily="50" charset="-127"/>
+                <a:ea typeface="나눔고딕" panose="020D0604000000000000" pitchFamily="50" charset="-127"/>
+              </a:rPr>
+              <a:t>직업군별</a:t>
+            </a:r>
+            <a:r>
+              <a:rPr lang="ko-KR" altLang="en-US" sz="2000" b="1" dirty="0">
+                <a:solidFill>
+                  <a:srgbClr val="4B5555"/>
+                </a:solidFill>
+                <a:latin typeface="나눔고딕" panose="020D0604000000000000" pitchFamily="50" charset="-127"/>
+                <a:ea typeface="나눔고딕" panose="020D0604000000000000" pitchFamily="50" charset="-127"/>
+              </a:rPr>
+              <a:t> 사기거래 및 일반 거래 발생 비율</a:t>
             </a:r>
             <a:endParaRPr lang="ko-KR" altLang="en-US" sz="2400" b="1" dirty="0">
               <a:solidFill>
@@ -6587,208 +6608,46 @@
           </a:p>
         </p:txBody>
       </p:sp>
-      <p:sp>
-        <p:nvSpPr>
-          <p:cNvPr id="6" name="내용 개체 틀 2">
-            <a:extLst>
-              <a:ext uri="{FF2B5EF4-FFF2-40B4-BE49-F238E27FC236}">
-                <a16:creationId xmlns:a16="http://schemas.microsoft.com/office/drawing/2014/main" id="{89EB972B-2BC3-D1C9-DA4D-147ED37871C4}"/>
-              </a:ext>
-            </a:extLst>
-          </p:cNvPr>
-          <p:cNvSpPr txBox="1">
-            <a:spLocks/>
-          </p:cNvSpPr>
-          <p:nvPr/>
-        </p:nvSpPr>
-        <p:spPr>
-          <a:xfrm>
-            <a:off x="4145477" y="3228945"/>
-            <a:ext cx="3888346" cy="400110"/>
+      <p:pic>
+        <p:nvPicPr>
+          <p:cNvPr id="7" name="Picture 6" descr="Chart, bar chart&#10;&#10;Description automatically generated">
+            <a:extLst>
+              <a:ext uri="{FF2B5EF4-FFF2-40B4-BE49-F238E27FC236}">
+                <a16:creationId xmlns:a16="http://schemas.microsoft.com/office/drawing/2014/main" id="{C8EDD004-8A00-3E14-0C34-6104920EF740}"/>
+              </a:ext>
+            </a:extLst>
+          </p:cNvPr>
+          <p:cNvPicPr>
+            <a:picLocks noChangeAspect="1"/>
+          </p:cNvPicPr>
+          <p:nvPr/>
+        </p:nvPicPr>
+        <p:blipFill>
+          <a:blip r:embed="rId2">
+            <a:extLst>
+              <a:ext uri="{28A0092B-C50C-407E-A947-70E740481C1C}">
+                <a14:useLocalDpi xmlns:a14="http://schemas.microsoft.com/office/drawing/2010/main" val="0"/>
+              </a:ext>
+            </a:extLst>
+          </a:blip>
+          <a:stretch>
+            <a:fillRect/>
+          </a:stretch>
+        </p:blipFill>
+        <p:spPr>
+          <a:xfrm>
+            <a:off x="2373312" y="1554441"/>
+            <a:ext cx="8842556" cy="5290020"/>
           </a:xfrm>
           <a:prstGeom prst="rect">
             <a:avLst/>
           </a:prstGeom>
-          <a:noFill/>
-        </p:spPr>
-        <p:txBody>
-          <a:bodyPr wrap="square" rtlCol="0">
-            <a:spAutoFit/>
-          </a:bodyPr>
-          <a:lstStyle>
-            <a:defPPr>
-              <a:defRPr lang="ko-KR"/>
-            </a:defPPr>
-            <a:lvl1pPr>
-              <a:defRPr sz="2000" b="1">
-                <a:solidFill>
-                  <a:srgbClr val="4B5555"/>
-                </a:solidFill>
-                <a:latin typeface="나눔고딕" panose="020D0604000000000000" pitchFamily="50" charset="-127"/>
-                <a:ea typeface="나눔고딕" panose="020D0604000000000000" pitchFamily="50" charset="-127"/>
-              </a:defRPr>
-            </a:lvl1pPr>
-            <a:lvl2pPr marL="457200" indent="0" algn="ctr" defTabSz="914400" rtl="0" eaLnBrk="1" latinLnBrk="1" hangingPunct="1">
-              <a:lnSpc>
-                <a:spcPct val="90000"/>
-              </a:lnSpc>
-              <a:spcBef>
-                <a:spcPts val="500"/>
-              </a:spcBef>
-              <a:buFont typeface="Arial" panose="020B0604020202020204" pitchFamily="34" charset="0"/>
-              <a:buNone/>
-              <a:defRPr sz="2000" kern="1200">
-                <a:solidFill>
-                  <a:schemeClr val="tx1"/>
-                </a:solidFill>
-                <a:latin typeface="+mn-lt"/>
-                <a:ea typeface="+mn-ea"/>
-                <a:cs typeface="+mn-cs"/>
-              </a:defRPr>
-            </a:lvl2pPr>
-            <a:lvl3pPr marL="914400" indent="0" algn="ctr" defTabSz="914400" rtl="0" eaLnBrk="1" latinLnBrk="1" hangingPunct="1">
-              <a:lnSpc>
-                <a:spcPct val="90000"/>
-              </a:lnSpc>
-              <a:spcBef>
-                <a:spcPts val="500"/>
-              </a:spcBef>
-              <a:buFont typeface="Arial" panose="020B0604020202020204" pitchFamily="34" charset="0"/>
-              <a:buNone/>
-              <a:defRPr sz="1800" kern="1200">
-                <a:solidFill>
-                  <a:schemeClr val="tx1"/>
-                </a:solidFill>
-                <a:latin typeface="+mn-lt"/>
-                <a:ea typeface="+mn-ea"/>
-                <a:cs typeface="+mn-cs"/>
-              </a:defRPr>
-            </a:lvl3pPr>
-            <a:lvl4pPr marL="1371600" indent="0" algn="ctr" defTabSz="914400" rtl="0" eaLnBrk="1" latinLnBrk="1" hangingPunct="1">
-              <a:lnSpc>
-                <a:spcPct val="90000"/>
-              </a:lnSpc>
-              <a:spcBef>
-                <a:spcPts val="500"/>
-              </a:spcBef>
-              <a:buFont typeface="Arial" panose="020B0604020202020204" pitchFamily="34" charset="0"/>
-              <a:buNone/>
-              <a:defRPr sz="1600" kern="1200">
-                <a:solidFill>
-                  <a:schemeClr val="tx1"/>
-                </a:solidFill>
-                <a:latin typeface="+mn-lt"/>
-                <a:ea typeface="+mn-ea"/>
-                <a:cs typeface="+mn-cs"/>
-              </a:defRPr>
-            </a:lvl4pPr>
-            <a:lvl5pPr marL="1828800" indent="0" algn="ctr" defTabSz="914400" rtl="0" eaLnBrk="1" latinLnBrk="1" hangingPunct="1">
-              <a:lnSpc>
-                <a:spcPct val="90000"/>
-              </a:lnSpc>
-              <a:spcBef>
-                <a:spcPts val="500"/>
-              </a:spcBef>
-              <a:buFont typeface="Arial" panose="020B0604020202020204" pitchFamily="34" charset="0"/>
-              <a:buNone/>
-              <a:defRPr sz="1600" kern="1200">
-                <a:solidFill>
-                  <a:schemeClr val="tx1"/>
-                </a:solidFill>
-                <a:latin typeface="+mn-lt"/>
-                <a:ea typeface="+mn-ea"/>
-                <a:cs typeface="+mn-cs"/>
-              </a:defRPr>
-            </a:lvl5pPr>
-            <a:lvl6pPr marL="2286000" indent="0" algn="ctr" defTabSz="914400" rtl="0" eaLnBrk="1" latinLnBrk="1" hangingPunct="1">
-              <a:lnSpc>
-                <a:spcPct val="90000"/>
-              </a:lnSpc>
-              <a:spcBef>
-                <a:spcPts val="500"/>
-              </a:spcBef>
-              <a:buFont typeface="Arial" panose="020B0604020202020204" pitchFamily="34" charset="0"/>
-              <a:buNone/>
-              <a:defRPr sz="1600" kern="1200">
-                <a:solidFill>
-                  <a:schemeClr val="tx1"/>
-                </a:solidFill>
-                <a:latin typeface="+mn-lt"/>
-                <a:ea typeface="+mn-ea"/>
-                <a:cs typeface="+mn-cs"/>
-              </a:defRPr>
-            </a:lvl6pPr>
-            <a:lvl7pPr marL="2743200" indent="0" algn="ctr" defTabSz="914400" rtl="0" eaLnBrk="1" latinLnBrk="1" hangingPunct="1">
-              <a:lnSpc>
-                <a:spcPct val="90000"/>
-              </a:lnSpc>
-              <a:spcBef>
-                <a:spcPts val="500"/>
-              </a:spcBef>
-              <a:buFont typeface="Arial" panose="020B0604020202020204" pitchFamily="34" charset="0"/>
-              <a:buNone/>
-              <a:defRPr sz="1600" kern="1200">
-                <a:solidFill>
-                  <a:schemeClr val="tx1"/>
-                </a:solidFill>
-                <a:latin typeface="+mn-lt"/>
-                <a:ea typeface="+mn-ea"/>
-                <a:cs typeface="+mn-cs"/>
-              </a:defRPr>
-            </a:lvl7pPr>
-            <a:lvl8pPr marL="3200400" indent="0" algn="ctr" defTabSz="914400" rtl="0" eaLnBrk="1" latinLnBrk="1" hangingPunct="1">
-              <a:lnSpc>
-                <a:spcPct val="90000"/>
-              </a:lnSpc>
-              <a:spcBef>
-                <a:spcPts val="500"/>
-              </a:spcBef>
-              <a:buFont typeface="Arial" panose="020B0604020202020204" pitchFamily="34" charset="0"/>
-              <a:buNone/>
-              <a:defRPr sz="1600" kern="1200">
-                <a:solidFill>
-                  <a:schemeClr val="tx1"/>
-                </a:solidFill>
-                <a:latin typeface="+mn-lt"/>
-                <a:ea typeface="+mn-ea"/>
-                <a:cs typeface="+mn-cs"/>
-              </a:defRPr>
-            </a:lvl8pPr>
-            <a:lvl9pPr marL="3657600" indent="0" algn="ctr" defTabSz="914400" rtl="0" eaLnBrk="1" latinLnBrk="1" hangingPunct="1">
-              <a:lnSpc>
-                <a:spcPct val="90000"/>
-              </a:lnSpc>
-              <a:spcBef>
-                <a:spcPts val="500"/>
-              </a:spcBef>
-              <a:buFont typeface="Arial" panose="020B0604020202020204" pitchFamily="34" charset="0"/>
-              <a:buNone/>
-              <a:defRPr sz="1600" kern="1200">
-                <a:solidFill>
-                  <a:schemeClr val="tx1"/>
-                </a:solidFill>
-                <a:latin typeface="+mn-lt"/>
-                <a:ea typeface="+mn-ea"/>
-                <a:cs typeface="+mn-cs"/>
-              </a:defRPr>
-            </a:lvl9pPr>
-          </a:lstStyle>
-          <a:p>
-            <a:pPr algn="ctr"/>
-            <a:r>
-              <a:rPr lang="ko-KR" altLang="en-US" dirty="0">
-                <a:hlinkClick r:id="rId2"/>
-              </a:rPr>
-              <a:t>상점별 사기거래 비율</a:t>
-            </a:r>
-            <a:endParaRPr lang="ko-KR" altLang="en-US" dirty="0"/>
-          </a:p>
-        </p:txBody>
-      </p:sp>
+        </p:spPr>
+      </p:pic>
     </p:spTree>
     <p:extLst>
       <p:ext uri="{BB962C8B-B14F-4D97-AF65-F5344CB8AC3E}">
-        <p14:creationId xmlns:p14="http://schemas.microsoft.com/office/powerpoint/2010/main" val="4255119411"/>
+        <p14:creationId xmlns:p14="http://schemas.microsoft.com/office/powerpoint/2010/main" val="1815521361"/>
       </p:ext>
     </p:extLst>
   </p:cSld>
@@ -6815,6 +6674,434 @@
           <a:chExt cx="0" cy="0"/>
         </a:xfrm>
       </p:grpSpPr>
+      <p:cxnSp>
+        <p:nvCxnSpPr>
+          <p:cNvPr id="3" name="직선 연결선 2"/>
+          <p:cNvCxnSpPr/>
+          <p:nvPr/>
+        </p:nvCxnSpPr>
+        <p:spPr>
+          <a:xfrm>
+            <a:off x="254000" y="362675"/>
+            <a:ext cx="11671300" cy="0"/>
+          </a:xfrm>
+          <a:prstGeom prst="line">
+            <a:avLst/>
+          </a:prstGeom>
+          <a:ln w="6350">
+            <a:solidFill>
+              <a:srgbClr val="4B5555"/>
+            </a:solidFill>
+          </a:ln>
+        </p:spPr>
+        <p:style>
+          <a:lnRef idx="1">
+            <a:schemeClr val="accent1"/>
+          </a:lnRef>
+          <a:fillRef idx="0">
+            <a:schemeClr val="accent1"/>
+          </a:fillRef>
+          <a:effectRef idx="0">
+            <a:schemeClr val="accent1"/>
+          </a:effectRef>
+          <a:fontRef idx="minor">
+            <a:schemeClr val="tx1"/>
+          </a:fontRef>
+        </p:style>
+      </p:cxnSp>
+      <p:sp>
+        <p:nvSpPr>
+          <p:cNvPr id="2" name="TextBox 1">
+            <a:extLst>
+              <a:ext uri="{FF2B5EF4-FFF2-40B4-BE49-F238E27FC236}">
+                <a16:creationId xmlns:a16="http://schemas.microsoft.com/office/drawing/2014/main" id="{B83E3735-A258-661D-A015-36D6B5886803}"/>
+              </a:ext>
+            </a:extLst>
+          </p:cNvPr>
+          <p:cNvSpPr txBox="1"/>
+          <p:nvPr/>
+        </p:nvSpPr>
+        <p:spPr>
+          <a:xfrm>
+            <a:off x="266700" y="0"/>
+            <a:ext cx="1350049" cy="400110"/>
+          </a:xfrm>
+          <a:prstGeom prst="rect">
+            <a:avLst/>
+          </a:prstGeom>
+          <a:noFill/>
+        </p:spPr>
+        <p:txBody>
+          <a:bodyPr wrap="none" rtlCol="0">
+            <a:spAutoFit/>
+          </a:bodyPr>
+          <a:lstStyle/>
+          <a:p>
+            <a:pPr algn="ctr"/>
+            <a:r>
+              <a:rPr lang="en-US" altLang="ko-KR" sz="2000" b="1" dirty="0">
+                <a:solidFill>
+                  <a:srgbClr val="4B5555"/>
+                </a:solidFill>
+                <a:latin typeface="나눔고딕" panose="020D0604000000000000" pitchFamily="50" charset="-127"/>
+                <a:ea typeface="나눔고딕" panose="020D0604000000000000" pitchFamily="50" charset="-127"/>
+              </a:rPr>
+              <a:t>MZ</a:t>
+            </a:r>
+            <a:r>
+              <a:rPr lang="ko-KR" altLang="en-US" sz="2000" b="1" dirty="0">
+                <a:solidFill>
+                  <a:srgbClr val="4B5555"/>
+                </a:solidFill>
+                <a:latin typeface="나눔고딕" panose="020D0604000000000000" pitchFamily="50" charset="-127"/>
+                <a:ea typeface="나눔고딕" panose="020D0604000000000000" pitchFamily="50" charset="-127"/>
+              </a:rPr>
+              <a:t> </a:t>
+            </a:r>
+            <a:r>
+              <a:rPr lang="en-US" altLang="ko-KR" sz="2000" b="1" dirty="0">
+                <a:solidFill>
+                  <a:srgbClr val="4B5555"/>
+                </a:solidFill>
+                <a:latin typeface="나눔고딕" panose="020D0604000000000000" pitchFamily="50" charset="-127"/>
+                <a:ea typeface="나눔고딕" panose="020D0604000000000000" pitchFamily="50" charset="-127"/>
+              </a:rPr>
+              <a:t>CARD</a:t>
+            </a:r>
+            <a:endParaRPr lang="ko-KR" altLang="en-US" sz="2400" b="1" dirty="0">
+              <a:solidFill>
+                <a:srgbClr val="1171A4"/>
+              </a:solidFill>
+              <a:latin typeface="나눔고딕" panose="020D0604000000000000" pitchFamily="50" charset="-127"/>
+              <a:ea typeface="나눔고딕" panose="020D0604000000000000" pitchFamily="50" charset="-127"/>
+            </a:endParaRPr>
+          </a:p>
+        </p:txBody>
+      </p:sp>
+      <p:sp>
+        <p:nvSpPr>
+          <p:cNvPr id="4" name="TextBox 3">
+            <a:extLst>
+              <a:ext uri="{FF2B5EF4-FFF2-40B4-BE49-F238E27FC236}">
+                <a16:creationId xmlns:a16="http://schemas.microsoft.com/office/drawing/2014/main" id="{76BB9E40-469A-B5B6-8F8E-ED7C655FBD54}"/>
+              </a:ext>
+            </a:extLst>
+          </p:cNvPr>
+          <p:cNvSpPr txBox="1"/>
+          <p:nvPr/>
+        </p:nvSpPr>
+        <p:spPr>
+          <a:xfrm>
+            <a:off x="511713" y="508000"/>
+            <a:ext cx="1120820" cy="646331"/>
+          </a:xfrm>
+          <a:prstGeom prst="rect">
+            <a:avLst/>
+          </a:prstGeom>
+          <a:noFill/>
+        </p:spPr>
+        <p:txBody>
+          <a:bodyPr wrap="none" rtlCol="0">
+            <a:spAutoFit/>
+          </a:bodyPr>
+          <a:lstStyle/>
+          <a:p>
+            <a:r>
+              <a:rPr lang="en-US" altLang="ko-KR" sz="3600" b="1" dirty="0">
+                <a:solidFill>
+                  <a:srgbClr val="1171A4"/>
+                </a:solidFill>
+                <a:latin typeface="나눔고딕" panose="020D0604000000000000" pitchFamily="50" charset="-127"/>
+                <a:ea typeface="나눔고딕" panose="020D0604000000000000" pitchFamily="50" charset="-127"/>
+              </a:rPr>
+              <a:t>EDA</a:t>
+            </a:r>
+            <a:endParaRPr lang="ko-KR" altLang="en-US" sz="3600" b="1" dirty="0">
+              <a:solidFill>
+                <a:srgbClr val="1171A4"/>
+              </a:solidFill>
+              <a:latin typeface="나눔고딕" panose="020D0604000000000000" pitchFamily="50" charset="-127"/>
+              <a:ea typeface="나눔고딕" panose="020D0604000000000000" pitchFamily="50" charset="-127"/>
+            </a:endParaRPr>
+          </a:p>
+        </p:txBody>
+      </p:sp>
+      <p:sp>
+        <p:nvSpPr>
+          <p:cNvPr id="5" name="TextBox 4">
+            <a:extLst>
+              <a:ext uri="{FF2B5EF4-FFF2-40B4-BE49-F238E27FC236}">
+                <a16:creationId xmlns:a16="http://schemas.microsoft.com/office/drawing/2014/main" id="{A0E380EB-5AEA-7826-3418-B45EA28E6AD7}"/>
+              </a:ext>
+            </a:extLst>
+          </p:cNvPr>
+          <p:cNvSpPr txBox="1"/>
+          <p:nvPr/>
+        </p:nvSpPr>
+        <p:spPr>
+          <a:xfrm>
+            <a:off x="511713" y="1154331"/>
+            <a:ext cx="4987566" cy="400110"/>
+          </a:xfrm>
+          <a:prstGeom prst="rect">
+            <a:avLst/>
+          </a:prstGeom>
+          <a:noFill/>
+        </p:spPr>
+        <p:txBody>
+          <a:bodyPr wrap="square" rtlCol="0">
+            <a:spAutoFit/>
+          </a:bodyPr>
+          <a:lstStyle/>
+          <a:p>
+            <a:r>
+              <a:rPr lang="ko-KR" altLang="en-US" sz="2000" b="1" dirty="0">
+                <a:solidFill>
+                  <a:srgbClr val="4B5555"/>
+                </a:solidFill>
+                <a:latin typeface="나눔고딕" panose="020D0604000000000000" pitchFamily="50" charset="-127"/>
+                <a:ea typeface="나눔고딕" panose="020D0604000000000000" pitchFamily="50" charset="-127"/>
+              </a:rPr>
+              <a:t>공간 데이터 분석</a:t>
+            </a:r>
+            <a:endParaRPr lang="ko-KR" altLang="en-US" sz="2400" b="1" dirty="0">
+              <a:solidFill>
+                <a:srgbClr val="1171A4"/>
+              </a:solidFill>
+              <a:latin typeface="나눔고딕" panose="020D0604000000000000" pitchFamily="50" charset="-127"/>
+              <a:ea typeface="나눔고딕" panose="020D0604000000000000" pitchFamily="50" charset="-127"/>
+            </a:endParaRPr>
+          </a:p>
+        </p:txBody>
+      </p:sp>
+      <p:sp>
+        <p:nvSpPr>
+          <p:cNvPr id="6" name="내용 개체 틀 2">
+            <a:extLst>
+              <a:ext uri="{FF2B5EF4-FFF2-40B4-BE49-F238E27FC236}">
+                <a16:creationId xmlns:a16="http://schemas.microsoft.com/office/drawing/2014/main" id="{89EB972B-2BC3-D1C9-DA4D-147ED37871C4}"/>
+              </a:ext>
+            </a:extLst>
+          </p:cNvPr>
+          <p:cNvSpPr txBox="1">
+            <a:spLocks/>
+          </p:cNvSpPr>
+          <p:nvPr/>
+        </p:nvSpPr>
+        <p:spPr>
+          <a:xfrm>
+            <a:off x="4145477" y="3228945"/>
+            <a:ext cx="3888346" cy="400110"/>
+          </a:xfrm>
+          <a:prstGeom prst="rect">
+            <a:avLst/>
+          </a:prstGeom>
+          <a:noFill/>
+        </p:spPr>
+        <p:txBody>
+          <a:bodyPr wrap="square" rtlCol="0">
+            <a:spAutoFit/>
+          </a:bodyPr>
+          <a:lstStyle>
+            <a:defPPr>
+              <a:defRPr lang="ko-KR"/>
+            </a:defPPr>
+            <a:lvl1pPr>
+              <a:defRPr sz="2000" b="1">
+                <a:solidFill>
+                  <a:srgbClr val="4B5555"/>
+                </a:solidFill>
+                <a:latin typeface="나눔고딕" panose="020D0604000000000000" pitchFamily="50" charset="-127"/>
+                <a:ea typeface="나눔고딕" panose="020D0604000000000000" pitchFamily="50" charset="-127"/>
+              </a:defRPr>
+            </a:lvl1pPr>
+            <a:lvl2pPr marL="457200" indent="0" algn="ctr" defTabSz="914400" rtl="0" eaLnBrk="1" latinLnBrk="1" hangingPunct="1">
+              <a:lnSpc>
+                <a:spcPct val="90000"/>
+              </a:lnSpc>
+              <a:spcBef>
+                <a:spcPts val="500"/>
+              </a:spcBef>
+              <a:buFont typeface="Arial" panose="020B0604020202020204" pitchFamily="34" charset="0"/>
+              <a:buNone/>
+              <a:defRPr sz="2000" kern="1200">
+                <a:solidFill>
+                  <a:schemeClr val="tx1"/>
+                </a:solidFill>
+                <a:latin typeface="+mn-lt"/>
+                <a:ea typeface="+mn-ea"/>
+                <a:cs typeface="+mn-cs"/>
+              </a:defRPr>
+            </a:lvl2pPr>
+            <a:lvl3pPr marL="914400" indent="0" algn="ctr" defTabSz="914400" rtl="0" eaLnBrk="1" latinLnBrk="1" hangingPunct="1">
+              <a:lnSpc>
+                <a:spcPct val="90000"/>
+              </a:lnSpc>
+              <a:spcBef>
+                <a:spcPts val="500"/>
+              </a:spcBef>
+              <a:buFont typeface="Arial" panose="020B0604020202020204" pitchFamily="34" charset="0"/>
+              <a:buNone/>
+              <a:defRPr sz="1800" kern="1200">
+                <a:solidFill>
+                  <a:schemeClr val="tx1"/>
+                </a:solidFill>
+                <a:latin typeface="+mn-lt"/>
+                <a:ea typeface="+mn-ea"/>
+                <a:cs typeface="+mn-cs"/>
+              </a:defRPr>
+            </a:lvl3pPr>
+            <a:lvl4pPr marL="1371600" indent="0" algn="ctr" defTabSz="914400" rtl="0" eaLnBrk="1" latinLnBrk="1" hangingPunct="1">
+              <a:lnSpc>
+                <a:spcPct val="90000"/>
+              </a:lnSpc>
+              <a:spcBef>
+                <a:spcPts val="500"/>
+              </a:spcBef>
+              <a:buFont typeface="Arial" panose="020B0604020202020204" pitchFamily="34" charset="0"/>
+              <a:buNone/>
+              <a:defRPr sz="1600" kern="1200">
+                <a:solidFill>
+                  <a:schemeClr val="tx1"/>
+                </a:solidFill>
+                <a:latin typeface="+mn-lt"/>
+                <a:ea typeface="+mn-ea"/>
+                <a:cs typeface="+mn-cs"/>
+              </a:defRPr>
+            </a:lvl4pPr>
+            <a:lvl5pPr marL="1828800" indent="0" algn="ctr" defTabSz="914400" rtl="0" eaLnBrk="1" latinLnBrk="1" hangingPunct="1">
+              <a:lnSpc>
+                <a:spcPct val="90000"/>
+              </a:lnSpc>
+              <a:spcBef>
+                <a:spcPts val="500"/>
+              </a:spcBef>
+              <a:buFont typeface="Arial" panose="020B0604020202020204" pitchFamily="34" charset="0"/>
+              <a:buNone/>
+              <a:defRPr sz="1600" kern="1200">
+                <a:solidFill>
+                  <a:schemeClr val="tx1"/>
+                </a:solidFill>
+                <a:latin typeface="+mn-lt"/>
+                <a:ea typeface="+mn-ea"/>
+                <a:cs typeface="+mn-cs"/>
+              </a:defRPr>
+            </a:lvl5pPr>
+            <a:lvl6pPr marL="2286000" indent="0" algn="ctr" defTabSz="914400" rtl="0" eaLnBrk="1" latinLnBrk="1" hangingPunct="1">
+              <a:lnSpc>
+                <a:spcPct val="90000"/>
+              </a:lnSpc>
+              <a:spcBef>
+                <a:spcPts val="500"/>
+              </a:spcBef>
+              <a:buFont typeface="Arial" panose="020B0604020202020204" pitchFamily="34" charset="0"/>
+              <a:buNone/>
+              <a:defRPr sz="1600" kern="1200">
+                <a:solidFill>
+                  <a:schemeClr val="tx1"/>
+                </a:solidFill>
+                <a:latin typeface="+mn-lt"/>
+                <a:ea typeface="+mn-ea"/>
+                <a:cs typeface="+mn-cs"/>
+              </a:defRPr>
+            </a:lvl6pPr>
+            <a:lvl7pPr marL="2743200" indent="0" algn="ctr" defTabSz="914400" rtl="0" eaLnBrk="1" latinLnBrk="1" hangingPunct="1">
+              <a:lnSpc>
+                <a:spcPct val="90000"/>
+              </a:lnSpc>
+              <a:spcBef>
+                <a:spcPts val="500"/>
+              </a:spcBef>
+              <a:buFont typeface="Arial" panose="020B0604020202020204" pitchFamily="34" charset="0"/>
+              <a:buNone/>
+              <a:defRPr sz="1600" kern="1200">
+                <a:solidFill>
+                  <a:schemeClr val="tx1"/>
+                </a:solidFill>
+                <a:latin typeface="+mn-lt"/>
+                <a:ea typeface="+mn-ea"/>
+                <a:cs typeface="+mn-cs"/>
+              </a:defRPr>
+            </a:lvl7pPr>
+            <a:lvl8pPr marL="3200400" indent="0" algn="ctr" defTabSz="914400" rtl="0" eaLnBrk="1" latinLnBrk="1" hangingPunct="1">
+              <a:lnSpc>
+                <a:spcPct val="90000"/>
+              </a:lnSpc>
+              <a:spcBef>
+                <a:spcPts val="500"/>
+              </a:spcBef>
+              <a:buFont typeface="Arial" panose="020B0604020202020204" pitchFamily="34" charset="0"/>
+              <a:buNone/>
+              <a:defRPr sz="1600" kern="1200">
+                <a:solidFill>
+                  <a:schemeClr val="tx1"/>
+                </a:solidFill>
+                <a:latin typeface="+mn-lt"/>
+                <a:ea typeface="+mn-ea"/>
+                <a:cs typeface="+mn-cs"/>
+              </a:defRPr>
+            </a:lvl8pPr>
+            <a:lvl9pPr marL="3657600" indent="0" algn="ctr" defTabSz="914400" rtl="0" eaLnBrk="1" latinLnBrk="1" hangingPunct="1">
+              <a:lnSpc>
+                <a:spcPct val="90000"/>
+              </a:lnSpc>
+              <a:spcBef>
+                <a:spcPts val="500"/>
+              </a:spcBef>
+              <a:buFont typeface="Arial" panose="020B0604020202020204" pitchFamily="34" charset="0"/>
+              <a:buNone/>
+              <a:defRPr sz="1600" kern="1200">
+                <a:solidFill>
+                  <a:schemeClr val="tx1"/>
+                </a:solidFill>
+                <a:latin typeface="+mn-lt"/>
+                <a:ea typeface="+mn-ea"/>
+                <a:cs typeface="+mn-cs"/>
+              </a:defRPr>
+            </a:lvl9pPr>
+          </a:lstStyle>
+          <a:p>
+            <a:pPr algn="ctr"/>
+            <a:r>
+              <a:rPr lang="ko-KR" altLang="en-US" dirty="0">
+                <a:hlinkClick r:id="rId2"/>
+              </a:rPr>
+              <a:t>상점별 사기거래 비율</a:t>
+            </a:r>
+            <a:endParaRPr lang="ko-KR" altLang="en-US" dirty="0"/>
+          </a:p>
+        </p:txBody>
+      </p:sp>
+    </p:spTree>
+    <p:extLst>
+      <p:ext uri="{BB962C8B-B14F-4D97-AF65-F5344CB8AC3E}">
+        <p14:creationId xmlns:p14="http://schemas.microsoft.com/office/powerpoint/2010/main" val="4255119411"/>
+      </p:ext>
+    </p:extLst>
+  </p:cSld>
+  <p:clrMapOvr>
+    <a:masterClrMapping/>
+  </p:clrMapOvr>
+</p:sld>
+</file>
+
+<file path=ppt/slides/slide17.xml><?xml version="1.0" encoding="utf-8"?>
+<p:sld xmlns:a="http://schemas.openxmlformats.org/drawingml/2006/main" xmlns:r="http://schemas.openxmlformats.org/officeDocument/2006/relationships" xmlns:p="http://schemas.openxmlformats.org/presentationml/2006/main">
+  <p:cSld>
+    <p:spTree>
+      <p:nvGrpSpPr>
+        <p:cNvPr id="1" name=""/>
+        <p:cNvGrpSpPr/>
+        <p:nvPr/>
+      </p:nvGrpSpPr>
+      <p:grpSpPr>
+        <a:xfrm>
+          <a:off x="0" y="0"/>
+          <a:ext cx="0" cy="0"/>
+          <a:chOff x="0" y="0"/>
+          <a:chExt cx="0" cy="0"/>
+        </a:xfrm>
+      </p:grpSpPr>
       <p:sp>
         <p:nvSpPr>
           <p:cNvPr id="2" name="제목 1">
@@ -6846,7 +7133,7 @@
           <a:p>
             <a:pPr algn="ctr"/>
             <a:r>
-              <a:rPr lang="ko-KR" altLang="en-US" b="1" dirty="0" err="1">
+              <a:rPr lang="ko-KR" altLang="en-US" b="1" dirty="0">
                 <a:solidFill>
                   <a:srgbClr val="4B5555"/>
                 </a:solidFill>
@@ -6854,7 +7141,18 @@
                 <a:ea typeface="나눔고딕" panose="020D0604000000000000" pitchFamily="50" charset="-127"/>
                 <a:cs typeface="+mn-cs"/>
               </a:rPr>
-              <a:t>ㄱㅅ</a:t>
+              <a:t>질문 </a:t>
+            </a:r>
+            <a:r>
+              <a:rPr lang="ko-KR" altLang="en-US" b="1" dirty="0" err="1">
+                <a:solidFill>
+                  <a:srgbClr val="4B5555"/>
+                </a:solidFill>
+                <a:latin typeface="나눔고딕" panose="020D0604000000000000" pitchFamily="50" charset="-127"/>
+                <a:ea typeface="나눔고딕" panose="020D0604000000000000" pitchFamily="50" charset="-127"/>
+                <a:cs typeface="+mn-cs"/>
+              </a:rPr>
+              <a:t>드루와</a:t>
             </a:r>
             <a:endParaRPr lang="ko-KR" altLang="en-US" b="1" dirty="0">
               <a:solidFill>
@@ -12486,7 +12784,7 @@
         <p:spPr>
           <a:xfrm>
             <a:off x="6643324" y="5663236"/>
-            <a:ext cx="2754280" cy="523220"/>
+            <a:ext cx="3430747" cy="523220"/>
           </a:xfrm>
           <a:prstGeom prst="rect">
             <a:avLst/>
@@ -12515,7 +12813,7 @@
             <a:pPr algn="l"/>
             <a:r>
               <a:rPr lang="ko-KR" altLang="en-US" sz="2800" dirty="0"/>
-              <a:t>카드 소유주 생일</a:t>
+              <a:t>카드 소유주 생년월일</a:t>
             </a:r>
             <a:endParaRPr lang="en-KR" sz="2800" dirty="0"/>
           </a:p>

--- a/MZCARD.pptx
+++ b/MZCARD.pptx
@@ -7120,8 +7120,8 @@
         </p:nvSpPr>
         <p:spPr>
           <a:xfrm>
-            <a:off x="4508126" y="3078134"/>
-            <a:ext cx="3175747" cy="701731"/>
+            <a:off x="4258412" y="3078134"/>
+            <a:ext cx="3675175" cy="701731"/>
           </a:xfrm>
           <a:noFill/>
         </p:spPr>
@@ -7141,27 +7141,8 @@
                 <a:ea typeface="나눔고딕" panose="020D0604000000000000" pitchFamily="50" charset="-127"/>
                 <a:cs typeface="+mn-cs"/>
               </a:rPr>
-              <a:t>질문 </a:t>
-            </a:r>
-            <a:r>
-              <a:rPr lang="ko-KR" altLang="en-US" b="1" dirty="0" err="1">
-                <a:solidFill>
-                  <a:srgbClr val="4B5555"/>
-                </a:solidFill>
-                <a:latin typeface="나눔고딕" panose="020D0604000000000000" pitchFamily="50" charset="-127"/>
-                <a:ea typeface="나눔고딕" panose="020D0604000000000000" pitchFamily="50" charset="-127"/>
-                <a:cs typeface="+mn-cs"/>
-              </a:rPr>
-              <a:t>드루와</a:t>
-            </a:r>
-            <a:endParaRPr lang="ko-KR" altLang="en-US" b="1" dirty="0">
-              <a:solidFill>
-                <a:srgbClr val="4B5555"/>
-              </a:solidFill>
-              <a:latin typeface="나눔고딕" panose="020D0604000000000000" pitchFamily="50" charset="-127"/>
-              <a:ea typeface="나눔고딕" panose="020D0604000000000000" pitchFamily="50" charset="-127"/>
-              <a:cs typeface="+mn-cs"/>
-            </a:endParaRPr>
+              <a:t>끝</a:t>
+            </a:r>
           </a:p>
         </p:txBody>
       </p:sp>

--- a/MZCARD.pptx
+++ b/MZCARD.pptx
@@ -34,10 +34,12 @@
     <p:sldId id="312" r:id="rId28"/>
     <p:sldId id="315" r:id="rId29"/>
     <p:sldId id="316" r:id="rId30"/>
-    <p:sldId id="317" r:id="rId31"/>
-    <p:sldId id="308" r:id="rId32"/>
-    <p:sldId id="318" r:id="rId33"/>
-    <p:sldId id="266" r:id="rId34"/>
+    <p:sldId id="321" r:id="rId31"/>
+    <p:sldId id="320" r:id="rId32"/>
+    <p:sldId id="322" r:id="rId33"/>
+    <p:sldId id="318" r:id="rId34"/>
+    <p:sldId id="323" r:id="rId35"/>
+    <p:sldId id="266" r:id="rId36"/>
   </p:sldIdLst>
   <p:sldSz cx="12192000" cy="6858000"/>
   <p:notesSz cx="6858000" cy="9144000"/>
@@ -291,7 +293,7 @@
           <a:p>
             <a:fld id="{72316AD9-E501-42FD-AA2F-869DA5381A7E}" type="datetimeFigureOut">
               <a:rPr lang="ko-KR" altLang="en-US" smtClean="0"/>
-              <a:t>2022-10-29</a:t>
+              <a:t>2022-10-30</a:t>
             </a:fld>
             <a:endParaRPr lang="ko-KR" altLang="en-US"/>
           </a:p>
@@ -489,7 +491,7 @@
           <a:p>
             <a:fld id="{72316AD9-E501-42FD-AA2F-869DA5381A7E}" type="datetimeFigureOut">
               <a:rPr lang="ko-KR" altLang="en-US" smtClean="0"/>
-              <a:t>2022-10-29</a:t>
+              <a:t>2022-10-30</a:t>
             </a:fld>
             <a:endParaRPr lang="ko-KR" altLang="en-US"/>
           </a:p>
@@ -697,7 +699,7 @@
           <a:p>
             <a:fld id="{72316AD9-E501-42FD-AA2F-869DA5381A7E}" type="datetimeFigureOut">
               <a:rPr lang="ko-KR" altLang="en-US" smtClean="0"/>
-              <a:t>2022-10-29</a:t>
+              <a:t>2022-10-30</a:t>
             </a:fld>
             <a:endParaRPr lang="ko-KR" altLang="en-US"/>
           </a:p>
@@ -895,7 +897,7 @@
           <a:p>
             <a:fld id="{72316AD9-E501-42FD-AA2F-869DA5381A7E}" type="datetimeFigureOut">
               <a:rPr lang="ko-KR" altLang="en-US" smtClean="0"/>
-              <a:t>2022-10-29</a:t>
+              <a:t>2022-10-30</a:t>
             </a:fld>
             <a:endParaRPr lang="ko-KR" altLang="en-US"/>
           </a:p>
@@ -1170,7 +1172,7 @@
           <a:p>
             <a:fld id="{72316AD9-E501-42FD-AA2F-869DA5381A7E}" type="datetimeFigureOut">
               <a:rPr lang="ko-KR" altLang="en-US" smtClean="0"/>
-              <a:t>2022-10-29</a:t>
+              <a:t>2022-10-30</a:t>
             </a:fld>
             <a:endParaRPr lang="ko-KR" altLang="en-US"/>
           </a:p>
@@ -1435,7 +1437,7 @@
           <a:p>
             <a:fld id="{72316AD9-E501-42FD-AA2F-869DA5381A7E}" type="datetimeFigureOut">
               <a:rPr lang="ko-KR" altLang="en-US" smtClean="0"/>
-              <a:t>2022-10-29</a:t>
+              <a:t>2022-10-30</a:t>
             </a:fld>
             <a:endParaRPr lang="ko-KR" altLang="en-US"/>
           </a:p>
@@ -1847,7 +1849,7 @@
           <a:p>
             <a:fld id="{72316AD9-E501-42FD-AA2F-869DA5381A7E}" type="datetimeFigureOut">
               <a:rPr lang="ko-KR" altLang="en-US" smtClean="0"/>
-              <a:t>2022-10-29</a:t>
+              <a:t>2022-10-30</a:t>
             </a:fld>
             <a:endParaRPr lang="ko-KR" altLang="en-US"/>
           </a:p>
@@ -1988,7 +1990,7 @@
           <a:p>
             <a:fld id="{72316AD9-E501-42FD-AA2F-869DA5381A7E}" type="datetimeFigureOut">
               <a:rPr lang="ko-KR" altLang="en-US" smtClean="0"/>
-              <a:t>2022-10-29</a:t>
+              <a:t>2022-10-30</a:t>
             </a:fld>
             <a:endParaRPr lang="ko-KR" altLang="en-US"/>
           </a:p>
@@ -2101,7 +2103,7 @@
           <a:p>
             <a:fld id="{72316AD9-E501-42FD-AA2F-869DA5381A7E}" type="datetimeFigureOut">
               <a:rPr lang="ko-KR" altLang="en-US" smtClean="0"/>
-              <a:t>2022-10-29</a:t>
+              <a:t>2022-10-30</a:t>
             </a:fld>
             <a:endParaRPr lang="ko-KR" altLang="en-US"/>
           </a:p>
@@ -2412,7 +2414,7 @@
           <a:p>
             <a:fld id="{72316AD9-E501-42FD-AA2F-869DA5381A7E}" type="datetimeFigureOut">
               <a:rPr lang="ko-KR" altLang="en-US" smtClean="0"/>
-              <a:t>2022-10-29</a:t>
+              <a:t>2022-10-30</a:t>
             </a:fld>
             <a:endParaRPr lang="ko-KR" altLang="en-US"/>
           </a:p>
@@ -2700,7 +2702,7 @@
           <a:p>
             <a:fld id="{72316AD9-E501-42FD-AA2F-869DA5381A7E}" type="datetimeFigureOut">
               <a:rPr lang="ko-KR" altLang="en-US" smtClean="0"/>
-              <a:t>2022-10-29</a:t>
+              <a:t>2022-10-30</a:t>
             </a:fld>
             <a:endParaRPr lang="ko-KR" altLang="en-US"/>
           </a:p>
@@ -2941,7 +2943,7 @@
           <a:p>
             <a:fld id="{72316AD9-E501-42FD-AA2F-869DA5381A7E}" type="datetimeFigureOut">
               <a:rPr lang="ko-KR" altLang="en-US" smtClean="0"/>
-              <a:t>2022-10-29</a:t>
+              <a:t>2022-10-30</a:t>
             </a:fld>
             <a:endParaRPr lang="ko-KR" altLang="en-US"/>
           </a:p>
@@ -7219,6 +7221,53 @@
           <a:chExt cx="0" cy="0"/>
         </a:xfrm>
       </p:grpSpPr>
+      <p:pic>
+        <p:nvPicPr>
+          <p:cNvPr id="1026" name="Picture 2">
+            <a:extLst>
+              <a:ext uri="{FF2B5EF4-FFF2-40B4-BE49-F238E27FC236}">
+                <a16:creationId xmlns:a16="http://schemas.microsoft.com/office/drawing/2014/main" id="{AAD234C2-7110-878C-10BC-1EABB31B5155}"/>
+              </a:ext>
+            </a:extLst>
+          </p:cNvPr>
+          <p:cNvPicPr>
+            <a:picLocks noChangeAspect="1" noChangeArrowheads="1"/>
+          </p:cNvPicPr>
+          <p:nvPr/>
+        </p:nvPicPr>
+        <p:blipFill>
+          <a:blip r:embed="rId2">
+            <a:extLst>
+              <a:ext uri="{28A0092B-C50C-407E-A947-70E740481C1C}">
+                <a14:useLocalDpi xmlns:a14="http://schemas.microsoft.com/office/drawing/2010/main" val="0"/>
+              </a:ext>
+            </a:extLst>
+          </a:blip>
+          <a:srcRect/>
+          <a:stretch>
+            <a:fillRect/>
+          </a:stretch>
+        </p:blipFill>
+        <p:spPr bwMode="auto">
+          <a:xfrm>
+            <a:off x="1574684" y="1676281"/>
+            <a:ext cx="9055332" cy="4731647"/>
+          </a:xfrm>
+          <a:prstGeom prst="rect">
+            <a:avLst/>
+          </a:prstGeom>
+          <a:noFill/>
+          <a:extLst>
+            <a:ext uri="{909E8E84-426E-40DD-AFC4-6F175D3DCCD1}">
+              <a14:hiddenFill xmlns:a14="http://schemas.microsoft.com/office/drawing/2010/main">
+                <a:solidFill>
+                  <a:srgbClr val="FFFFFF"/>
+                </a:solidFill>
+              </a14:hiddenFill>
+            </a:ext>
+          </a:extLst>
+        </p:spPr>
+      </p:pic>
       <p:cxnSp>
         <p:nvCxnSpPr>
           <p:cNvPr id="3" name="직선 연결선 2"/>
@@ -7453,53 +7502,6 @@
           </a:p>
         </p:txBody>
       </p:sp>
-      <p:pic>
-        <p:nvPicPr>
-          <p:cNvPr id="4098" name="Picture 2">
-            <a:extLst>
-              <a:ext uri="{FF2B5EF4-FFF2-40B4-BE49-F238E27FC236}">
-                <a16:creationId xmlns:a16="http://schemas.microsoft.com/office/drawing/2014/main" id="{DE187ED0-9207-9825-21CA-09B545D641EE}"/>
-              </a:ext>
-            </a:extLst>
-          </p:cNvPr>
-          <p:cNvPicPr>
-            <a:picLocks noChangeAspect="1" noChangeArrowheads="1"/>
-          </p:cNvPicPr>
-          <p:nvPr/>
-        </p:nvPicPr>
-        <p:blipFill>
-          <a:blip r:embed="rId2">
-            <a:extLst>
-              <a:ext uri="{28A0092B-C50C-407E-A947-70E740481C1C}">
-                <a14:useLocalDpi xmlns:a14="http://schemas.microsoft.com/office/drawing/2010/main" val="0"/>
-              </a:ext>
-            </a:extLst>
-          </a:blip>
-          <a:srcRect/>
-          <a:stretch>
-            <a:fillRect/>
-          </a:stretch>
-        </p:blipFill>
-        <p:spPr bwMode="auto">
-          <a:xfrm>
-            <a:off x="1561984" y="1675010"/>
-            <a:ext cx="9055331" cy="4731646"/>
-          </a:xfrm>
-          <a:prstGeom prst="rect">
-            <a:avLst/>
-          </a:prstGeom>
-          <a:noFill/>
-          <a:extLst>
-            <a:ext uri="{909E8E84-426E-40DD-AFC4-6F175D3DCCD1}">
-              <a14:hiddenFill xmlns:a14="http://schemas.microsoft.com/office/drawing/2010/main">
-                <a:solidFill>
-                  <a:srgbClr val="FFFFFF"/>
-                </a:solidFill>
-              </a14:hiddenFill>
-            </a:ext>
-          </a:extLst>
-        </p:spPr>
-      </p:pic>
       <p:sp>
         <p:nvSpPr>
           <p:cNvPr id="6" name="Frame 5">
@@ -13534,7 +13536,7 @@
             </a:r>
             <a:r>
               <a:rPr lang="en-US" altLang="ko-KR" sz="2800" dirty="0"/>
-              <a:t> (7,000</a:t>
+              <a:t> (7,506</a:t>
             </a:r>
             <a:r>
               <a:rPr lang="ko-KR" altLang="en-US" sz="2800" dirty="0"/>
@@ -13578,6 +13580,53 @@
           <a:chExt cx="0" cy="0"/>
         </a:xfrm>
       </p:grpSpPr>
+      <p:pic>
+        <p:nvPicPr>
+          <p:cNvPr id="2050" name="Picture 2">
+            <a:extLst>
+              <a:ext uri="{FF2B5EF4-FFF2-40B4-BE49-F238E27FC236}">
+                <a16:creationId xmlns:a16="http://schemas.microsoft.com/office/drawing/2014/main" id="{5A6DE33B-F07B-3A53-BDE3-CA95DF473C11}"/>
+              </a:ext>
+            </a:extLst>
+          </p:cNvPr>
+          <p:cNvPicPr>
+            <a:picLocks noChangeAspect="1" noChangeArrowheads="1"/>
+          </p:cNvPicPr>
+          <p:nvPr/>
+        </p:nvPicPr>
+        <p:blipFill>
+          <a:blip r:embed="rId2">
+            <a:extLst>
+              <a:ext uri="{28A0092B-C50C-407E-A947-70E740481C1C}">
+                <a14:useLocalDpi xmlns:a14="http://schemas.microsoft.com/office/drawing/2010/main" val="0"/>
+              </a:ext>
+            </a:extLst>
+          </a:blip>
+          <a:srcRect/>
+          <a:stretch>
+            <a:fillRect/>
+          </a:stretch>
+        </p:blipFill>
+        <p:spPr bwMode="auto">
+          <a:xfrm>
+            <a:off x="511712" y="2346095"/>
+            <a:ext cx="5251439" cy="3949015"/>
+          </a:xfrm>
+          <a:prstGeom prst="rect">
+            <a:avLst/>
+          </a:prstGeom>
+          <a:noFill/>
+          <a:extLst>
+            <a:ext uri="{909E8E84-426E-40DD-AFC4-6F175D3DCCD1}">
+              <a14:hiddenFill xmlns:a14="http://schemas.microsoft.com/office/drawing/2010/main">
+                <a:solidFill>
+                  <a:srgbClr val="FFFFFF"/>
+                </a:solidFill>
+              </a14:hiddenFill>
+            </a:ext>
+          </a:extLst>
+        </p:spPr>
+      </p:pic>
       <p:cxnSp>
         <p:nvCxnSpPr>
           <p:cNvPr id="3" name="직선 연결선 2"/>
@@ -13791,53 +13840,6 @@
           </a:p>
         </p:txBody>
       </p:sp>
-      <p:pic>
-        <p:nvPicPr>
-          <p:cNvPr id="11266" name="Picture 2">
-            <a:extLst>
-              <a:ext uri="{FF2B5EF4-FFF2-40B4-BE49-F238E27FC236}">
-                <a16:creationId xmlns:a16="http://schemas.microsoft.com/office/drawing/2014/main" id="{C19AA830-15AC-C5EA-8BA0-974273D590C2}"/>
-              </a:ext>
-            </a:extLst>
-          </p:cNvPr>
-          <p:cNvPicPr>
-            <a:picLocks noChangeAspect="1" noChangeArrowheads="1"/>
-          </p:cNvPicPr>
-          <p:nvPr/>
-        </p:nvPicPr>
-        <p:blipFill>
-          <a:blip r:embed="rId2">
-            <a:extLst>
-              <a:ext uri="{28A0092B-C50C-407E-A947-70E740481C1C}">
-                <a14:useLocalDpi xmlns:a14="http://schemas.microsoft.com/office/drawing/2010/main" val="0"/>
-              </a:ext>
-            </a:extLst>
-          </a:blip>
-          <a:srcRect/>
-          <a:stretch>
-            <a:fillRect/>
-          </a:stretch>
-        </p:blipFill>
-        <p:spPr bwMode="auto">
-          <a:xfrm>
-            <a:off x="511713" y="2346095"/>
-            <a:ext cx="5251440" cy="3949016"/>
-          </a:xfrm>
-          <a:prstGeom prst="rect">
-            <a:avLst/>
-          </a:prstGeom>
-          <a:noFill/>
-          <a:extLst>
-            <a:ext uri="{909E8E84-426E-40DD-AFC4-6F175D3DCCD1}">
-              <a14:hiddenFill xmlns:a14="http://schemas.microsoft.com/office/drawing/2010/main">
-                <a:solidFill>
-                  <a:srgbClr val="FFFFFF"/>
-                </a:solidFill>
-              </a14:hiddenFill>
-            </a:ext>
-          </a:extLst>
-        </p:spPr>
-      </p:pic>
       <p:graphicFrame>
         <p:nvGraphicFramePr>
           <p:cNvPr id="6" name="Table 6">
@@ -14393,6 +14395,53 @@
           <a:chExt cx="0" cy="0"/>
         </a:xfrm>
       </p:grpSpPr>
+      <p:pic>
+        <p:nvPicPr>
+          <p:cNvPr id="3074" name="Picture 2">
+            <a:extLst>
+              <a:ext uri="{FF2B5EF4-FFF2-40B4-BE49-F238E27FC236}">
+                <a16:creationId xmlns:a16="http://schemas.microsoft.com/office/drawing/2014/main" id="{83D2A6C9-B800-F509-2A4F-06E21C61732D}"/>
+              </a:ext>
+            </a:extLst>
+          </p:cNvPr>
+          <p:cNvPicPr>
+            <a:picLocks noChangeAspect="1" noChangeArrowheads="1"/>
+          </p:cNvPicPr>
+          <p:nvPr/>
+        </p:nvPicPr>
+        <p:blipFill>
+          <a:blip r:embed="rId2">
+            <a:extLst>
+              <a:ext uri="{28A0092B-C50C-407E-A947-70E740481C1C}">
+                <a14:useLocalDpi xmlns:a14="http://schemas.microsoft.com/office/drawing/2010/main" val="0"/>
+              </a:ext>
+            </a:extLst>
+          </a:blip>
+          <a:srcRect/>
+          <a:stretch>
+            <a:fillRect/>
+          </a:stretch>
+        </p:blipFill>
+        <p:spPr bwMode="auto">
+          <a:xfrm>
+            <a:off x="6428847" y="2346096"/>
+            <a:ext cx="5251440" cy="3949016"/>
+          </a:xfrm>
+          <a:prstGeom prst="rect">
+            <a:avLst/>
+          </a:prstGeom>
+          <a:noFill/>
+          <a:extLst>
+            <a:ext uri="{909E8E84-426E-40DD-AFC4-6F175D3DCCD1}">
+              <a14:hiddenFill xmlns:a14="http://schemas.microsoft.com/office/drawing/2010/main">
+                <a:solidFill>
+                  <a:srgbClr val="FFFFFF"/>
+                </a:solidFill>
+              </a14:hiddenFill>
+            </a:ext>
+          </a:extLst>
+        </p:spPr>
+      </p:pic>
       <p:graphicFrame>
         <p:nvGraphicFramePr>
           <p:cNvPr id="6" name="Table 6">
@@ -14408,7 +14457,7 @@
           <p:nvPr>
             <p:extLst>
               <p:ext uri="{D42A27DB-BD31-4B8C-83A1-F6EECF244321}">
-                <p14:modId xmlns:p14="http://schemas.microsoft.com/office/powerpoint/2010/main" val="521917321"/>
+                <p14:modId xmlns:p14="http://schemas.microsoft.com/office/powerpoint/2010/main" val="3975063321"/>
               </p:ext>
             </p:extLst>
           </p:nvPr>
@@ -14612,7 +14661,7 @@
                       <a:pPr algn="r"/>
                       <a:r>
                         <a:rPr lang="en-US" sz="1400" dirty="0"/>
-                        <a:t>0.89</a:t>
+                        <a:t>0.91</a:t>
                       </a:r>
                     </a:p>
                   </a:txBody>
@@ -14640,7 +14689,7 @@
                       <a:pPr algn="r"/>
                       <a:r>
                         <a:rPr lang="en-US" sz="1400" dirty="0"/>
-                        <a:t>0.81</a:t>
+                        <a:t>0.82</a:t>
                       </a:r>
                     </a:p>
                   </a:txBody>
@@ -14746,7 +14795,7 @@
                       <a:pPr algn="r"/>
                       <a:r>
                         <a:rPr lang="en-US" sz="1400" dirty="0"/>
-                        <a:t>0.94</a:t>
+                        <a:t>0.95</a:t>
                       </a:r>
                     </a:p>
                   </a:txBody>
@@ -14760,7 +14809,7 @@
                       <a:pPr algn="r"/>
                       <a:r>
                         <a:rPr lang="en-US" sz="1400" dirty="0"/>
-                        <a:t>0.87</a:t>
+                        <a:t>0.88</a:t>
                       </a:r>
                     </a:p>
                   </a:txBody>
@@ -15108,7 +15157,7 @@
           <p:nvPr/>
         </p:nvPicPr>
         <p:blipFill>
-          <a:blip r:embed="rId2">
+          <a:blip r:embed="rId3">
             <a:extLst>
               <a:ext uri="{28A0092B-C50C-407E-A947-70E740481C1C}">
                 <a14:useLocalDpi xmlns:a14="http://schemas.microsoft.com/office/drawing/2010/main" val="0"/>
@@ -15294,6 +15343,100 @@
           <a:chExt cx="0" cy="0"/>
         </a:xfrm>
       </p:grpSpPr>
+      <p:pic>
+        <p:nvPicPr>
+          <p:cNvPr id="4100" name="Picture 4">
+            <a:extLst>
+              <a:ext uri="{FF2B5EF4-FFF2-40B4-BE49-F238E27FC236}">
+                <a16:creationId xmlns:a16="http://schemas.microsoft.com/office/drawing/2014/main" id="{859D5776-A911-D532-0A46-9C1D7D6F854A}"/>
+              </a:ext>
+            </a:extLst>
+          </p:cNvPr>
+          <p:cNvPicPr>
+            <a:picLocks noChangeAspect="1" noChangeArrowheads="1"/>
+          </p:cNvPicPr>
+          <p:nvPr/>
+        </p:nvPicPr>
+        <p:blipFill>
+          <a:blip r:embed="rId2">
+            <a:extLst>
+              <a:ext uri="{28A0092B-C50C-407E-A947-70E740481C1C}">
+                <a14:useLocalDpi xmlns:a14="http://schemas.microsoft.com/office/drawing/2010/main" val="0"/>
+              </a:ext>
+            </a:extLst>
+          </a:blip>
+          <a:srcRect/>
+          <a:stretch>
+            <a:fillRect/>
+          </a:stretch>
+        </p:blipFill>
+        <p:spPr bwMode="auto">
+          <a:xfrm>
+            <a:off x="7372815" y="3902832"/>
+            <a:ext cx="3855447" cy="2899247"/>
+          </a:xfrm>
+          <a:prstGeom prst="rect">
+            <a:avLst/>
+          </a:prstGeom>
+          <a:noFill/>
+          <a:extLst>
+            <a:ext uri="{909E8E84-426E-40DD-AFC4-6F175D3DCCD1}">
+              <a14:hiddenFill xmlns:a14="http://schemas.microsoft.com/office/drawing/2010/main">
+                <a:solidFill>
+                  <a:srgbClr val="FFFFFF"/>
+                </a:solidFill>
+              </a14:hiddenFill>
+            </a:ext>
+          </a:extLst>
+        </p:spPr>
+      </p:pic>
+      <p:pic>
+        <p:nvPicPr>
+          <p:cNvPr id="4098" name="Picture 2">
+            <a:extLst>
+              <a:ext uri="{FF2B5EF4-FFF2-40B4-BE49-F238E27FC236}">
+                <a16:creationId xmlns:a16="http://schemas.microsoft.com/office/drawing/2014/main" id="{CB932711-5CE7-F2A6-6779-60E7311D0A52}"/>
+              </a:ext>
+            </a:extLst>
+          </p:cNvPr>
+          <p:cNvPicPr>
+            <a:picLocks noChangeAspect="1" noChangeArrowheads="1"/>
+          </p:cNvPicPr>
+          <p:nvPr/>
+        </p:nvPicPr>
+        <p:blipFill>
+          <a:blip r:embed="rId3">
+            <a:extLst>
+              <a:ext uri="{28A0092B-C50C-407E-A947-70E740481C1C}">
+                <a14:useLocalDpi xmlns:a14="http://schemas.microsoft.com/office/drawing/2010/main" val="0"/>
+              </a:ext>
+            </a:extLst>
+          </a:blip>
+          <a:srcRect/>
+          <a:stretch>
+            <a:fillRect/>
+          </a:stretch>
+        </p:blipFill>
+        <p:spPr bwMode="auto">
+          <a:xfrm>
+            <a:off x="7368987" y="833364"/>
+            <a:ext cx="3859275" cy="2902125"/>
+          </a:xfrm>
+          <a:prstGeom prst="rect">
+            <a:avLst/>
+          </a:prstGeom>
+          <a:noFill/>
+          <a:extLst>
+            <a:ext uri="{909E8E84-426E-40DD-AFC4-6F175D3DCCD1}">
+              <a14:hiddenFill xmlns:a14="http://schemas.microsoft.com/office/drawing/2010/main">
+                <a:solidFill>
+                  <a:srgbClr val="FFFFFF"/>
+                </a:solidFill>
+              </a14:hiddenFill>
+            </a:ext>
+          </a:extLst>
+        </p:spPr>
+      </p:pic>
       <p:cxnSp>
         <p:nvCxnSpPr>
           <p:cNvPr id="3" name="직선 연결선 2"/>
@@ -15527,100 +15670,6 @@
           </a:p>
         </p:txBody>
       </p:sp>
-      <p:pic>
-        <p:nvPicPr>
-          <p:cNvPr id="14338" name="Picture 2">
-            <a:extLst>
-              <a:ext uri="{FF2B5EF4-FFF2-40B4-BE49-F238E27FC236}">
-                <a16:creationId xmlns:a16="http://schemas.microsoft.com/office/drawing/2014/main" id="{BFDDA1DA-1BE7-64DD-D03E-90089395B9F4}"/>
-              </a:ext>
-            </a:extLst>
-          </p:cNvPr>
-          <p:cNvPicPr>
-            <a:picLocks noChangeAspect="1" noChangeArrowheads="1"/>
-          </p:cNvPicPr>
-          <p:nvPr/>
-        </p:nvPicPr>
-        <p:blipFill>
-          <a:blip r:embed="rId2">
-            <a:extLst>
-              <a:ext uri="{28A0092B-C50C-407E-A947-70E740481C1C}">
-                <a14:useLocalDpi xmlns:a14="http://schemas.microsoft.com/office/drawing/2010/main" val="0"/>
-              </a:ext>
-            </a:extLst>
-          </a:blip>
-          <a:srcRect/>
-          <a:stretch>
-            <a:fillRect/>
-          </a:stretch>
-        </p:blipFill>
-        <p:spPr bwMode="auto">
-          <a:xfrm>
-            <a:off x="7368987" y="831165"/>
-            <a:ext cx="3862201" cy="2904326"/>
-          </a:xfrm>
-          <a:prstGeom prst="rect">
-            <a:avLst/>
-          </a:prstGeom>
-          <a:noFill/>
-          <a:extLst>
-            <a:ext uri="{909E8E84-426E-40DD-AFC4-6F175D3DCCD1}">
-              <a14:hiddenFill xmlns:a14="http://schemas.microsoft.com/office/drawing/2010/main">
-                <a:solidFill>
-                  <a:srgbClr val="FFFFFF"/>
-                </a:solidFill>
-              </a14:hiddenFill>
-            </a:ext>
-          </a:extLst>
-        </p:spPr>
-      </p:pic>
-      <p:pic>
-        <p:nvPicPr>
-          <p:cNvPr id="14340" name="Picture 4">
-            <a:extLst>
-              <a:ext uri="{FF2B5EF4-FFF2-40B4-BE49-F238E27FC236}">
-                <a16:creationId xmlns:a16="http://schemas.microsoft.com/office/drawing/2014/main" id="{C286C133-86E8-E25D-A64F-1AF5EBF1AA63}"/>
-              </a:ext>
-            </a:extLst>
-          </p:cNvPr>
-          <p:cNvPicPr>
-            <a:picLocks noChangeAspect="1" noChangeArrowheads="1"/>
-          </p:cNvPicPr>
-          <p:nvPr/>
-        </p:nvPicPr>
-        <p:blipFill>
-          <a:blip r:embed="rId3">
-            <a:extLst>
-              <a:ext uri="{28A0092B-C50C-407E-A947-70E740481C1C}">
-                <a14:useLocalDpi xmlns:a14="http://schemas.microsoft.com/office/drawing/2010/main" val="0"/>
-              </a:ext>
-            </a:extLst>
-          </a:blip>
-          <a:srcRect/>
-          <a:stretch>
-            <a:fillRect/>
-          </a:stretch>
-        </p:blipFill>
-        <p:spPr bwMode="auto">
-          <a:xfrm>
-            <a:off x="7368987" y="3902832"/>
-            <a:ext cx="3862201" cy="2904326"/>
-          </a:xfrm>
-          <a:prstGeom prst="rect">
-            <a:avLst/>
-          </a:prstGeom>
-          <a:noFill/>
-          <a:extLst>
-            <a:ext uri="{909E8E84-426E-40DD-AFC4-6F175D3DCCD1}">
-              <a14:hiddenFill xmlns:a14="http://schemas.microsoft.com/office/drawing/2010/main">
-                <a:solidFill>
-                  <a:srgbClr val="FFFFFF"/>
-                </a:solidFill>
-              </a14:hiddenFill>
-            </a:ext>
-          </a:extLst>
-        </p:spPr>
-      </p:pic>
       <p:sp>
         <p:nvSpPr>
           <p:cNvPr id="13" name="TextBox 12">
@@ -16261,7 +16310,7 @@
           <p:nvPr>
             <p:extLst>
               <p:ext uri="{D42A27DB-BD31-4B8C-83A1-F6EECF244321}">
-                <p14:modId xmlns:p14="http://schemas.microsoft.com/office/powerpoint/2010/main" val="1558972935"/>
+                <p14:modId xmlns:p14="http://schemas.microsoft.com/office/powerpoint/2010/main" val="2702219188"/>
               </p:ext>
             </p:extLst>
           </p:nvPr>
@@ -16409,7 +16458,7 @@
                       <a:pPr algn="r"/>
                       <a:r>
                         <a:rPr lang="en-US" sz="1400" dirty="0"/>
-                        <a:t>0.97</a:t>
+                        <a:t>0.98</a:t>
                       </a:r>
                     </a:p>
                   </a:txBody>
@@ -16465,7 +16514,7 @@
                       <a:pPr algn="r"/>
                       <a:r>
                         <a:rPr lang="en-US" sz="1400" dirty="0"/>
-                        <a:t>0.13</a:t>
+                        <a:t>0.15</a:t>
                       </a:r>
                     </a:p>
                   </a:txBody>
@@ -16479,7 +16528,7 @@
                       <a:pPr algn="r"/>
                       <a:r>
                         <a:rPr lang="en-US" sz="1400" dirty="0"/>
-                        <a:t>0.96</a:t>
+                        <a:t>0.97</a:t>
                       </a:r>
                     </a:p>
                   </a:txBody>
@@ -16493,7 +16542,7 @@
                       <a:pPr algn="r"/>
                       <a:r>
                         <a:rPr lang="en-US" sz="1400" dirty="0"/>
-                        <a:t>0.22</a:t>
+                        <a:t>0.26</a:t>
                       </a:r>
                     </a:p>
                   </a:txBody>
@@ -16557,7 +16606,7 @@
                       <a:pPr algn="r"/>
                       <a:r>
                         <a:rPr lang="en-US" sz="1400" dirty="0"/>
-                        <a:t>0.97</a:t>
+                        <a:t>0.98</a:t>
                       </a:r>
                     </a:p>
                   </a:txBody>
@@ -16599,7 +16648,7 @@
                       <a:pPr algn="r"/>
                       <a:r>
                         <a:rPr lang="en-US" sz="1400" dirty="0"/>
-                        <a:t>0.56</a:t>
+                        <a:t>0.57</a:t>
                       </a:r>
                     </a:p>
                   </a:txBody>
@@ -16627,7 +16676,7 @@
                       <a:pPr algn="r"/>
                       <a:r>
                         <a:rPr lang="en-US" sz="1400" dirty="0"/>
-                        <a:t>0.61</a:t>
+                        <a:t>0.62</a:t>
                       </a:r>
                     </a:p>
                   </a:txBody>
@@ -16683,7 +16732,7 @@
                       <a:pPr algn="r"/>
                       <a:r>
                         <a:rPr lang="en-US" sz="1400" dirty="0"/>
-                        <a:t>0.97</a:t>
+                        <a:t>0.98</a:t>
                       </a:r>
                     </a:p>
                   </a:txBody>
@@ -16697,7 +16746,7 @@
                       <a:pPr algn="r"/>
                       <a:r>
                         <a:rPr lang="en-US" sz="1400" dirty="0"/>
-                        <a:t>0.98</a:t>
+                        <a:t>0.99</a:t>
                       </a:r>
                     </a:p>
                   </a:txBody>
@@ -16803,10 +16852,10 @@
       </p:grpSpPr>
       <p:pic>
         <p:nvPicPr>
-          <p:cNvPr id="17412" name="Picture 4">
-            <a:extLst>
-              <a:ext uri="{FF2B5EF4-FFF2-40B4-BE49-F238E27FC236}">
-                <a16:creationId xmlns:a16="http://schemas.microsoft.com/office/drawing/2014/main" id="{6C905A7F-3EBD-D36A-A88B-D1A55F36BB64}"/>
+          <p:cNvPr id="5124" name="Picture 4">
+            <a:extLst>
+              <a:ext uri="{FF2B5EF4-FFF2-40B4-BE49-F238E27FC236}">
+                <a16:creationId xmlns:a16="http://schemas.microsoft.com/office/drawing/2014/main" id="{82C46DB1-9CE8-9C7A-581F-73000DA5C372}"/>
               </a:ext>
             </a:extLst>
           </p:cNvPr>
@@ -16830,8 +16879,8 @@
         </p:blipFill>
         <p:spPr bwMode="auto">
           <a:xfrm>
-            <a:off x="7368987" y="3902832"/>
-            <a:ext cx="3862201" cy="2904326"/>
+            <a:off x="7370061" y="3903639"/>
+            <a:ext cx="3861127" cy="2903519"/>
           </a:xfrm>
           <a:prstGeom prst="rect">
             <a:avLst/>
@@ -16850,10 +16899,10 @@
       </p:pic>
       <p:pic>
         <p:nvPicPr>
-          <p:cNvPr id="17410" name="Picture 2">
-            <a:extLst>
-              <a:ext uri="{FF2B5EF4-FFF2-40B4-BE49-F238E27FC236}">
-                <a16:creationId xmlns:a16="http://schemas.microsoft.com/office/drawing/2014/main" id="{B3A17D02-DBF0-D7DF-25C5-7D4389349668}"/>
+          <p:cNvPr id="5122" name="Picture 2">
+            <a:extLst>
+              <a:ext uri="{FF2B5EF4-FFF2-40B4-BE49-F238E27FC236}">
+                <a16:creationId xmlns:a16="http://schemas.microsoft.com/office/drawing/2014/main" id="{53C381FB-1059-3B49-764B-E69BA0E568A9}"/>
               </a:ext>
             </a:extLst>
           </p:cNvPr>
@@ -16877,7 +16926,7 @@
         </p:blipFill>
         <p:spPr bwMode="auto">
           <a:xfrm>
-            <a:off x="7368987" y="829778"/>
+            <a:off x="7368987" y="832690"/>
             <a:ext cx="3862201" cy="2904326"/>
           </a:xfrm>
           <a:prstGeom prst="rect">
@@ -17768,7 +17817,7 @@
           <p:nvPr>
             <p:extLst>
               <p:ext uri="{D42A27DB-BD31-4B8C-83A1-F6EECF244321}">
-                <p14:modId xmlns:p14="http://schemas.microsoft.com/office/powerpoint/2010/main" val="602108691"/>
+                <p14:modId xmlns:p14="http://schemas.microsoft.com/office/powerpoint/2010/main" val="2446654171"/>
               </p:ext>
             </p:extLst>
           </p:nvPr>
@@ -17916,7 +17965,7 @@
                       <a:pPr algn="r"/>
                       <a:r>
                         <a:rPr lang="en-US" sz="1400" dirty="0"/>
-                        <a:t>0.98</a:t>
+                        <a:t>0.99</a:t>
                       </a:r>
                     </a:p>
                   </a:txBody>
@@ -17930,7 +17979,7 @@
                       <a:pPr algn="r"/>
                       <a:r>
                         <a:rPr lang="en-US" sz="1400" dirty="0"/>
-                        <a:t>0.99</a:t>
+                        <a:t>1.00</a:t>
                       </a:r>
                     </a:p>
                   </a:txBody>
@@ -17972,7 +18021,7 @@
                       <a:pPr algn="r"/>
                       <a:r>
                         <a:rPr lang="en-US" sz="1400" dirty="0"/>
-                        <a:t>0.15</a:t>
+                        <a:t>0.31</a:t>
                       </a:r>
                     </a:p>
                   </a:txBody>
@@ -17986,7 +18035,7 @@
                       <a:pPr algn="r"/>
                       <a:r>
                         <a:rPr lang="en-US" sz="1400" dirty="0"/>
-                        <a:t>0.97</a:t>
+                        <a:t>0.93</a:t>
                       </a:r>
                     </a:p>
                   </a:txBody>
@@ -18000,7 +18049,7 @@
                       <a:pPr algn="r"/>
                       <a:r>
                         <a:rPr lang="en-US" sz="1400" dirty="0"/>
-                        <a:t>0.26</a:t>
+                        <a:t>0.46</a:t>
                       </a:r>
                     </a:p>
                   </a:txBody>
@@ -18064,7 +18113,7 @@
                       <a:pPr algn="r"/>
                       <a:r>
                         <a:rPr lang="en-US" sz="1400" dirty="0"/>
-                        <a:t>0.98</a:t>
+                        <a:t>0.99</a:t>
                       </a:r>
                     </a:p>
                   </a:txBody>
@@ -18106,7 +18155,7 @@
                       <a:pPr algn="r"/>
                       <a:r>
                         <a:rPr lang="en-US" sz="1400" dirty="0"/>
-                        <a:t>0.58</a:t>
+                        <a:t>0.65</a:t>
                       </a:r>
                     </a:p>
                   </a:txBody>
@@ -18120,7 +18169,7 @@
                       <a:pPr algn="r"/>
                       <a:r>
                         <a:rPr lang="en-US" sz="1400" dirty="0"/>
-                        <a:t>0.97</a:t>
+                        <a:t>0.96</a:t>
                       </a:r>
                     </a:p>
                   </a:txBody>
@@ -18134,7 +18183,7 @@
                       <a:pPr algn="r"/>
                       <a:r>
                         <a:rPr lang="en-US" sz="1400" dirty="0"/>
-                        <a:t>0.63</a:t>
+                        <a:t>0.73</a:t>
                       </a:r>
                     </a:p>
                   </a:txBody>
@@ -18190,7 +18239,7 @@
                       <a:pPr algn="r"/>
                       <a:r>
                         <a:rPr lang="en-US" sz="1400" dirty="0"/>
-                        <a:t>0.98</a:t>
+                        <a:t>0.99</a:t>
                       </a:r>
                     </a:p>
                   </a:txBody>
@@ -18310,10 +18359,10 @@
       </p:grpSpPr>
       <p:pic>
         <p:nvPicPr>
-          <p:cNvPr id="16388" name="Picture 4">
-            <a:extLst>
-              <a:ext uri="{FF2B5EF4-FFF2-40B4-BE49-F238E27FC236}">
-                <a16:creationId xmlns:a16="http://schemas.microsoft.com/office/drawing/2014/main" id="{74687BAD-AA6E-F72C-005C-2FE8E445C3CB}"/>
+          <p:cNvPr id="6148" name="Picture 4">
+            <a:extLst>
+              <a:ext uri="{FF2B5EF4-FFF2-40B4-BE49-F238E27FC236}">
+                <a16:creationId xmlns:a16="http://schemas.microsoft.com/office/drawing/2014/main" id="{090152C6-3442-95B2-1D0D-88DD8D0B4192}"/>
               </a:ext>
             </a:extLst>
           </p:cNvPr>
@@ -18337,8 +18386,8 @@
         </p:blipFill>
         <p:spPr bwMode="auto">
           <a:xfrm>
-            <a:off x="7368985" y="3902831"/>
-            <a:ext cx="3862202" cy="2904327"/>
+            <a:off x="7370776" y="3902013"/>
+            <a:ext cx="3862204" cy="2904329"/>
           </a:xfrm>
           <a:prstGeom prst="rect">
             <a:avLst/>
@@ -18357,10 +18406,10 @@
       </p:pic>
       <p:pic>
         <p:nvPicPr>
-          <p:cNvPr id="16386" name="Picture 2">
-            <a:extLst>
-              <a:ext uri="{FF2B5EF4-FFF2-40B4-BE49-F238E27FC236}">
-                <a16:creationId xmlns:a16="http://schemas.microsoft.com/office/drawing/2014/main" id="{DEDCE842-11E4-7F29-DEDD-E33A61B4743B}"/>
+          <p:cNvPr id="6146" name="Picture 2">
+            <a:extLst>
+              <a:ext uri="{FF2B5EF4-FFF2-40B4-BE49-F238E27FC236}">
+                <a16:creationId xmlns:a16="http://schemas.microsoft.com/office/drawing/2014/main" id="{31010D5C-FDA9-CC15-AB4B-CAF8CA596FB8}"/>
               </a:ext>
             </a:extLst>
           </p:cNvPr>
@@ -18384,8 +18433,8 @@
         </p:blipFill>
         <p:spPr bwMode="auto">
           <a:xfrm>
-            <a:off x="7365234" y="828344"/>
-            <a:ext cx="3865953" cy="2907147"/>
+            <a:off x="7370776" y="828345"/>
+            <a:ext cx="3862204" cy="2904328"/>
           </a:xfrm>
           <a:prstGeom prst="rect">
             <a:avLst/>
@@ -19285,7 +19334,7 @@
           <p:nvPr>
             <p:extLst>
               <p:ext uri="{D42A27DB-BD31-4B8C-83A1-F6EECF244321}">
-                <p14:modId xmlns:p14="http://schemas.microsoft.com/office/powerpoint/2010/main" val="30298892"/>
+                <p14:modId xmlns:p14="http://schemas.microsoft.com/office/powerpoint/2010/main" val="1855465394"/>
               </p:ext>
             </p:extLst>
           </p:nvPr>
@@ -19447,7 +19496,7 @@
                       <a:pPr algn="r"/>
                       <a:r>
                         <a:rPr lang="en-US" sz="1400" dirty="0"/>
-                        <a:t>0.99</a:t>
+                        <a:t>1.00</a:t>
                       </a:r>
                     </a:p>
                   </a:txBody>
@@ -19489,7 +19538,7 @@
                       <a:pPr algn="r"/>
                       <a:r>
                         <a:rPr lang="en-US" sz="1400" dirty="0"/>
-                        <a:t>0.24</a:t>
+                        <a:t>0.35</a:t>
                       </a:r>
                     </a:p>
                   </a:txBody>
@@ -19503,7 +19552,7 @@
                       <a:pPr algn="r"/>
                       <a:r>
                         <a:rPr lang="en-US" sz="1400" dirty="0"/>
-                        <a:t>0.94</a:t>
+                        <a:t>0.90</a:t>
                       </a:r>
                     </a:p>
                   </a:txBody>
@@ -19517,7 +19566,7 @@
                       <a:pPr algn="r"/>
                       <a:r>
                         <a:rPr lang="en-US" sz="1400" dirty="0"/>
-                        <a:t>0.38</a:t>
+                        <a:t>0.50</a:t>
                       </a:r>
                     </a:p>
                   </a:txBody>
@@ -19623,7 +19672,7 @@
                       <a:pPr algn="r"/>
                       <a:r>
                         <a:rPr lang="en-US" sz="1400" dirty="0"/>
-                        <a:t>0.62</a:t>
+                        <a:t>0.67</a:t>
                       </a:r>
                     </a:p>
                   </a:txBody>
@@ -19637,7 +19686,7 @@
                       <a:pPr algn="r"/>
                       <a:r>
                         <a:rPr lang="en-US" sz="1400" dirty="0"/>
-                        <a:t>0.96</a:t>
+                        <a:t>0.95</a:t>
                       </a:r>
                     </a:p>
                   </a:txBody>
@@ -19651,7 +19700,7 @@
                       <a:pPr algn="r"/>
                       <a:r>
                         <a:rPr lang="en-US" sz="1400" dirty="0"/>
-                        <a:t>0.69</a:t>
+                        <a:t>0.75</a:t>
                       </a:r>
                     </a:p>
                   </a:txBody>
@@ -20149,7 +20198,7 @@
         <p:spPr>
           <a:xfrm>
             <a:off x="511713" y="1154331"/>
-            <a:ext cx="8211110" cy="400110"/>
+            <a:ext cx="4987566" cy="400110"/>
           </a:xfrm>
           <a:prstGeom prst="rect">
             <a:avLst/>
@@ -20163,16 +20212,6 @@
           <a:lstStyle/>
           <a:p>
             <a:r>
-              <a:rPr lang="en-US" altLang="ko-KR" sz="2000" b="1" dirty="0">
-                <a:solidFill>
-                  <a:srgbClr val="4B5555"/>
-                </a:solidFill>
-                <a:latin typeface="나눔고딕" panose="020D0604000000000000" pitchFamily="50" charset="-127"/>
-                <a:ea typeface="나눔고딕" panose="020D0604000000000000" pitchFamily="50" charset="-127"/>
-              </a:rPr>
-              <a:t>Grid Search Cross Validation</a:t>
-            </a:r>
-            <a:r>
               <a:rPr lang="ko-KR" altLang="en-US" sz="2000" b="1" dirty="0">
                 <a:solidFill>
                   <a:srgbClr val="4B5555"/>
@@ -20180,17 +20219,17 @@
                 <a:latin typeface="나눔고딕" panose="020D0604000000000000" pitchFamily="50" charset="-127"/>
                 <a:ea typeface="나눔고딕" panose="020D0604000000000000" pitchFamily="50" charset="-127"/>
               </a:rPr>
-              <a:t>을 이용한 최적의 </a:t>
-            </a:r>
-            <a:r>
-              <a:rPr lang="en-US" altLang="ko-KR" sz="2000" b="1" dirty="0">
-                <a:solidFill>
-                  <a:srgbClr val="4B5555"/>
-                </a:solidFill>
-                <a:latin typeface="나눔고딕" panose="020D0604000000000000" pitchFamily="50" charset="-127"/>
-                <a:ea typeface="나눔고딕" panose="020D0604000000000000" pitchFamily="50" charset="-127"/>
-              </a:rPr>
-              <a:t>Hyperparameters</a:t>
+              <a:t>모델 및 </a:t>
+            </a:r>
+            <a:r>
+              <a:rPr lang="ko-KR" altLang="en-US" sz="2000" b="1" dirty="0" err="1">
+                <a:solidFill>
+                  <a:srgbClr val="4B5555"/>
+                </a:solidFill>
+                <a:latin typeface="나눔고딕" panose="020D0604000000000000" pitchFamily="50" charset="-127"/>
+                <a:ea typeface="나눔고딕" panose="020D0604000000000000" pitchFamily="50" charset="-127"/>
+              </a:rPr>
+              <a:t>리샘플링</a:t>
             </a:r>
             <a:r>
               <a:rPr lang="ko-KR" altLang="en-US" sz="2000" b="1" dirty="0">
@@ -20200,7 +20239,7 @@
                 <a:latin typeface="나눔고딕" panose="020D0604000000000000" pitchFamily="50" charset="-127"/>
                 <a:ea typeface="나눔고딕" panose="020D0604000000000000" pitchFamily="50" charset="-127"/>
               </a:rPr>
-              <a:t> 탐색</a:t>
+              <a:t> 기법 선정</a:t>
             </a:r>
             <a:endParaRPr lang="ko-KR" altLang="en-US" sz="2400" b="1" dirty="0">
               <a:solidFill>
@@ -20253,10 +20292,111 @@
           </a:p>
         </p:txBody>
       </p:sp>
+      <p:sp>
+        <p:nvSpPr>
+          <p:cNvPr id="4" name="TextBox 3">
+            <a:extLst>
+              <a:ext uri="{FF2B5EF4-FFF2-40B4-BE49-F238E27FC236}">
+                <a16:creationId xmlns:a16="http://schemas.microsoft.com/office/drawing/2014/main" id="{05489448-E966-24D5-46A3-B76F1763B4D1}"/>
+              </a:ext>
+            </a:extLst>
+          </p:cNvPr>
+          <p:cNvSpPr txBox="1"/>
+          <p:nvPr/>
+        </p:nvSpPr>
+        <p:spPr>
+          <a:xfrm>
+            <a:off x="2331194" y="3234578"/>
+            <a:ext cx="7529612" cy="830997"/>
+          </a:xfrm>
+          <a:prstGeom prst="rect">
+            <a:avLst/>
+          </a:prstGeom>
+          <a:noFill/>
+        </p:spPr>
+        <p:txBody>
+          <a:bodyPr wrap="square" rtlCol="0">
+            <a:spAutoFit/>
+          </a:bodyPr>
+          <a:lstStyle>
+            <a:defPPr>
+              <a:defRPr lang="ko-KR"/>
+            </a:defPPr>
+            <a:lvl1pPr algn="ctr">
+              <a:defRPr sz="2000" b="1">
+                <a:solidFill>
+                  <a:srgbClr val="4B5555"/>
+                </a:solidFill>
+                <a:latin typeface="나눔고딕" panose="020D0604000000000000" pitchFamily="50" charset="-127"/>
+                <a:ea typeface="나눔고딕" panose="020D0604000000000000" pitchFamily="50" charset="-127"/>
+              </a:defRPr>
+            </a:lvl1pPr>
+          </a:lstStyle>
+          <a:p>
+            <a:r>
+              <a:rPr lang="en-US" sz="2400" dirty="0" err="1">
+                <a:solidFill>
+                  <a:schemeClr val="accent2">
+                    <a:lumMod val="75000"/>
+                  </a:schemeClr>
+                </a:solidFill>
+              </a:rPr>
+              <a:t>XGBoostClassifier</a:t>
+            </a:r>
+            <a:r>
+              <a:rPr lang="ko-KR" altLang="en-US" sz="2400" dirty="0"/>
+              <a:t>모델과 </a:t>
+            </a:r>
+            <a:r>
+              <a:rPr lang="ko-KR" altLang="en-US" sz="2400" dirty="0" err="1">
+                <a:solidFill>
+                  <a:schemeClr val="accent2">
+                    <a:lumMod val="75000"/>
+                  </a:schemeClr>
+                </a:solidFill>
+              </a:rPr>
+              <a:t>언더샘플링</a:t>
+            </a:r>
+            <a:r>
+              <a:rPr lang="en-US" altLang="ko-KR" sz="2400" dirty="0">
+                <a:solidFill>
+                  <a:schemeClr val="accent2">
+                    <a:lumMod val="75000"/>
+                  </a:schemeClr>
+                </a:solidFill>
+              </a:rPr>
+              <a:t>, SMOTE </a:t>
+            </a:r>
+            <a:r>
+              <a:rPr lang="ko-KR" altLang="en-US" sz="2400" dirty="0" err="1">
+                <a:solidFill>
+                  <a:schemeClr val="accent2">
+                    <a:lumMod val="75000"/>
+                  </a:schemeClr>
+                </a:solidFill>
+              </a:rPr>
+              <a:t>오버샘플링</a:t>
+            </a:r>
+            <a:r>
+              <a:rPr lang="ko-KR" altLang="en-US" sz="2400" dirty="0" err="1"/>
+              <a:t>된</a:t>
+            </a:r>
+            <a:r>
+              <a:rPr lang="ko-KR" altLang="en-US" sz="2400" dirty="0"/>
+              <a:t> 데이터를 이용해 그리드 </a:t>
+            </a:r>
+            <a:r>
+              <a:rPr lang="ko-KR" altLang="en-US" sz="2400" dirty="0" err="1"/>
+              <a:t>서치</a:t>
+            </a:r>
+            <a:endParaRPr lang="en-KR" sz="2400" dirty="0"/>
+          </a:p>
+        </p:txBody>
+      </p:sp>
     </p:spTree>
     <p:extLst>
       <p:ext uri="{BB962C8B-B14F-4D97-AF65-F5344CB8AC3E}">
-        <p14:creationId xmlns:p14="http://schemas.microsoft.com/office/powerpoint/2010/main" val="4258078627"/>
+        <p14:creationId xmlns:p14="http://schemas.microsoft.com/office/powerpoint/2010/main" val="3370081163"/>
       </p:ext>
     </p:extLst>
   </p:cSld>
@@ -20402,7 +20542,7 @@
         <p:spPr>
           <a:xfrm>
             <a:off x="511713" y="1154331"/>
-            <a:ext cx="6648316" cy="400110"/>
+            <a:ext cx="8211110" cy="400110"/>
           </a:xfrm>
           <a:prstGeom prst="rect">
             <a:avLst/>
@@ -20416,6 +20556,16 @@
           <a:lstStyle/>
           <a:p>
             <a:r>
+              <a:rPr lang="en-US" altLang="ko-KR" sz="2000" b="1" dirty="0" err="1">
+                <a:solidFill>
+                  <a:srgbClr val="4B5555"/>
+                </a:solidFill>
+                <a:latin typeface="나눔고딕" panose="020D0604000000000000" pitchFamily="50" charset="-127"/>
+                <a:ea typeface="나눔고딕" panose="020D0604000000000000" pitchFamily="50" charset="-127"/>
+              </a:rPr>
+              <a:t>GridSearchCV</a:t>
+            </a:r>
+            <a:r>
               <a:rPr lang="ko-KR" altLang="en-US" sz="2000" b="1" dirty="0">
                 <a:solidFill>
                   <a:srgbClr val="4B5555"/>
@@ -20423,7 +20573,7 @@
                 <a:latin typeface="나눔고딕" panose="020D0604000000000000" pitchFamily="50" charset="-127"/>
                 <a:ea typeface="나눔고딕" panose="020D0604000000000000" pitchFamily="50" charset="-127"/>
               </a:rPr>
-              <a:t>최적의 </a:t>
+              <a:t>을 이용한 최적의 </a:t>
             </a:r>
             <a:r>
               <a:rPr lang="en-US" altLang="ko-KR" sz="2000" b="1" dirty="0">
@@ -20443,27 +20593,7 @@
                 <a:latin typeface="나눔고딕" panose="020D0604000000000000" pitchFamily="50" charset="-127"/>
                 <a:ea typeface="나눔고딕" panose="020D0604000000000000" pitchFamily="50" charset="-127"/>
               </a:rPr>
-              <a:t>를 이용하여</a:t>
-            </a:r>
-            <a:r>
-              <a:rPr lang="en-US" altLang="ko-KR" sz="2000" b="1" dirty="0">
-                <a:solidFill>
-                  <a:srgbClr val="4B5555"/>
-                </a:solidFill>
-                <a:latin typeface="나눔고딕" panose="020D0604000000000000" pitchFamily="50" charset="-127"/>
-                <a:ea typeface="나눔고딕" panose="020D0604000000000000" pitchFamily="50" charset="-127"/>
-              </a:rPr>
-              <a:t> </a:t>
-            </a:r>
-            <a:r>
-              <a:rPr lang="ko-KR" altLang="en-US" sz="2000" b="1" dirty="0">
-                <a:solidFill>
-                  <a:srgbClr val="4B5555"/>
-                </a:solidFill>
-                <a:latin typeface="나눔고딕" panose="020D0604000000000000" pitchFamily="50" charset="-127"/>
-                <a:ea typeface="나눔고딕" panose="020D0604000000000000" pitchFamily="50" charset="-127"/>
-              </a:rPr>
-              <a:t>전체 데이터로 학습</a:t>
+              <a:t> 탐색</a:t>
             </a:r>
             <a:endParaRPr lang="ko-KR" altLang="en-US" sz="2400" b="1" dirty="0">
               <a:solidFill>
@@ -20516,10 +20646,758 @@
           </a:p>
         </p:txBody>
       </p:sp>
+      <p:graphicFrame>
+        <p:nvGraphicFramePr>
+          <p:cNvPr id="6" name="Table 6">
+            <a:extLst>
+              <a:ext uri="{FF2B5EF4-FFF2-40B4-BE49-F238E27FC236}">
+                <a16:creationId xmlns:a16="http://schemas.microsoft.com/office/drawing/2014/main" id="{9053BEE6-375C-BF68-01A2-F6946C2235CC}"/>
+              </a:ext>
+            </a:extLst>
+          </p:cNvPr>
+          <p:cNvGraphicFramePr>
+            <a:graphicFrameLocks noGrp="1"/>
+          </p:cNvGraphicFramePr>
+          <p:nvPr/>
+        </p:nvGraphicFramePr>
+        <p:xfrm>
+          <a:off x="1412779" y="3012596"/>
+          <a:ext cx="3269673" cy="2140020"/>
+        </p:xfrm>
+        <a:graphic>
+          <a:graphicData uri="http://schemas.openxmlformats.org/drawingml/2006/table">
+            <a:tbl>
+              <a:tblPr firstRow="1" firstCol="1" bandRow="1">
+                <a:tableStyleId>{93296810-A885-4BE3-A3E7-6D5BEEA58F35}</a:tableStyleId>
+              </a:tblPr>
+              <a:tblGrid>
+                <a:gridCol w="1601585">
+                  <a:extLst>
+                    <a:ext uri="{9D8B030D-6E8A-4147-A177-3AD203B41FA5}">
+                      <a16:colId xmlns:a16="http://schemas.microsoft.com/office/drawing/2014/main" val="1625168884"/>
+                    </a:ext>
+                  </a:extLst>
+                </a:gridCol>
+                <a:gridCol w="1668088">
+                  <a:extLst>
+                    <a:ext uri="{9D8B030D-6E8A-4147-A177-3AD203B41FA5}">
+                      <a16:colId xmlns:a16="http://schemas.microsoft.com/office/drawing/2014/main" val="2651069430"/>
+                    </a:ext>
+                  </a:extLst>
+                </a:gridCol>
+              </a:tblGrid>
+              <a:tr h="354852">
+                <a:tc>
+                  <a:txBody>
+                    <a:bodyPr/>
+                    <a:lstStyle/>
+                    <a:p>
+                      <a:pPr algn="ctr"/>
+                      <a:endParaRPr lang="en-US" dirty="0"/>
+                    </a:p>
+                  </a:txBody>
+                  <a:tcPr/>
+                </a:tc>
+                <a:tc>
+                  <a:txBody>
+                    <a:bodyPr/>
+                    <a:lstStyle/>
+                    <a:p>
+                      <a:pPr algn="ctr"/>
+                      <a:r>
+                        <a:rPr lang="en-US" sz="1200" dirty="0"/>
+                        <a:t>Values (CV = 5)</a:t>
+                      </a:r>
+                    </a:p>
+                  </a:txBody>
+                  <a:tcPr anchor="ctr"/>
+                </a:tc>
+                <a:extLst>
+                  <a:ext uri="{0D108BD9-81ED-4DB2-BD59-A6C34878D82A}">
+                    <a16:rowId xmlns:a16="http://schemas.microsoft.com/office/drawing/2014/main" val="1646888325"/>
+                  </a:ext>
+                </a:extLst>
+              </a:tr>
+              <a:tr h="354852">
+                <a:tc>
+                  <a:txBody>
+                    <a:bodyPr/>
+                    <a:lstStyle/>
+                    <a:p>
+                      <a:pPr marL="0" algn="ctr" defTabSz="914400" rtl="0" eaLnBrk="1" latinLnBrk="1" hangingPunct="1"/>
+                      <a:r>
+                        <a:rPr lang="en-US" sz="1200" dirty="0" err="1"/>
+                        <a:t>n_estimators</a:t>
+                      </a:r>
+                      <a:endParaRPr lang="en-US" sz="1200" b="1" kern="1200" dirty="0">
+                        <a:solidFill>
+                          <a:schemeClr val="lt1"/>
+                        </a:solidFill>
+                        <a:latin typeface="+mn-lt"/>
+                        <a:ea typeface="+mn-ea"/>
+                        <a:cs typeface="+mn-cs"/>
+                      </a:endParaRPr>
+                    </a:p>
+                  </a:txBody>
+                  <a:tcPr anchor="ctr"/>
+                </a:tc>
+                <a:tc>
+                  <a:txBody>
+                    <a:bodyPr/>
+                    <a:lstStyle/>
+                    <a:p>
+                      <a:pPr algn="ctr"/>
+                      <a:r>
+                        <a:rPr lang="en-US" sz="1600" dirty="0"/>
+                        <a:t>100   200   300</a:t>
+                      </a:r>
+                    </a:p>
+                  </a:txBody>
+                  <a:tcPr anchor="ctr"/>
+                </a:tc>
+                <a:extLst>
+                  <a:ext uri="{0D108BD9-81ED-4DB2-BD59-A6C34878D82A}">
+                    <a16:rowId xmlns:a16="http://schemas.microsoft.com/office/drawing/2014/main" val="3607368520"/>
+                  </a:ext>
+                </a:extLst>
+              </a:tr>
+              <a:tr h="354852">
+                <a:tc>
+                  <a:txBody>
+                    <a:bodyPr/>
+                    <a:lstStyle/>
+                    <a:p>
+                      <a:pPr marL="0" algn="ctr" defTabSz="914400" rtl="0" eaLnBrk="1" latinLnBrk="1" hangingPunct="1"/>
+                      <a:r>
+                        <a:rPr lang="en-US" sz="1200" dirty="0" err="1"/>
+                        <a:t>learning_rate</a:t>
+                      </a:r>
+                      <a:endParaRPr lang="en-US" sz="1200" b="1" kern="1200" dirty="0">
+                        <a:solidFill>
+                          <a:schemeClr val="lt1"/>
+                        </a:solidFill>
+                        <a:latin typeface="+mn-lt"/>
+                        <a:ea typeface="+mn-ea"/>
+                        <a:cs typeface="+mn-cs"/>
+                      </a:endParaRPr>
+                    </a:p>
+                  </a:txBody>
+                  <a:tcPr anchor="ctr"/>
+                </a:tc>
+                <a:tc>
+                  <a:txBody>
+                    <a:bodyPr/>
+                    <a:lstStyle/>
+                    <a:p>
+                      <a:pPr algn="ctr"/>
+                      <a:r>
+                        <a:rPr lang="en-US" sz="1600" dirty="0"/>
+                        <a:t>0.01   0.1</a:t>
+                      </a:r>
+                    </a:p>
+                  </a:txBody>
+                  <a:tcPr anchor="ctr"/>
+                </a:tc>
+                <a:extLst>
+                  <a:ext uri="{0D108BD9-81ED-4DB2-BD59-A6C34878D82A}">
+                    <a16:rowId xmlns:a16="http://schemas.microsoft.com/office/drawing/2014/main" val="1182080453"/>
+                  </a:ext>
+                </a:extLst>
+              </a:tr>
+              <a:tr h="354852">
+                <a:tc>
+                  <a:txBody>
+                    <a:bodyPr/>
+                    <a:lstStyle/>
+                    <a:p>
+                      <a:pPr marL="0" algn="ctr" defTabSz="914400" rtl="0" eaLnBrk="1" latinLnBrk="1" hangingPunct="1"/>
+                      <a:r>
+                        <a:rPr lang="en-US" sz="1200" dirty="0" err="1"/>
+                        <a:t>max_depth</a:t>
+                      </a:r>
+                      <a:endParaRPr lang="en-US" sz="1200" b="1" kern="1200" dirty="0">
+                        <a:solidFill>
+                          <a:schemeClr val="lt1"/>
+                        </a:solidFill>
+                        <a:latin typeface="+mn-lt"/>
+                        <a:ea typeface="+mn-ea"/>
+                        <a:cs typeface="+mn-cs"/>
+                      </a:endParaRPr>
+                    </a:p>
+                  </a:txBody>
+                  <a:tcPr anchor="ctr"/>
+                </a:tc>
+                <a:tc>
+                  <a:txBody>
+                    <a:bodyPr/>
+                    <a:lstStyle/>
+                    <a:p>
+                      <a:pPr algn="ctr"/>
+                      <a:r>
+                        <a:rPr lang="en-US" sz="1600" dirty="0"/>
+                        <a:t>3   7   10</a:t>
+                      </a:r>
+                    </a:p>
+                  </a:txBody>
+                  <a:tcPr anchor="ctr"/>
+                </a:tc>
+                <a:extLst>
+                  <a:ext uri="{0D108BD9-81ED-4DB2-BD59-A6C34878D82A}">
+                    <a16:rowId xmlns:a16="http://schemas.microsoft.com/office/drawing/2014/main" val="2581843712"/>
+                  </a:ext>
+                </a:extLst>
+              </a:tr>
+              <a:tr h="354852">
+                <a:tc>
+                  <a:txBody>
+                    <a:bodyPr/>
+                    <a:lstStyle/>
+                    <a:p>
+                      <a:pPr marL="0" algn="ctr" defTabSz="914400" rtl="0" eaLnBrk="1" latinLnBrk="1" hangingPunct="1"/>
+                      <a:r>
+                        <a:rPr lang="en-US" sz="1200" dirty="0"/>
+                        <a:t>gamma</a:t>
+                      </a:r>
+                      <a:endParaRPr lang="en-US" sz="1200" b="1" kern="1200" dirty="0">
+                        <a:solidFill>
+                          <a:schemeClr val="lt1"/>
+                        </a:solidFill>
+                        <a:latin typeface="+mn-lt"/>
+                        <a:ea typeface="+mn-ea"/>
+                        <a:cs typeface="+mn-cs"/>
+                      </a:endParaRPr>
+                    </a:p>
+                  </a:txBody>
+                  <a:tcPr anchor="ctr"/>
+                </a:tc>
+                <a:tc>
+                  <a:txBody>
+                    <a:bodyPr/>
+                    <a:lstStyle/>
+                    <a:p>
+                      <a:pPr algn="ctr"/>
+                      <a:r>
+                        <a:rPr lang="en-US" sz="1600" dirty="0"/>
+                        <a:t>0   1   2</a:t>
+                      </a:r>
+                    </a:p>
+                  </a:txBody>
+                  <a:tcPr anchor="ctr"/>
+                </a:tc>
+                <a:extLst>
+                  <a:ext uri="{0D108BD9-81ED-4DB2-BD59-A6C34878D82A}">
+                    <a16:rowId xmlns:a16="http://schemas.microsoft.com/office/drawing/2014/main" val="804198424"/>
+                  </a:ext>
+                </a:extLst>
+              </a:tr>
+              <a:tr h="354852">
+                <a:tc>
+                  <a:txBody>
+                    <a:bodyPr/>
+                    <a:lstStyle/>
+                    <a:p>
+                      <a:pPr marL="0" algn="ctr" defTabSz="914400" rtl="0" eaLnBrk="1" latinLnBrk="1" hangingPunct="1"/>
+                      <a:r>
+                        <a:rPr lang="en-US" sz="1200" dirty="0" err="1"/>
+                        <a:t>colsample_bytree</a:t>
+                      </a:r>
+                      <a:endParaRPr lang="en-US" sz="1200" b="1" kern="1200" dirty="0">
+                        <a:solidFill>
+                          <a:schemeClr val="lt1"/>
+                        </a:solidFill>
+                        <a:latin typeface="+mn-lt"/>
+                        <a:ea typeface="+mn-ea"/>
+                        <a:cs typeface="+mn-cs"/>
+                      </a:endParaRPr>
+                    </a:p>
+                  </a:txBody>
+                  <a:tcPr anchor="ctr"/>
+                </a:tc>
+                <a:tc>
+                  <a:txBody>
+                    <a:bodyPr/>
+                    <a:lstStyle/>
+                    <a:p>
+                      <a:pPr algn="ctr"/>
+                      <a:r>
+                        <a:rPr lang="en-US" sz="1600" dirty="0"/>
+                        <a:t>0.8   0.9</a:t>
+                      </a:r>
+                    </a:p>
+                  </a:txBody>
+                  <a:tcPr anchor="ctr"/>
+                </a:tc>
+                <a:extLst>
+                  <a:ext uri="{0D108BD9-81ED-4DB2-BD59-A6C34878D82A}">
+                    <a16:rowId xmlns:a16="http://schemas.microsoft.com/office/drawing/2014/main" val="2396135537"/>
+                  </a:ext>
+                </a:extLst>
+              </a:tr>
+            </a:tbl>
+          </a:graphicData>
+        </a:graphic>
+      </p:graphicFrame>
+      <p:graphicFrame>
+        <p:nvGraphicFramePr>
+          <p:cNvPr id="7" name="Table 6">
+            <a:extLst>
+              <a:ext uri="{FF2B5EF4-FFF2-40B4-BE49-F238E27FC236}">
+                <a16:creationId xmlns:a16="http://schemas.microsoft.com/office/drawing/2014/main" id="{A8B86F0A-42A1-34D1-C87B-3A9A47E705F2}"/>
+              </a:ext>
+            </a:extLst>
+          </p:cNvPr>
+          <p:cNvGraphicFramePr>
+            <a:graphicFrameLocks noGrp="1"/>
+          </p:cNvGraphicFramePr>
+          <p:nvPr>
+            <p:extLst>
+              <p:ext uri="{D42A27DB-BD31-4B8C-83A1-F6EECF244321}">
+                <p14:modId xmlns:p14="http://schemas.microsoft.com/office/powerpoint/2010/main" val="3692807324"/>
+              </p:ext>
+            </p:extLst>
+          </p:nvPr>
+        </p:nvGraphicFramePr>
+        <p:xfrm>
+          <a:off x="7622252" y="3012596"/>
+          <a:ext cx="3019358" cy="2140020"/>
+        </p:xfrm>
+        <a:graphic>
+          <a:graphicData uri="http://schemas.openxmlformats.org/drawingml/2006/table">
+            <a:tbl>
+              <a:tblPr firstRow="1" firstCol="1" bandRow="1">
+                <a:tableStyleId>{93296810-A885-4BE3-A3E7-6D5BEEA58F35}</a:tableStyleId>
+              </a:tblPr>
+              <a:tblGrid>
+                <a:gridCol w="1530548">
+                  <a:extLst>
+                    <a:ext uri="{9D8B030D-6E8A-4147-A177-3AD203B41FA5}">
+                      <a16:colId xmlns:a16="http://schemas.microsoft.com/office/drawing/2014/main" val="1625168884"/>
+                    </a:ext>
+                  </a:extLst>
+                </a:gridCol>
+                <a:gridCol w="1488810">
+                  <a:extLst>
+                    <a:ext uri="{9D8B030D-6E8A-4147-A177-3AD203B41FA5}">
+                      <a16:colId xmlns:a16="http://schemas.microsoft.com/office/drawing/2014/main" val="2651069430"/>
+                    </a:ext>
+                  </a:extLst>
+                </a:gridCol>
+              </a:tblGrid>
+              <a:tr h="354852">
+                <a:tc>
+                  <a:txBody>
+                    <a:bodyPr/>
+                    <a:lstStyle/>
+                    <a:p>
+                      <a:endParaRPr lang="en-US" dirty="0"/>
+                    </a:p>
+                  </a:txBody>
+                  <a:tcPr/>
+                </a:tc>
+                <a:tc>
+                  <a:txBody>
+                    <a:bodyPr/>
+                    <a:lstStyle/>
+                    <a:p>
+                      <a:pPr algn="ctr"/>
+                      <a:r>
+                        <a:rPr lang="en-US" sz="1200" dirty="0"/>
+                        <a:t>optimal values</a:t>
+                      </a:r>
+                    </a:p>
+                  </a:txBody>
+                  <a:tcPr anchor="ctr"/>
+                </a:tc>
+                <a:extLst>
+                  <a:ext uri="{0D108BD9-81ED-4DB2-BD59-A6C34878D82A}">
+                    <a16:rowId xmlns:a16="http://schemas.microsoft.com/office/drawing/2014/main" val="1646888325"/>
+                  </a:ext>
+                </a:extLst>
+              </a:tr>
+              <a:tr h="354852">
+                <a:tc>
+                  <a:txBody>
+                    <a:bodyPr/>
+                    <a:lstStyle/>
+                    <a:p>
+                      <a:pPr marL="0" algn="ctr" defTabSz="914400" rtl="0" eaLnBrk="1" latinLnBrk="1" hangingPunct="1"/>
+                      <a:r>
+                        <a:rPr lang="en-US" sz="1200" dirty="0" err="1"/>
+                        <a:t>n_estimators</a:t>
+                      </a:r>
+                      <a:endParaRPr lang="en-US" sz="1200" b="1" kern="1200" dirty="0">
+                        <a:solidFill>
+                          <a:schemeClr val="lt1"/>
+                        </a:solidFill>
+                        <a:latin typeface="+mn-lt"/>
+                        <a:ea typeface="+mn-ea"/>
+                        <a:cs typeface="+mn-cs"/>
+                      </a:endParaRPr>
+                    </a:p>
+                  </a:txBody>
+                  <a:tcPr anchor="ctr"/>
+                </a:tc>
+                <a:tc>
+                  <a:txBody>
+                    <a:bodyPr/>
+                    <a:lstStyle/>
+                    <a:p>
+                      <a:pPr algn="ctr"/>
+                      <a:r>
+                        <a:rPr lang="en-US" sz="1600" dirty="0"/>
+                        <a:t>100</a:t>
+                      </a:r>
+                    </a:p>
+                  </a:txBody>
+                  <a:tcPr anchor="ctr"/>
+                </a:tc>
+                <a:extLst>
+                  <a:ext uri="{0D108BD9-81ED-4DB2-BD59-A6C34878D82A}">
+                    <a16:rowId xmlns:a16="http://schemas.microsoft.com/office/drawing/2014/main" val="3607368520"/>
+                  </a:ext>
+                </a:extLst>
+              </a:tr>
+              <a:tr h="354852">
+                <a:tc>
+                  <a:txBody>
+                    <a:bodyPr/>
+                    <a:lstStyle/>
+                    <a:p>
+                      <a:pPr marL="0" algn="ctr" defTabSz="914400" rtl="0" eaLnBrk="1" latinLnBrk="1" hangingPunct="1"/>
+                      <a:r>
+                        <a:rPr lang="en-US" sz="1200" dirty="0" err="1"/>
+                        <a:t>learning_rate</a:t>
+                      </a:r>
+                      <a:endParaRPr lang="en-US" sz="1200" b="1" kern="1200" dirty="0">
+                        <a:solidFill>
+                          <a:schemeClr val="lt1"/>
+                        </a:solidFill>
+                        <a:latin typeface="+mn-lt"/>
+                        <a:ea typeface="+mn-ea"/>
+                        <a:cs typeface="+mn-cs"/>
+                      </a:endParaRPr>
+                    </a:p>
+                  </a:txBody>
+                  <a:tcPr anchor="ctr"/>
+                </a:tc>
+                <a:tc>
+                  <a:txBody>
+                    <a:bodyPr/>
+                    <a:lstStyle/>
+                    <a:p>
+                      <a:pPr algn="ctr"/>
+                      <a:r>
+                        <a:rPr lang="en-US" sz="1600" dirty="0"/>
+                        <a:t>0.1</a:t>
+                      </a:r>
+                    </a:p>
+                  </a:txBody>
+                  <a:tcPr anchor="ctr"/>
+                </a:tc>
+                <a:extLst>
+                  <a:ext uri="{0D108BD9-81ED-4DB2-BD59-A6C34878D82A}">
+                    <a16:rowId xmlns:a16="http://schemas.microsoft.com/office/drawing/2014/main" val="1182080453"/>
+                  </a:ext>
+                </a:extLst>
+              </a:tr>
+              <a:tr h="354852">
+                <a:tc>
+                  <a:txBody>
+                    <a:bodyPr/>
+                    <a:lstStyle/>
+                    <a:p>
+                      <a:pPr marL="0" algn="ctr" defTabSz="914400" rtl="0" eaLnBrk="1" latinLnBrk="1" hangingPunct="1"/>
+                      <a:r>
+                        <a:rPr lang="en-US" sz="1200" dirty="0" err="1"/>
+                        <a:t>max_depth</a:t>
+                      </a:r>
+                      <a:endParaRPr lang="en-US" sz="1200" b="1" kern="1200" dirty="0">
+                        <a:solidFill>
+                          <a:schemeClr val="lt1"/>
+                        </a:solidFill>
+                        <a:latin typeface="+mn-lt"/>
+                        <a:ea typeface="+mn-ea"/>
+                        <a:cs typeface="+mn-cs"/>
+                      </a:endParaRPr>
+                    </a:p>
+                  </a:txBody>
+                  <a:tcPr anchor="ctr"/>
+                </a:tc>
+                <a:tc>
+                  <a:txBody>
+                    <a:bodyPr/>
+                    <a:lstStyle/>
+                    <a:p>
+                      <a:pPr algn="ctr"/>
+                      <a:r>
+                        <a:rPr lang="en-US" sz="1600" dirty="0"/>
+                        <a:t>10</a:t>
+                      </a:r>
+                    </a:p>
+                  </a:txBody>
+                  <a:tcPr anchor="ctr"/>
+                </a:tc>
+                <a:extLst>
+                  <a:ext uri="{0D108BD9-81ED-4DB2-BD59-A6C34878D82A}">
+                    <a16:rowId xmlns:a16="http://schemas.microsoft.com/office/drawing/2014/main" val="2581843712"/>
+                  </a:ext>
+                </a:extLst>
+              </a:tr>
+              <a:tr h="354852">
+                <a:tc>
+                  <a:txBody>
+                    <a:bodyPr/>
+                    <a:lstStyle/>
+                    <a:p>
+                      <a:pPr marL="0" algn="ctr" defTabSz="914400" rtl="0" eaLnBrk="1" latinLnBrk="1" hangingPunct="1"/>
+                      <a:r>
+                        <a:rPr lang="en-US" sz="1200" dirty="0"/>
+                        <a:t>gamma</a:t>
+                      </a:r>
+                      <a:endParaRPr lang="en-US" sz="1200" b="1" kern="1200" dirty="0">
+                        <a:solidFill>
+                          <a:schemeClr val="lt1"/>
+                        </a:solidFill>
+                        <a:latin typeface="+mn-lt"/>
+                        <a:ea typeface="+mn-ea"/>
+                        <a:cs typeface="+mn-cs"/>
+                      </a:endParaRPr>
+                    </a:p>
+                  </a:txBody>
+                  <a:tcPr anchor="ctr"/>
+                </a:tc>
+                <a:tc>
+                  <a:txBody>
+                    <a:bodyPr/>
+                    <a:lstStyle/>
+                    <a:p>
+                      <a:pPr algn="ctr"/>
+                      <a:r>
+                        <a:rPr lang="en-US" sz="1600" dirty="0"/>
+                        <a:t>0</a:t>
+                      </a:r>
+                    </a:p>
+                  </a:txBody>
+                  <a:tcPr anchor="ctr"/>
+                </a:tc>
+                <a:extLst>
+                  <a:ext uri="{0D108BD9-81ED-4DB2-BD59-A6C34878D82A}">
+                    <a16:rowId xmlns:a16="http://schemas.microsoft.com/office/drawing/2014/main" val="804198424"/>
+                  </a:ext>
+                </a:extLst>
+              </a:tr>
+              <a:tr h="354852">
+                <a:tc>
+                  <a:txBody>
+                    <a:bodyPr/>
+                    <a:lstStyle/>
+                    <a:p>
+                      <a:pPr marL="0" algn="ctr" defTabSz="914400" rtl="0" eaLnBrk="1" latinLnBrk="1" hangingPunct="1"/>
+                      <a:r>
+                        <a:rPr lang="en-US" sz="1200" dirty="0" err="1"/>
+                        <a:t>colsample_bytree</a:t>
+                      </a:r>
+                      <a:endParaRPr lang="en-US" sz="1200" b="1" kern="1200" dirty="0">
+                        <a:solidFill>
+                          <a:schemeClr val="lt1"/>
+                        </a:solidFill>
+                        <a:latin typeface="+mn-lt"/>
+                        <a:ea typeface="+mn-ea"/>
+                        <a:cs typeface="+mn-cs"/>
+                      </a:endParaRPr>
+                    </a:p>
+                  </a:txBody>
+                  <a:tcPr anchor="ctr"/>
+                </a:tc>
+                <a:tc>
+                  <a:txBody>
+                    <a:bodyPr/>
+                    <a:lstStyle/>
+                    <a:p>
+                      <a:pPr algn="ctr"/>
+                      <a:r>
+                        <a:rPr lang="en-US" sz="1600" dirty="0"/>
+                        <a:t>0.9</a:t>
+                      </a:r>
+                    </a:p>
+                  </a:txBody>
+                  <a:tcPr anchor="ctr"/>
+                </a:tc>
+                <a:extLst>
+                  <a:ext uri="{0D108BD9-81ED-4DB2-BD59-A6C34878D82A}">
+                    <a16:rowId xmlns:a16="http://schemas.microsoft.com/office/drawing/2014/main" val="2396135537"/>
+                  </a:ext>
+                </a:extLst>
+              </a:tr>
+            </a:tbl>
+          </a:graphicData>
+        </a:graphic>
+      </p:graphicFrame>
+      <p:grpSp>
+        <p:nvGrpSpPr>
+          <p:cNvPr id="13" name="Group 12">
+            <a:extLst>
+              <a:ext uri="{FF2B5EF4-FFF2-40B4-BE49-F238E27FC236}">
+                <a16:creationId xmlns:a16="http://schemas.microsoft.com/office/drawing/2014/main" id="{6CC4B54B-1707-7B0C-8B6C-FCD9975B5959}"/>
+              </a:ext>
+            </a:extLst>
+          </p:cNvPr>
+          <p:cNvGrpSpPr/>
+          <p:nvPr/>
+        </p:nvGrpSpPr>
+        <p:grpSpPr>
+          <a:xfrm>
+            <a:off x="4870416" y="3615604"/>
+            <a:ext cx="2563871" cy="1222177"/>
+            <a:chOff x="4870416" y="3720899"/>
+            <a:chExt cx="2563871" cy="1222177"/>
+          </a:xfrm>
+        </p:grpSpPr>
+        <p:pic>
+          <p:nvPicPr>
+            <p:cNvPr id="8" name="Graphic 7" descr="Arrow Right with solid fill">
+              <a:extLst>
+                <a:ext uri="{FF2B5EF4-FFF2-40B4-BE49-F238E27FC236}">
+                  <a16:creationId xmlns:a16="http://schemas.microsoft.com/office/drawing/2014/main" id="{623F7B49-C78E-77E8-391D-38E1F914A4CD}"/>
+                </a:ext>
+              </a:extLst>
+            </p:cNvPr>
+            <p:cNvPicPr>
+              <a:picLocks noChangeAspect="1"/>
+            </p:cNvPicPr>
+            <p:nvPr/>
+          </p:nvPicPr>
+          <p:blipFill>
+            <a:blip r:embed="rId2">
+              <a:extLst>
+                <a:ext uri="{28A0092B-C50C-407E-A947-70E740481C1C}">
+                  <a14:useLocalDpi xmlns:a14="http://schemas.microsoft.com/office/drawing/2010/main" val="0"/>
+                </a:ext>
+                <a:ext uri="{96DAC541-7B7A-43D3-8B79-37D633B846F1}">
+                  <asvg:svgBlip xmlns:asvg="http://schemas.microsoft.com/office/drawing/2016/SVG/main" r:embed="rId3"/>
+                </a:ext>
+              </a:extLst>
+            </a:blip>
+            <a:stretch>
+              <a:fillRect/>
+            </a:stretch>
+          </p:blipFill>
+          <p:spPr>
+            <a:xfrm>
+              <a:off x="5695152" y="3874788"/>
+              <a:ext cx="914400" cy="914400"/>
+            </a:xfrm>
+            <a:prstGeom prst="rect">
+              <a:avLst/>
+            </a:prstGeom>
+          </p:spPr>
+        </p:pic>
+        <p:sp>
+          <p:nvSpPr>
+            <p:cNvPr id="10" name="TextBox 9">
+              <a:extLst>
+                <a:ext uri="{FF2B5EF4-FFF2-40B4-BE49-F238E27FC236}">
+                  <a16:creationId xmlns:a16="http://schemas.microsoft.com/office/drawing/2014/main" id="{72773DEC-B5CC-6E02-571C-B15B6736059F}"/>
+                </a:ext>
+              </a:extLst>
+            </p:cNvPr>
+            <p:cNvSpPr txBox="1"/>
+            <p:nvPr/>
+          </p:nvSpPr>
+          <p:spPr>
+            <a:xfrm>
+              <a:off x="4870416" y="3720899"/>
+              <a:ext cx="2563871" cy="307777"/>
+            </a:xfrm>
+            <a:prstGeom prst="rect">
+              <a:avLst/>
+            </a:prstGeom>
+            <a:noFill/>
+          </p:spPr>
+          <p:txBody>
+            <a:bodyPr wrap="square" rtlCol="0">
+              <a:spAutoFit/>
+            </a:bodyPr>
+            <a:lstStyle/>
+            <a:p>
+              <a:pPr algn="ctr"/>
+              <a:r>
+                <a:rPr lang="en-US" altLang="ko-KR" sz="1400" b="1" dirty="0">
+                  <a:solidFill>
+                    <a:srgbClr val="4B5555"/>
+                  </a:solidFill>
+                  <a:latin typeface="나눔고딕" panose="020D0604000000000000" pitchFamily="50" charset="-127"/>
+                  <a:ea typeface="나눔고딕" panose="020D0604000000000000" pitchFamily="50" charset="-127"/>
+                </a:rPr>
+                <a:t>Grid Search Cross Validation</a:t>
+              </a:r>
+              <a:endParaRPr lang="ko-KR" altLang="en-US" sz="1600" b="1" dirty="0">
+                <a:solidFill>
+                  <a:srgbClr val="1171A4"/>
+                </a:solidFill>
+                <a:latin typeface="나눔고딕" panose="020D0604000000000000" pitchFamily="50" charset="-127"/>
+                <a:ea typeface="나눔고딕" panose="020D0604000000000000" pitchFamily="50" charset="-127"/>
+              </a:endParaRPr>
+            </a:p>
+          </p:txBody>
+        </p:sp>
+        <p:sp>
+          <p:nvSpPr>
+            <p:cNvPr id="14" name="TextBox 13">
+              <a:extLst>
+                <a:ext uri="{FF2B5EF4-FFF2-40B4-BE49-F238E27FC236}">
+                  <a16:creationId xmlns:a16="http://schemas.microsoft.com/office/drawing/2014/main" id="{EE09E1A5-AA6D-7E8F-5321-3B914C4D34F8}"/>
+                </a:ext>
+              </a:extLst>
+            </p:cNvPr>
+            <p:cNvSpPr txBox="1"/>
+            <p:nvPr/>
+          </p:nvSpPr>
+          <p:spPr>
+            <a:xfrm>
+              <a:off x="4870416" y="4635299"/>
+              <a:ext cx="2563871" cy="307777"/>
+            </a:xfrm>
+            <a:prstGeom prst="rect">
+              <a:avLst/>
+            </a:prstGeom>
+            <a:noFill/>
+          </p:spPr>
+          <p:txBody>
+            <a:bodyPr wrap="square" rtlCol="0">
+              <a:spAutoFit/>
+            </a:bodyPr>
+            <a:lstStyle>
+              <a:defPPr>
+                <a:defRPr lang="ko-KR"/>
+              </a:defPPr>
+              <a:lvl1pPr algn="ctr">
+                <a:defRPr sz="1400" b="1">
+                  <a:solidFill>
+                    <a:srgbClr val="4B5555"/>
+                  </a:solidFill>
+                  <a:latin typeface="나눔고딕" panose="020D0604000000000000" pitchFamily="50" charset="-127"/>
+                  <a:ea typeface="나눔고딕" panose="020D0604000000000000" pitchFamily="50" charset="-127"/>
+                </a:defRPr>
+              </a:lvl1pPr>
+            </a:lstStyle>
+            <a:p>
+              <a:r>
+                <a:rPr lang="ko-KR" altLang="en-US" dirty="0" err="1"/>
+                <a:t>언더샘플링</a:t>
+              </a:r>
+              <a:r>
+                <a:rPr lang="ko-KR" altLang="en-US" dirty="0"/>
+                <a:t> 데이터</a:t>
+              </a:r>
+            </a:p>
+          </p:txBody>
+        </p:sp>
+      </p:grpSp>
     </p:spTree>
     <p:extLst>
       <p:ext uri="{BB962C8B-B14F-4D97-AF65-F5344CB8AC3E}">
-        <p14:creationId xmlns:p14="http://schemas.microsoft.com/office/powerpoint/2010/main" val="919178898"/>
+        <p14:creationId xmlns:p14="http://schemas.microsoft.com/office/powerpoint/2010/main" val="2473648630"/>
       </p:ext>
     </p:extLst>
   </p:cSld>
@@ -20665,7 +21543,7 @@
         <p:spPr>
           <a:xfrm>
             <a:off x="511713" y="1154331"/>
-            <a:ext cx="6648316" cy="400110"/>
+            <a:ext cx="8211110" cy="400110"/>
           </a:xfrm>
           <a:prstGeom prst="rect">
             <a:avLst/>
@@ -20679,6 +21557,16 @@
           <a:lstStyle/>
           <a:p>
             <a:r>
+              <a:rPr lang="en-US" altLang="ko-KR" sz="2000" b="1" dirty="0" err="1">
+                <a:solidFill>
+                  <a:srgbClr val="4B5555"/>
+                </a:solidFill>
+                <a:latin typeface="나눔고딕" panose="020D0604000000000000" pitchFamily="50" charset="-127"/>
+                <a:ea typeface="나눔고딕" panose="020D0604000000000000" pitchFamily="50" charset="-127"/>
+              </a:rPr>
+              <a:t>GridSearchCV</a:t>
+            </a:r>
+            <a:r>
               <a:rPr lang="ko-KR" altLang="en-US" sz="2000" b="1" dirty="0">
                 <a:solidFill>
                   <a:srgbClr val="4B5555"/>
@@ -20686,7 +21574,27 @@
                 <a:latin typeface="나눔고딕" panose="020D0604000000000000" pitchFamily="50" charset="-127"/>
                 <a:ea typeface="나눔고딕" panose="020D0604000000000000" pitchFamily="50" charset="-127"/>
               </a:rPr>
-              <a:t>테스트 데이터 예측 결과</a:t>
+              <a:t>을 이용한 최적의 </a:t>
+            </a:r>
+            <a:r>
+              <a:rPr lang="en-US" altLang="ko-KR" sz="2000" b="1" dirty="0">
+                <a:solidFill>
+                  <a:srgbClr val="4B5555"/>
+                </a:solidFill>
+                <a:latin typeface="나눔고딕" panose="020D0604000000000000" pitchFamily="50" charset="-127"/>
+                <a:ea typeface="나눔고딕" panose="020D0604000000000000" pitchFamily="50" charset="-127"/>
+              </a:rPr>
+              <a:t>Hyperparameters</a:t>
+            </a:r>
+            <a:r>
+              <a:rPr lang="ko-KR" altLang="en-US" sz="2000" b="1" dirty="0">
+                <a:solidFill>
+                  <a:srgbClr val="4B5555"/>
+                </a:solidFill>
+                <a:latin typeface="나눔고딕" panose="020D0604000000000000" pitchFamily="50" charset="-127"/>
+                <a:ea typeface="나눔고딕" panose="020D0604000000000000" pitchFamily="50" charset="-127"/>
+              </a:rPr>
+              <a:t> 탐색</a:t>
             </a:r>
             <a:endParaRPr lang="ko-KR" altLang="en-US" sz="2400" b="1" dirty="0">
               <a:solidFill>
@@ -20713,7 +21621,7 @@
         <p:spPr>
           <a:xfrm>
             <a:off x="511713" y="508000"/>
-            <a:ext cx="1053494" cy="646331"/>
+            <a:ext cx="3615092" cy="646331"/>
           </a:xfrm>
           <a:prstGeom prst="rect">
             <a:avLst/>
@@ -20734,8 +21642,1619 @@
                 <a:latin typeface="나눔고딕" panose="020D0604000000000000" pitchFamily="50" charset="-127"/>
                 <a:ea typeface="나눔고딕" panose="020D0604000000000000" pitchFamily="50" charset="-127"/>
               </a:rPr>
+              <a:t>모델 선정 및 예측</a:t>
+            </a:r>
+          </a:p>
+        </p:txBody>
+      </p:sp>
+      <p:graphicFrame>
+        <p:nvGraphicFramePr>
+          <p:cNvPr id="6" name="Table 6">
+            <a:extLst>
+              <a:ext uri="{FF2B5EF4-FFF2-40B4-BE49-F238E27FC236}">
+                <a16:creationId xmlns:a16="http://schemas.microsoft.com/office/drawing/2014/main" id="{9053BEE6-375C-BF68-01A2-F6946C2235CC}"/>
+              </a:ext>
+            </a:extLst>
+          </p:cNvPr>
+          <p:cNvGraphicFramePr>
+            <a:graphicFrameLocks noGrp="1"/>
+          </p:cNvGraphicFramePr>
+          <p:nvPr>
+            <p:extLst>
+              <p:ext uri="{D42A27DB-BD31-4B8C-83A1-F6EECF244321}">
+                <p14:modId xmlns:p14="http://schemas.microsoft.com/office/powerpoint/2010/main" val="2126233856"/>
+              </p:ext>
+            </p:extLst>
+          </p:nvPr>
+        </p:nvGraphicFramePr>
+        <p:xfrm>
+          <a:off x="1412779" y="3012596"/>
+          <a:ext cx="3269673" cy="2140020"/>
+        </p:xfrm>
+        <a:graphic>
+          <a:graphicData uri="http://schemas.openxmlformats.org/drawingml/2006/table">
+            <a:tbl>
+              <a:tblPr firstRow="1" firstCol="1" bandRow="1">
+                <a:tableStyleId>{93296810-A885-4BE3-A3E7-6D5BEEA58F35}</a:tableStyleId>
+              </a:tblPr>
+              <a:tblGrid>
+                <a:gridCol w="1601585">
+                  <a:extLst>
+                    <a:ext uri="{9D8B030D-6E8A-4147-A177-3AD203B41FA5}">
+                      <a16:colId xmlns:a16="http://schemas.microsoft.com/office/drawing/2014/main" val="1625168884"/>
+                    </a:ext>
+                  </a:extLst>
+                </a:gridCol>
+                <a:gridCol w="1668088">
+                  <a:extLst>
+                    <a:ext uri="{9D8B030D-6E8A-4147-A177-3AD203B41FA5}">
+                      <a16:colId xmlns:a16="http://schemas.microsoft.com/office/drawing/2014/main" val="2651069430"/>
+                    </a:ext>
+                  </a:extLst>
+                </a:gridCol>
+              </a:tblGrid>
+              <a:tr h="354852">
+                <a:tc>
+                  <a:txBody>
+                    <a:bodyPr/>
+                    <a:lstStyle/>
+                    <a:p>
+                      <a:pPr algn="ctr"/>
+                      <a:endParaRPr lang="en-US" dirty="0"/>
+                    </a:p>
+                  </a:txBody>
+                  <a:tcPr/>
+                </a:tc>
+                <a:tc>
+                  <a:txBody>
+                    <a:bodyPr/>
+                    <a:lstStyle/>
+                    <a:p>
+                      <a:pPr algn="ctr"/>
+                      <a:r>
+                        <a:rPr lang="en-US" sz="1200" dirty="0"/>
+                        <a:t>Values (CV = 5)</a:t>
+                      </a:r>
+                    </a:p>
+                  </a:txBody>
+                  <a:tcPr anchor="ctr"/>
+                </a:tc>
+                <a:extLst>
+                  <a:ext uri="{0D108BD9-81ED-4DB2-BD59-A6C34878D82A}">
+                    <a16:rowId xmlns:a16="http://schemas.microsoft.com/office/drawing/2014/main" val="1646888325"/>
+                  </a:ext>
+                </a:extLst>
+              </a:tr>
+              <a:tr h="354852">
+                <a:tc>
+                  <a:txBody>
+                    <a:bodyPr/>
+                    <a:lstStyle/>
+                    <a:p>
+                      <a:pPr marL="0" algn="ctr" defTabSz="914400" rtl="0" eaLnBrk="1" latinLnBrk="1" hangingPunct="1"/>
+                      <a:r>
+                        <a:rPr lang="en-US" sz="1200" dirty="0" err="1"/>
+                        <a:t>n_estimators</a:t>
+                      </a:r>
+                      <a:endParaRPr lang="en-US" sz="1200" b="1" kern="1200" dirty="0">
+                        <a:solidFill>
+                          <a:schemeClr val="lt1"/>
+                        </a:solidFill>
+                        <a:latin typeface="+mn-lt"/>
+                        <a:ea typeface="+mn-ea"/>
+                        <a:cs typeface="+mn-cs"/>
+                      </a:endParaRPr>
+                    </a:p>
+                  </a:txBody>
+                  <a:tcPr anchor="ctr"/>
+                </a:tc>
+                <a:tc>
+                  <a:txBody>
+                    <a:bodyPr/>
+                    <a:lstStyle/>
+                    <a:p>
+                      <a:pPr algn="ctr"/>
+                      <a:r>
+                        <a:rPr lang="en-US" sz="1600" dirty="0"/>
+                        <a:t>100   200   300</a:t>
+                      </a:r>
+                    </a:p>
+                  </a:txBody>
+                  <a:tcPr anchor="ctr"/>
+                </a:tc>
+                <a:extLst>
+                  <a:ext uri="{0D108BD9-81ED-4DB2-BD59-A6C34878D82A}">
+                    <a16:rowId xmlns:a16="http://schemas.microsoft.com/office/drawing/2014/main" val="3607368520"/>
+                  </a:ext>
+                </a:extLst>
+              </a:tr>
+              <a:tr h="354852">
+                <a:tc>
+                  <a:txBody>
+                    <a:bodyPr/>
+                    <a:lstStyle/>
+                    <a:p>
+                      <a:pPr marL="0" algn="ctr" defTabSz="914400" rtl="0" eaLnBrk="1" latinLnBrk="1" hangingPunct="1"/>
+                      <a:r>
+                        <a:rPr lang="en-US" sz="1200" dirty="0" err="1"/>
+                        <a:t>learning_rate</a:t>
+                      </a:r>
+                      <a:endParaRPr lang="en-US" sz="1200" b="1" kern="1200" dirty="0">
+                        <a:solidFill>
+                          <a:schemeClr val="lt1"/>
+                        </a:solidFill>
+                        <a:latin typeface="+mn-lt"/>
+                        <a:ea typeface="+mn-ea"/>
+                        <a:cs typeface="+mn-cs"/>
+                      </a:endParaRPr>
+                    </a:p>
+                  </a:txBody>
+                  <a:tcPr anchor="ctr"/>
+                </a:tc>
+                <a:tc>
+                  <a:txBody>
+                    <a:bodyPr/>
+                    <a:lstStyle/>
+                    <a:p>
+                      <a:pPr algn="ctr"/>
+                      <a:r>
+                        <a:rPr lang="en-US" sz="1600" dirty="0"/>
+                        <a:t>0.01   0.1</a:t>
+                      </a:r>
+                    </a:p>
+                  </a:txBody>
+                  <a:tcPr anchor="ctr"/>
+                </a:tc>
+                <a:extLst>
+                  <a:ext uri="{0D108BD9-81ED-4DB2-BD59-A6C34878D82A}">
+                    <a16:rowId xmlns:a16="http://schemas.microsoft.com/office/drawing/2014/main" val="1182080453"/>
+                  </a:ext>
+                </a:extLst>
+              </a:tr>
+              <a:tr h="354852">
+                <a:tc>
+                  <a:txBody>
+                    <a:bodyPr/>
+                    <a:lstStyle/>
+                    <a:p>
+                      <a:pPr marL="0" algn="ctr" defTabSz="914400" rtl="0" eaLnBrk="1" latinLnBrk="1" hangingPunct="1"/>
+                      <a:r>
+                        <a:rPr lang="en-US" sz="1200" dirty="0" err="1"/>
+                        <a:t>max_depth</a:t>
+                      </a:r>
+                      <a:endParaRPr lang="en-US" sz="1200" b="1" kern="1200" dirty="0">
+                        <a:solidFill>
+                          <a:schemeClr val="lt1"/>
+                        </a:solidFill>
+                        <a:latin typeface="+mn-lt"/>
+                        <a:ea typeface="+mn-ea"/>
+                        <a:cs typeface="+mn-cs"/>
+                      </a:endParaRPr>
+                    </a:p>
+                  </a:txBody>
+                  <a:tcPr anchor="ctr"/>
+                </a:tc>
+                <a:tc>
+                  <a:txBody>
+                    <a:bodyPr/>
+                    <a:lstStyle/>
+                    <a:p>
+                      <a:pPr algn="ctr"/>
+                      <a:r>
+                        <a:rPr lang="en-US" sz="1600" dirty="0"/>
+                        <a:t>3   7   10</a:t>
+                      </a:r>
+                    </a:p>
+                  </a:txBody>
+                  <a:tcPr anchor="ctr"/>
+                </a:tc>
+                <a:extLst>
+                  <a:ext uri="{0D108BD9-81ED-4DB2-BD59-A6C34878D82A}">
+                    <a16:rowId xmlns:a16="http://schemas.microsoft.com/office/drawing/2014/main" val="2581843712"/>
+                  </a:ext>
+                </a:extLst>
+              </a:tr>
+              <a:tr h="354852">
+                <a:tc>
+                  <a:txBody>
+                    <a:bodyPr/>
+                    <a:lstStyle/>
+                    <a:p>
+                      <a:pPr marL="0" algn="ctr" defTabSz="914400" rtl="0" eaLnBrk="1" latinLnBrk="1" hangingPunct="1"/>
+                      <a:r>
+                        <a:rPr lang="en-US" sz="1200" dirty="0"/>
+                        <a:t>gamma</a:t>
+                      </a:r>
+                      <a:endParaRPr lang="en-US" sz="1200" b="1" kern="1200" dirty="0">
+                        <a:solidFill>
+                          <a:schemeClr val="lt1"/>
+                        </a:solidFill>
+                        <a:latin typeface="+mn-lt"/>
+                        <a:ea typeface="+mn-ea"/>
+                        <a:cs typeface="+mn-cs"/>
+                      </a:endParaRPr>
+                    </a:p>
+                  </a:txBody>
+                  <a:tcPr anchor="ctr"/>
+                </a:tc>
+                <a:tc>
+                  <a:txBody>
+                    <a:bodyPr/>
+                    <a:lstStyle/>
+                    <a:p>
+                      <a:pPr algn="ctr"/>
+                      <a:r>
+                        <a:rPr lang="en-US" sz="1600" dirty="0"/>
+                        <a:t>0   1   2</a:t>
+                      </a:r>
+                    </a:p>
+                  </a:txBody>
+                  <a:tcPr anchor="ctr"/>
+                </a:tc>
+                <a:extLst>
+                  <a:ext uri="{0D108BD9-81ED-4DB2-BD59-A6C34878D82A}">
+                    <a16:rowId xmlns:a16="http://schemas.microsoft.com/office/drawing/2014/main" val="804198424"/>
+                  </a:ext>
+                </a:extLst>
+              </a:tr>
+              <a:tr h="354852">
+                <a:tc>
+                  <a:txBody>
+                    <a:bodyPr/>
+                    <a:lstStyle/>
+                    <a:p>
+                      <a:pPr marL="0" algn="ctr" defTabSz="914400" rtl="0" eaLnBrk="1" latinLnBrk="1" hangingPunct="1"/>
+                      <a:r>
+                        <a:rPr lang="en-US" sz="1200" dirty="0" err="1"/>
+                        <a:t>colsample_bytree</a:t>
+                      </a:r>
+                      <a:endParaRPr lang="en-US" sz="1200" b="1" kern="1200" dirty="0">
+                        <a:solidFill>
+                          <a:schemeClr val="lt1"/>
+                        </a:solidFill>
+                        <a:latin typeface="+mn-lt"/>
+                        <a:ea typeface="+mn-ea"/>
+                        <a:cs typeface="+mn-cs"/>
+                      </a:endParaRPr>
+                    </a:p>
+                  </a:txBody>
+                  <a:tcPr anchor="ctr"/>
+                </a:tc>
+                <a:tc>
+                  <a:txBody>
+                    <a:bodyPr/>
+                    <a:lstStyle/>
+                    <a:p>
+                      <a:pPr algn="ctr"/>
+                      <a:r>
+                        <a:rPr lang="en-US" sz="1600" dirty="0"/>
+                        <a:t>0.8   0.9</a:t>
+                      </a:r>
+                    </a:p>
+                  </a:txBody>
+                  <a:tcPr anchor="ctr"/>
+                </a:tc>
+                <a:extLst>
+                  <a:ext uri="{0D108BD9-81ED-4DB2-BD59-A6C34878D82A}">
+                    <a16:rowId xmlns:a16="http://schemas.microsoft.com/office/drawing/2014/main" val="2396135537"/>
+                  </a:ext>
+                </a:extLst>
+              </a:tr>
+            </a:tbl>
+          </a:graphicData>
+        </a:graphic>
+      </p:graphicFrame>
+      <p:graphicFrame>
+        <p:nvGraphicFramePr>
+          <p:cNvPr id="7" name="Table 6">
+            <a:extLst>
+              <a:ext uri="{FF2B5EF4-FFF2-40B4-BE49-F238E27FC236}">
+                <a16:creationId xmlns:a16="http://schemas.microsoft.com/office/drawing/2014/main" id="{A8B86F0A-42A1-34D1-C87B-3A9A47E705F2}"/>
+              </a:ext>
+            </a:extLst>
+          </p:cNvPr>
+          <p:cNvGraphicFramePr>
+            <a:graphicFrameLocks noGrp="1"/>
+          </p:cNvGraphicFramePr>
+          <p:nvPr/>
+        </p:nvGraphicFramePr>
+        <p:xfrm>
+          <a:off x="7622252" y="3012596"/>
+          <a:ext cx="3019358" cy="2140020"/>
+        </p:xfrm>
+        <a:graphic>
+          <a:graphicData uri="http://schemas.openxmlformats.org/drawingml/2006/table">
+            <a:tbl>
+              <a:tblPr firstRow="1" firstCol="1" bandRow="1">
+                <a:tableStyleId>{93296810-A885-4BE3-A3E7-6D5BEEA58F35}</a:tableStyleId>
+              </a:tblPr>
+              <a:tblGrid>
+                <a:gridCol w="1530548">
+                  <a:extLst>
+                    <a:ext uri="{9D8B030D-6E8A-4147-A177-3AD203B41FA5}">
+                      <a16:colId xmlns:a16="http://schemas.microsoft.com/office/drawing/2014/main" val="1625168884"/>
+                    </a:ext>
+                  </a:extLst>
+                </a:gridCol>
+                <a:gridCol w="1488810">
+                  <a:extLst>
+                    <a:ext uri="{9D8B030D-6E8A-4147-A177-3AD203B41FA5}">
+                      <a16:colId xmlns:a16="http://schemas.microsoft.com/office/drawing/2014/main" val="2651069430"/>
+                    </a:ext>
+                  </a:extLst>
+                </a:gridCol>
+              </a:tblGrid>
+              <a:tr h="354852">
+                <a:tc>
+                  <a:txBody>
+                    <a:bodyPr/>
+                    <a:lstStyle/>
+                    <a:p>
+                      <a:endParaRPr lang="en-US" dirty="0"/>
+                    </a:p>
+                  </a:txBody>
+                  <a:tcPr/>
+                </a:tc>
+                <a:tc>
+                  <a:txBody>
+                    <a:bodyPr/>
+                    <a:lstStyle/>
+                    <a:p>
+                      <a:pPr algn="ctr"/>
+                      <a:r>
+                        <a:rPr lang="en-US" sz="1200" dirty="0"/>
+                        <a:t>optimal values</a:t>
+                      </a:r>
+                    </a:p>
+                  </a:txBody>
+                  <a:tcPr anchor="ctr"/>
+                </a:tc>
+                <a:extLst>
+                  <a:ext uri="{0D108BD9-81ED-4DB2-BD59-A6C34878D82A}">
+                    <a16:rowId xmlns:a16="http://schemas.microsoft.com/office/drawing/2014/main" val="1646888325"/>
+                  </a:ext>
+                </a:extLst>
+              </a:tr>
+              <a:tr h="354852">
+                <a:tc>
+                  <a:txBody>
+                    <a:bodyPr/>
+                    <a:lstStyle/>
+                    <a:p>
+                      <a:pPr marL="0" algn="ctr" defTabSz="914400" rtl="0" eaLnBrk="1" latinLnBrk="1" hangingPunct="1"/>
+                      <a:r>
+                        <a:rPr lang="en-US" sz="1200" dirty="0" err="1"/>
+                        <a:t>n_estimators</a:t>
+                      </a:r>
+                      <a:endParaRPr lang="en-US" sz="1200" b="1" kern="1200" dirty="0">
+                        <a:solidFill>
+                          <a:schemeClr val="lt1"/>
+                        </a:solidFill>
+                        <a:latin typeface="+mn-lt"/>
+                        <a:ea typeface="+mn-ea"/>
+                        <a:cs typeface="+mn-cs"/>
+                      </a:endParaRPr>
+                    </a:p>
+                  </a:txBody>
+                  <a:tcPr anchor="ctr"/>
+                </a:tc>
+                <a:tc>
+                  <a:txBody>
+                    <a:bodyPr/>
+                    <a:lstStyle/>
+                    <a:p>
+                      <a:pPr algn="ctr"/>
+                      <a:r>
+                        <a:rPr lang="en-US" sz="1600" dirty="0"/>
+                        <a:t>300</a:t>
+                      </a:r>
+                    </a:p>
+                  </a:txBody>
+                  <a:tcPr anchor="ctr"/>
+                </a:tc>
+                <a:extLst>
+                  <a:ext uri="{0D108BD9-81ED-4DB2-BD59-A6C34878D82A}">
+                    <a16:rowId xmlns:a16="http://schemas.microsoft.com/office/drawing/2014/main" val="3607368520"/>
+                  </a:ext>
+                </a:extLst>
+              </a:tr>
+              <a:tr h="354852">
+                <a:tc>
+                  <a:txBody>
+                    <a:bodyPr/>
+                    <a:lstStyle/>
+                    <a:p>
+                      <a:pPr marL="0" algn="ctr" defTabSz="914400" rtl="0" eaLnBrk="1" latinLnBrk="1" hangingPunct="1"/>
+                      <a:r>
+                        <a:rPr lang="en-US" sz="1200" dirty="0" err="1"/>
+                        <a:t>learning_rate</a:t>
+                      </a:r>
+                      <a:endParaRPr lang="en-US" sz="1200" b="1" kern="1200" dirty="0">
+                        <a:solidFill>
+                          <a:schemeClr val="lt1"/>
+                        </a:solidFill>
+                        <a:latin typeface="+mn-lt"/>
+                        <a:ea typeface="+mn-ea"/>
+                        <a:cs typeface="+mn-cs"/>
+                      </a:endParaRPr>
+                    </a:p>
+                  </a:txBody>
+                  <a:tcPr anchor="ctr"/>
+                </a:tc>
+                <a:tc>
+                  <a:txBody>
+                    <a:bodyPr/>
+                    <a:lstStyle/>
+                    <a:p>
+                      <a:pPr algn="ctr"/>
+                      <a:r>
+                        <a:rPr lang="en-US" sz="1600" dirty="0"/>
+                        <a:t>0.1</a:t>
+                      </a:r>
+                    </a:p>
+                  </a:txBody>
+                  <a:tcPr anchor="ctr"/>
+                </a:tc>
+                <a:extLst>
+                  <a:ext uri="{0D108BD9-81ED-4DB2-BD59-A6C34878D82A}">
+                    <a16:rowId xmlns:a16="http://schemas.microsoft.com/office/drawing/2014/main" val="1182080453"/>
+                  </a:ext>
+                </a:extLst>
+              </a:tr>
+              <a:tr h="354852">
+                <a:tc>
+                  <a:txBody>
+                    <a:bodyPr/>
+                    <a:lstStyle/>
+                    <a:p>
+                      <a:pPr marL="0" algn="ctr" defTabSz="914400" rtl="0" eaLnBrk="1" latinLnBrk="1" hangingPunct="1"/>
+                      <a:r>
+                        <a:rPr lang="en-US" sz="1200" dirty="0" err="1"/>
+                        <a:t>max_depth</a:t>
+                      </a:r>
+                      <a:endParaRPr lang="en-US" sz="1200" b="1" kern="1200" dirty="0">
+                        <a:solidFill>
+                          <a:schemeClr val="lt1"/>
+                        </a:solidFill>
+                        <a:latin typeface="+mn-lt"/>
+                        <a:ea typeface="+mn-ea"/>
+                        <a:cs typeface="+mn-cs"/>
+                      </a:endParaRPr>
+                    </a:p>
+                  </a:txBody>
+                  <a:tcPr anchor="ctr"/>
+                </a:tc>
+                <a:tc>
+                  <a:txBody>
+                    <a:bodyPr/>
+                    <a:lstStyle/>
+                    <a:p>
+                      <a:pPr algn="ctr"/>
+                      <a:r>
+                        <a:rPr lang="en-US" sz="1600" dirty="0"/>
+                        <a:t>10</a:t>
+                      </a:r>
+                    </a:p>
+                  </a:txBody>
+                  <a:tcPr anchor="ctr"/>
+                </a:tc>
+                <a:extLst>
+                  <a:ext uri="{0D108BD9-81ED-4DB2-BD59-A6C34878D82A}">
+                    <a16:rowId xmlns:a16="http://schemas.microsoft.com/office/drawing/2014/main" val="2581843712"/>
+                  </a:ext>
+                </a:extLst>
+              </a:tr>
+              <a:tr h="354852">
+                <a:tc>
+                  <a:txBody>
+                    <a:bodyPr/>
+                    <a:lstStyle/>
+                    <a:p>
+                      <a:pPr marL="0" algn="ctr" defTabSz="914400" rtl="0" eaLnBrk="1" latinLnBrk="1" hangingPunct="1"/>
+                      <a:r>
+                        <a:rPr lang="en-US" sz="1200" dirty="0"/>
+                        <a:t>gamma</a:t>
+                      </a:r>
+                      <a:endParaRPr lang="en-US" sz="1200" b="1" kern="1200" dirty="0">
+                        <a:solidFill>
+                          <a:schemeClr val="lt1"/>
+                        </a:solidFill>
+                        <a:latin typeface="+mn-lt"/>
+                        <a:ea typeface="+mn-ea"/>
+                        <a:cs typeface="+mn-cs"/>
+                      </a:endParaRPr>
+                    </a:p>
+                  </a:txBody>
+                  <a:tcPr anchor="ctr"/>
+                </a:tc>
+                <a:tc>
+                  <a:txBody>
+                    <a:bodyPr/>
+                    <a:lstStyle/>
+                    <a:p>
+                      <a:pPr algn="ctr"/>
+                      <a:r>
+                        <a:rPr lang="en-US" sz="1600" dirty="0"/>
+                        <a:t>1</a:t>
+                      </a:r>
+                    </a:p>
+                  </a:txBody>
+                  <a:tcPr anchor="ctr"/>
+                </a:tc>
+                <a:extLst>
+                  <a:ext uri="{0D108BD9-81ED-4DB2-BD59-A6C34878D82A}">
+                    <a16:rowId xmlns:a16="http://schemas.microsoft.com/office/drawing/2014/main" val="804198424"/>
+                  </a:ext>
+                </a:extLst>
+              </a:tr>
+              <a:tr h="354852">
+                <a:tc>
+                  <a:txBody>
+                    <a:bodyPr/>
+                    <a:lstStyle/>
+                    <a:p>
+                      <a:pPr marL="0" algn="ctr" defTabSz="914400" rtl="0" eaLnBrk="1" latinLnBrk="1" hangingPunct="1"/>
+                      <a:r>
+                        <a:rPr lang="en-US" sz="1200" dirty="0" err="1"/>
+                        <a:t>colsample_bytree</a:t>
+                      </a:r>
+                      <a:endParaRPr lang="en-US" sz="1200" b="1" kern="1200" dirty="0">
+                        <a:solidFill>
+                          <a:schemeClr val="lt1"/>
+                        </a:solidFill>
+                        <a:latin typeface="+mn-lt"/>
+                        <a:ea typeface="+mn-ea"/>
+                        <a:cs typeface="+mn-cs"/>
+                      </a:endParaRPr>
+                    </a:p>
+                  </a:txBody>
+                  <a:tcPr anchor="ctr"/>
+                </a:tc>
+                <a:tc>
+                  <a:txBody>
+                    <a:bodyPr/>
+                    <a:lstStyle/>
+                    <a:p>
+                      <a:pPr algn="ctr"/>
+                      <a:r>
+                        <a:rPr lang="en-US" sz="1600" dirty="0"/>
+                        <a:t>0.9</a:t>
+                      </a:r>
+                    </a:p>
+                  </a:txBody>
+                  <a:tcPr anchor="ctr"/>
+                </a:tc>
+                <a:extLst>
+                  <a:ext uri="{0D108BD9-81ED-4DB2-BD59-A6C34878D82A}">
+                    <a16:rowId xmlns:a16="http://schemas.microsoft.com/office/drawing/2014/main" val="2396135537"/>
+                  </a:ext>
+                </a:extLst>
+              </a:tr>
+            </a:tbl>
+          </a:graphicData>
+        </a:graphic>
+      </p:graphicFrame>
+      <p:grpSp>
+        <p:nvGrpSpPr>
+          <p:cNvPr id="13" name="Group 12">
+            <a:extLst>
+              <a:ext uri="{FF2B5EF4-FFF2-40B4-BE49-F238E27FC236}">
+                <a16:creationId xmlns:a16="http://schemas.microsoft.com/office/drawing/2014/main" id="{6CC4B54B-1707-7B0C-8B6C-FCD9975B5959}"/>
+              </a:ext>
+            </a:extLst>
+          </p:cNvPr>
+          <p:cNvGrpSpPr/>
+          <p:nvPr/>
+        </p:nvGrpSpPr>
+        <p:grpSpPr>
+          <a:xfrm>
+            <a:off x="4870416" y="3615604"/>
+            <a:ext cx="2563871" cy="1222177"/>
+            <a:chOff x="4870416" y="3720899"/>
+            <a:chExt cx="2563871" cy="1222177"/>
+          </a:xfrm>
+        </p:grpSpPr>
+        <p:pic>
+          <p:nvPicPr>
+            <p:cNvPr id="8" name="Graphic 7" descr="Arrow Right with solid fill">
+              <a:extLst>
+                <a:ext uri="{FF2B5EF4-FFF2-40B4-BE49-F238E27FC236}">
+                  <a16:creationId xmlns:a16="http://schemas.microsoft.com/office/drawing/2014/main" id="{623F7B49-C78E-77E8-391D-38E1F914A4CD}"/>
+                </a:ext>
+              </a:extLst>
+            </p:cNvPr>
+            <p:cNvPicPr>
+              <a:picLocks noChangeAspect="1"/>
+            </p:cNvPicPr>
+            <p:nvPr/>
+          </p:nvPicPr>
+          <p:blipFill>
+            <a:blip r:embed="rId2">
+              <a:extLst>
+                <a:ext uri="{28A0092B-C50C-407E-A947-70E740481C1C}">
+                  <a14:useLocalDpi xmlns:a14="http://schemas.microsoft.com/office/drawing/2010/main" val="0"/>
+                </a:ext>
+                <a:ext uri="{96DAC541-7B7A-43D3-8B79-37D633B846F1}">
+                  <asvg:svgBlip xmlns:asvg="http://schemas.microsoft.com/office/drawing/2016/SVG/main" r:embed="rId3"/>
+                </a:ext>
+              </a:extLst>
+            </a:blip>
+            <a:stretch>
+              <a:fillRect/>
+            </a:stretch>
+          </p:blipFill>
+          <p:spPr>
+            <a:xfrm>
+              <a:off x="5695152" y="3874788"/>
+              <a:ext cx="914400" cy="914400"/>
+            </a:xfrm>
+            <a:prstGeom prst="rect">
+              <a:avLst/>
+            </a:prstGeom>
+          </p:spPr>
+        </p:pic>
+        <p:sp>
+          <p:nvSpPr>
+            <p:cNvPr id="10" name="TextBox 9">
+              <a:extLst>
+                <a:ext uri="{FF2B5EF4-FFF2-40B4-BE49-F238E27FC236}">
+                  <a16:creationId xmlns:a16="http://schemas.microsoft.com/office/drawing/2014/main" id="{72773DEC-B5CC-6E02-571C-B15B6736059F}"/>
+                </a:ext>
+              </a:extLst>
+            </p:cNvPr>
+            <p:cNvSpPr txBox="1"/>
+            <p:nvPr/>
+          </p:nvSpPr>
+          <p:spPr>
+            <a:xfrm>
+              <a:off x="4870416" y="3720899"/>
+              <a:ext cx="2563871" cy="307777"/>
+            </a:xfrm>
+            <a:prstGeom prst="rect">
+              <a:avLst/>
+            </a:prstGeom>
+            <a:noFill/>
+          </p:spPr>
+          <p:txBody>
+            <a:bodyPr wrap="square" rtlCol="0">
+              <a:spAutoFit/>
+            </a:bodyPr>
+            <a:lstStyle/>
+            <a:p>
+              <a:pPr algn="ctr"/>
+              <a:r>
+                <a:rPr lang="en-US" altLang="ko-KR" sz="1400" b="1" dirty="0">
+                  <a:solidFill>
+                    <a:srgbClr val="4B5555"/>
+                  </a:solidFill>
+                  <a:latin typeface="나눔고딕" panose="020D0604000000000000" pitchFamily="50" charset="-127"/>
+                  <a:ea typeface="나눔고딕" panose="020D0604000000000000" pitchFamily="50" charset="-127"/>
+                </a:rPr>
+                <a:t>Grid Search Cross Validation</a:t>
+              </a:r>
+              <a:endParaRPr lang="ko-KR" altLang="en-US" sz="1600" b="1" dirty="0">
+                <a:solidFill>
+                  <a:srgbClr val="1171A4"/>
+                </a:solidFill>
+                <a:latin typeface="나눔고딕" panose="020D0604000000000000" pitchFamily="50" charset="-127"/>
+                <a:ea typeface="나눔고딕" panose="020D0604000000000000" pitchFamily="50" charset="-127"/>
+              </a:endParaRPr>
+            </a:p>
+          </p:txBody>
+        </p:sp>
+        <p:sp>
+          <p:nvSpPr>
+            <p:cNvPr id="14" name="TextBox 13">
+              <a:extLst>
+                <a:ext uri="{FF2B5EF4-FFF2-40B4-BE49-F238E27FC236}">
+                  <a16:creationId xmlns:a16="http://schemas.microsoft.com/office/drawing/2014/main" id="{EE09E1A5-AA6D-7E8F-5321-3B914C4D34F8}"/>
+                </a:ext>
+              </a:extLst>
+            </p:cNvPr>
+            <p:cNvSpPr txBox="1"/>
+            <p:nvPr/>
+          </p:nvSpPr>
+          <p:spPr>
+            <a:xfrm>
+              <a:off x="4870416" y="4635299"/>
+              <a:ext cx="2563871" cy="338554"/>
+            </a:xfrm>
+            <a:prstGeom prst="rect">
+              <a:avLst/>
+            </a:prstGeom>
+            <a:noFill/>
+          </p:spPr>
+          <p:txBody>
+            <a:bodyPr wrap="square" rtlCol="0">
+              <a:spAutoFit/>
+            </a:bodyPr>
+            <a:lstStyle>
+              <a:defPPr>
+                <a:defRPr lang="ko-KR"/>
+              </a:defPPr>
+              <a:lvl1pPr algn="ctr">
+                <a:defRPr sz="1400" b="1">
+                  <a:solidFill>
+                    <a:srgbClr val="4B5555"/>
+                  </a:solidFill>
+                  <a:latin typeface="나눔고딕" panose="020D0604000000000000" pitchFamily="50" charset="-127"/>
+                  <a:ea typeface="나눔고딕" panose="020D0604000000000000" pitchFamily="50" charset="-127"/>
+                </a:defRPr>
+              </a:lvl1pPr>
+            </a:lstStyle>
+            <a:p>
+              <a:r>
+                <a:rPr lang="en-US" altLang="ko-KR" dirty="0"/>
+                <a:t>SMOTE</a:t>
+              </a:r>
+              <a:r>
+                <a:rPr lang="ko-KR" altLang="en-US" dirty="0"/>
+                <a:t> </a:t>
+              </a:r>
+              <a:r>
+                <a:rPr lang="ko-KR" altLang="en-US" dirty="0" err="1"/>
+                <a:t>오버샘플링</a:t>
+              </a:r>
+              <a:r>
+                <a:rPr lang="ko-KR" altLang="en-US" dirty="0"/>
+                <a:t> 데이터</a:t>
+              </a:r>
+            </a:p>
+          </p:txBody>
+        </p:sp>
+      </p:grpSp>
+    </p:spTree>
+    <p:extLst>
+      <p:ext uri="{BB962C8B-B14F-4D97-AF65-F5344CB8AC3E}">
+        <p14:creationId xmlns:p14="http://schemas.microsoft.com/office/powerpoint/2010/main" val="3196836218"/>
+      </p:ext>
+    </p:extLst>
+  </p:cSld>
+  <p:clrMapOvr>
+    <a:masterClrMapping/>
+  </p:clrMapOvr>
+</p:sld>
+</file>
+
+<file path=ppt/slides/slide33.xml><?xml version="1.0" encoding="utf-8"?>
+<p:sld xmlns:a="http://schemas.openxmlformats.org/drawingml/2006/main" xmlns:r="http://schemas.openxmlformats.org/officeDocument/2006/relationships" xmlns:p="http://schemas.openxmlformats.org/presentationml/2006/main">
+  <p:cSld>
+    <p:spTree>
+      <p:nvGrpSpPr>
+        <p:cNvPr id="1" name=""/>
+        <p:cNvGrpSpPr/>
+        <p:nvPr/>
+      </p:nvGrpSpPr>
+      <p:grpSpPr>
+        <a:xfrm>
+          <a:off x="0" y="0"/>
+          <a:ext cx="0" cy="0"/>
+          <a:chOff x="0" y="0"/>
+          <a:chExt cx="0" cy="0"/>
+        </a:xfrm>
+      </p:grpSpPr>
+      <p:pic>
+        <p:nvPicPr>
+          <p:cNvPr id="8194" name="Picture 2">
+            <a:extLst>
+              <a:ext uri="{FF2B5EF4-FFF2-40B4-BE49-F238E27FC236}">
+                <a16:creationId xmlns:a16="http://schemas.microsoft.com/office/drawing/2014/main" id="{6D41FEA4-ED51-7F2C-126B-79F611D3A14A}"/>
+              </a:ext>
+            </a:extLst>
+          </p:cNvPr>
+          <p:cNvPicPr>
+            <a:picLocks noChangeAspect="1" noChangeArrowheads="1"/>
+          </p:cNvPicPr>
+          <p:nvPr/>
+        </p:nvPicPr>
+        <p:blipFill>
+          <a:blip r:embed="rId2">
+            <a:extLst>
+              <a:ext uri="{28A0092B-C50C-407E-A947-70E740481C1C}">
+                <a14:useLocalDpi xmlns:a14="http://schemas.microsoft.com/office/drawing/2010/main" val="0"/>
+              </a:ext>
+            </a:extLst>
+          </a:blip>
+          <a:srcRect/>
+          <a:stretch>
+            <a:fillRect/>
+          </a:stretch>
+        </p:blipFill>
+        <p:spPr bwMode="auto">
+          <a:xfrm>
+            <a:off x="6428847" y="2346097"/>
+            <a:ext cx="5251440" cy="3949016"/>
+          </a:xfrm>
+          <a:prstGeom prst="rect">
+            <a:avLst/>
+          </a:prstGeom>
+          <a:noFill/>
+          <a:extLst>
+            <a:ext uri="{909E8E84-426E-40DD-AFC4-6F175D3DCCD1}">
+              <a14:hiddenFill xmlns:a14="http://schemas.microsoft.com/office/drawing/2010/main">
+                <a:solidFill>
+                  <a:srgbClr val="FFFFFF"/>
+                </a:solidFill>
+              </a14:hiddenFill>
+            </a:ext>
+          </a:extLst>
+        </p:spPr>
+      </p:pic>
+      <p:cxnSp>
+        <p:nvCxnSpPr>
+          <p:cNvPr id="3" name="직선 연결선 2"/>
+          <p:cNvCxnSpPr/>
+          <p:nvPr/>
+        </p:nvCxnSpPr>
+        <p:spPr>
+          <a:xfrm>
+            <a:off x="254000" y="362675"/>
+            <a:ext cx="11671300" cy="0"/>
+          </a:xfrm>
+          <a:prstGeom prst="line">
+            <a:avLst/>
+          </a:prstGeom>
+          <a:ln w="6350">
+            <a:solidFill>
+              <a:srgbClr val="4B5555"/>
+            </a:solidFill>
+          </a:ln>
+        </p:spPr>
+        <p:style>
+          <a:lnRef idx="1">
+            <a:schemeClr val="accent1"/>
+          </a:lnRef>
+          <a:fillRef idx="0">
+            <a:schemeClr val="accent1"/>
+          </a:fillRef>
+          <a:effectRef idx="0">
+            <a:schemeClr val="accent1"/>
+          </a:effectRef>
+          <a:fontRef idx="minor">
+            <a:schemeClr val="tx1"/>
+          </a:fontRef>
+        </p:style>
+      </p:cxnSp>
+      <p:sp>
+        <p:nvSpPr>
+          <p:cNvPr id="2" name="TextBox 1">
+            <a:extLst>
+              <a:ext uri="{FF2B5EF4-FFF2-40B4-BE49-F238E27FC236}">
+                <a16:creationId xmlns:a16="http://schemas.microsoft.com/office/drawing/2014/main" id="{B83E3735-A258-661D-A015-36D6B5886803}"/>
+              </a:ext>
+            </a:extLst>
+          </p:cNvPr>
+          <p:cNvSpPr txBox="1"/>
+          <p:nvPr/>
+        </p:nvSpPr>
+        <p:spPr>
+          <a:xfrm>
+            <a:off x="266700" y="0"/>
+            <a:ext cx="1350049" cy="400110"/>
+          </a:xfrm>
+          <a:prstGeom prst="rect">
+            <a:avLst/>
+          </a:prstGeom>
+          <a:noFill/>
+        </p:spPr>
+        <p:txBody>
+          <a:bodyPr wrap="none" rtlCol="0">
+            <a:spAutoFit/>
+          </a:bodyPr>
+          <a:lstStyle/>
+          <a:p>
+            <a:pPr algn="ctr"/>
+            <a:r>
+              <a:rPr lang="en-US" altLang="ko-KR" sz="2000" b="1" dirty="0">
+                <a:solidFill>
+                  <a:srgbClr val="4B5555"/>
+                </a:solidFill>
+                <a:latin typeface="나눔고딕" panose="020D0604000000000000" pitchFamily="50" charset="-127"/>
+                <a:ea typeface="나눔고딕" panose="020D0604000000000000" pitchFamily="50" charset="-127"/>
+              </a:rPr>
+              <a:t>MZ</a:t>
+            </a:r>
+            <a:r>
+              <a:rPr lang="ko-KR" altLang="en-US" sz="2000" b="1" dirty="0">
+                <a:solidFill>
+                  <a:srgbClr val="4B5555"/>
+                </a:solidFill>
+                <a:latin typeface="나눔고딕" panose="020D0604000000000000" pitchFamily="50" charset="-127"/>
+                <a:ea typeface="나눔고딕" panose="020D0604000000000000" pitchFamily="50" charset="-127"/>
+              </a:rPr>
+              <a:t> </a:t>
+            </a:r>
+            <a:r>
+              <a:rPr lang="en-US" altLang="ko-KR" sz="2000" b="1" dirty="0">
+                <a:solidFill>
+                  <a:srgbClr val="4B5555"/>
+                </a:solidFill>
+                <a:latin typeface="나눔고딕" panose="020D0604000000000000" pitchFamily="50" charset="-127"/>
+                <a:ea typeface="나눔고딕" panose="020D0604000000000000" pitchFamily="50" charset="-127"/>
+              </a:rPr>
+              <a:t>CARD</a:t>
+            </a:r>
+            <a:endParaRPr lang="ko-KR" altLang="en-US" sz="2400" b="1" dirty="0">
+              <a:solidFill>
+                <a:srgbClr val="1171A4"/>
+              </a:solidFill>
+              <a:latin typeface="나눔고딕" panose="020D0604000000000000" pitchFamily="50" charset="-127"/>
+              <a:ea typeface="나눔고딕" panose="020D0604000000000000" pitchFamily="50" charset="-127"/>
+            </a:endParaRPr>
+          </a:p>
+        </p:txBody>
+      </p:sp>
+      <p:sp>
+        <p:nvSpPr>
+          <p:cNvPr id="5" name="TextBox 4">
+            <a:extLst>
+              <a:ext uri="{FF2B5EF4-FFF2-40B4-BE49-F238E27FC236}">
+                <a16:creationId xmlns:a16="http://schemas.microsoft.com/office/drawing/2014/main" id="{A0E380EB-5AEA-7826-3418-B45EA28E6AD7}"/>
+              </a:ext>
+            </a:extLst>
+          </p:cNvPr>
+          <p:cNvSpPr txBox="1"/>
+          <p:nvPr/>
+        </p:nvSpPr>
+        <p:spPr>
+          <a:xfrm>
+            <a:off x="511712" y="1154331"/>
+            <a:ext cx="11015270" cy="400110"/>
+          </a:xfrm>
+          <a:prstGeom prst="rect">
+            <a:avLst/>
+          </a:prstGeom>
+          <a:noFill/>
+        </p:spPr>
+        <p:txBody>
+          <a:bodyPr wrap="square" rtlCol="0">
+            <a:spAutoFit/>
+          </a:bodyPr>
+          <a:lstStyle/>
+          <a:p>
+            <a:r>
+              <a:rPr lang="ko-KR" altLang="en-US" sz="2000" b="1" dirty="0">
+                <a:solidFill>
+                  <a:srgbClr val="4B5555"/>
+                </a:solidFill>
+                <a:latin typeface="나눔고딕" panose="020D0604000000000000" pitchFamily="50" charset="-127"/>
+                <a:ea typeface="나눔고딕" panose="020D0604000000000000" pitchFamily="50" charset="-127"/>
+              </a:rPr>
+              <a:t>최적 </a:t>
+            </a:r>
+            <a:r>
+              <a:rPr lang="en-US" altLang="ko-KR" sz="2000" b="1" dirty="0">
+                <a:solidFill>
+                  <a:srgbClr val="4B5555"/>
+                </a:solidFill>
+                <a:latin typeface="나눔고딕" panose="020D0604000000000000" pitchFamily="50" charset="-127"/>
+                <a:ea typeface="나눔고딕" panose="020D0604000000000000" pitchFamily="50" charset="-127"/>
+              </a:rPr>
+              <a:t>Hyperparameters </a:t>
+            </a:r>
+            <a:r>
+              <a:rPr lang="ko-KR" altLang="en-US" sz="2000" b="1" dirty="0">
+                <a:solidFill>
+                  <a:srgbClr val="4B5555"/>
+                </a:solidFill>
+                <a:latin typeface="나눔고딕" panose="020D0604000000000000" pitchFamily="50" charset="-127"/>
+                <a:ea typeface="나눔고딕" panose="020D0604000000000000" pitchFamily="50" charset="-127"/>
+              </a:rPr>
+              <a:t>이용한 테스트 데이터 예측 </a:t>
+            </a:r>
+            <a:r>
+              <a:rPr lang="en-US" altLang="ko-KR" sz="2000" b="1" dirty="0">
+                <a:solidFill>
+                  <a:srgbClr val="4B5555"/>
+                </a:solidFill>
+                <a:latin typeface="나눔고딕" panose="020D0604000000000000" pitchFamily="50" charset="-127"/>
+                <a:ea typeface="나눔고딕" panose="020D0604000000000000" pitchFamily="50" charset="-127"/>
+              </a:rPr>
+              <a:t>(</a:t>
+            </a:r>
+            <a:r>
+              <a:rPr lang="ko-KR" altLang="en-US" sz="2000" b="1" dirty="0" err="1">
+                <a:solidFill>
+                  <a:srgbClr val="4B5555"/>
+                </a:solidFill>
+                <a:latin typeface="나눔고딕" panose="020D0604000000000000" pitchFamily="50" charset="-127"/>
+                <a:ea typeface="나눔고딕" panose="020D0604000000000000" pitchFamily="50" charset="-127"/>
+              </a:rPr>
+              <a:t>언더샘플링</a:t>
+            </a:r>
+            <a:r>
+              <a:rPr lang="ko-KR" altLang="en-US" sz="2000" b="1" dirty="0">
+                <a:solidFill>
+                  <a:srgbClr val="4B5555"/>
+                </a:solidFill>
+                <a:latin typeface="나눔고딕" panose="020D0604000000000000" pitchFamily="50" charset="-127"/>
+                <a:ea typeface="나눔고딕" panose="020D0604000000000000" pitchFamily="50" charset="-127"/>
+              </a:rPr>
+              <a:t> 데이터로 학습한 모델 이용</a:t>
+            </a:r>
+            <a:r>
+              <a:rPr lang="en-US" altLang="ko-KR" sz="2000" b="1" dirty="0">
+                <a:solidFill>
+                  <a:srgbClr val="4B5555"/>
+                </a:solidFill>
+                <a:latin typeface="나눔고딕" panose="020D0604000000000000" pitchFamily="50" charset="-127"/>
+                <a:ea typeface="나눔고딕" panose="020D0604000000000000" pitchFamily="50" charset="-127"/>
+              </a:rPr>
+              <a:t>)</a:t>
+            </a:r>
+            <a:endParaRPr lang="ko-KR" altLang="en-US" sz="2400" b="1" dirty="0">
+              <a:solidFill>
+                <a:srgbClr val="1171A4"/>
+              </a:solidFill>
+              <a:latin typeface="나눔고딕" panose="020D0604000000000000" pitchFamily="50" charset="-127"/>
+              <a:ea typeface="나눔고딕" panose="020D0604000000000000" pitchFamily="50" charset="-127"/>
+            </a:endParaRPr>
+          </a:p>
+        </p:txBody>
+      </p:sp>
+      <p:sp>
+        <p:nvSpPr>
+          <p:cNvPr id="11" name="TextBox 10">
+            <a:extLst>
+              <a:ext uri="{FF2B5EF4-FFF2-40B4-BE49-F238E27FC236}">
+                <a16:creationId xmlns:a16="http://schemas.microsoft.com/office/drawing/2014/main" id="{6B287F43-05E7-F9C8-9D59-1E9EA41EFBC6}"/>
+              </a:ext>
+            </a:extLst>
+          </p:cNvPr>
+          <p:cNvSpPr txBox="1"/>
+          <p:nvPr/>
+        </p:nvSpPr>
+        <p:spPr>
+          <a:xfrm>
+            <a:off x="511713" y="508000"/>
+            <a:ext cx="1053494" cy="646331"/>
+          </a:xfrm>
+          <a:prstGeom prst="rect">
+            <a:avLst/>
+          </a:prstGeom>
+          <a:noFill/>
+        </p:spPr>
+        <p:txBody>
+          <a:bodyPr wrap="none" rtlCol="0">
+            <a:spAutoFit/>
+          </a:bodyPr>
+          <a:lstStyle/>
+          <a:p>
+            <a:r>
+              <a:rPr lang="ko-KR" altLang="en-US" sz="3600" b="1" dirty="0">
+                <a:solidFill>
+                  <a:srgbClr val="1171A4"/>
+                </a:solidFill>
+                <a:latin typeface="나눔고딕" panose="020D0604000000000000" pitchFamily="50" charset="-127"/>
+                <a:ea typeface="나눔고딕" panose="020D0604000000000000" pitchFamily="50" charset="-127"/>
+              </a:rPr>
               <a:t>결과</a:t>
             </a:r>
+          </a:p>
+        </p:txBody>
+      </p:sp>
+      <p:graphicFrame>
+        <p:nvGraphicFramePr>
+          <p:cNvPr id="4" name="Table 6">
+            <a:extLst>
+              <a:ext uri="{FF2B5EF4-FFF2-40B4-BE49-F238E27FC236}">
+                <a16:creationId xmlns:a16="http://schemas.microsoft.com/office/drawing/2014/main" id="{E1CB77EF-B8F5-C130-8F3A-0A11EEB3C0FC}"/>
+              </a:ext>
+            </a:extLst>
+          </p:cNvPr>
+          <p:cNvGraphicFramePr>
+            <a:graphicFrameLocks noGrp="1"/>
+          </p:cNvGraphicFramePr>
+          <p:nvPr>
+            <p:extLst>
+              <p:ext uri="{D42A27DB-BD31-4B8C-83A1-F6EECF244321}">
+                <p14:modId xmlns:p14="http://schemas.microsoft.com/office/powerpoint/2010/main" val="596038857"/>
+              </p:ext>
+            </p:extLst>
+          </p:nvPr>
+        </p:nvGraphicFramePr>
+        <p:xfrm>
+          <a:off x="1064029" y="2849059"/>
+          <a:ext cx="4893428" cy="2140020"/>
+        </p:xfrm>
+        <a:graphic>
+          <a:graphicData uri="http://schemas.openxmlformats.org/drawingml/2006/table">
+            <a:tbl>
+              <a:tblPr firstRow="1" firstCol="1" bandRow="1">
+                <a:tableStyleId>{7DF18680-E054-41AD-8BC1-D1AEF772440D}</a:tableStyleId>
+              </a:tblPr>
+              <a:tblGrid>
+                <a:gridCol w="1223357">
+                  <a:extLst>
+                    <a:ext uri="{9D8B030D-6E8A-4147-A177-3AD203B41FA5}">
+                      <a16:colId xmlns:a16="http://schemas.microsoft.com/office/drawing/2014/main" val="1625168884"/>
+                    </a:ext>
+                  </a:extLst>
+                </a:gridCol>
+                <a:gridCol w="1223357">
+                  <a:extLst>
+                    <a:ext uri="{9D8B030D-6E8A-4147-A177-3AD203B41FA5}">
+                      <a16:colId xmlns:a16="http://schemas.microsoft.com/office/drawing/2014/main" val="2651069430"/>
+                    </a:ext>
+                  </a:extLst>
+                </a:gridCol>
+                <a:gridCol w="1223357">
+                  <a:extLst>
+                    <a:ext uri="{9D8B030D-6E8A-4147-A177-3AD203B41FA5}">
+                      <a16:colId xmlns:a16="http://schemas.microsoft.com/office/drawing/2014/main" val="1866455031"/>
+                    </a:ext>
+                  </a:extLst>
+                </a:gridCol>
+                <a:gridCol w="1223357">
+                  <a:extLst>
+                    <a:ext uri="{9D8B030D-6E8A-4147-A177-3AD203B41FA5}">
+                      <a16:colId xmlns:a16="http://schemas.microsoft.com/office/drawing/2014/main" val="2199166166"/>
+                    </a:ext>
+                  </a:extLst>
+                </a:gridCol>
+              </a:tblGrid>
+              <a:tr h="354852">
+                <a:tc>
+                  <a:txBody>
+                    <a:bodyPr/>
+                    <a:lstStyle/>
+                    <a:p>
+                      <a:endParaRPr lang="en-US" dirty="0"/>
+                    </a:p>
+                  </a:txBody>
+                  <a:tcPr/>
+                </a:tc>
+                <a:tc>
+                  <a:txBody>
+                    <a:bodyPr/>
+                    <a:lstStyle/>
+                    <a:p>
+                      <a:pPr algn="ctr"/>
+                      <a:r>
+                        <a:rPr lang="en-US" sz="1200" dirty="0"/>
+                        <a:t>precision</a:t>
+                      </a:r>
+                    </a:p>
+                  </a:txBody>
+                  <a:tcPr anchor="ctr"/>
+                </a:tc>
+                <a:tc>
+                  <a:txBody>
+                    <a:bodyPr/>
+                    <a:lstStyle/>
+                    <a:p>
+                      <a:pPr algn="ctr"/>
+                      <a:r>
+                        <a:rPr lang="en-US" sz="1200" dirty="0"/>
+                        <a:t>recall</a:t>
+                      </a:r>
+                    </a:p>
+                  </a:txBody>
+                  <a:tcPr anchor="ctr"/>
+                </a:tc>
+                <a:tc>
+                  <a:txBody>
+                    <a:bodyPr/>
+                    <a:lstStyle/>
+                    <a:p>
+                      <a:pPr algn="ctr"/>
+                      <a:r>
+                        <a:rPr lang="en-US" sz="1200" dirty="0"/>
+                        <a:t>F1-score</a:t>
+                      </a:r>
+                    </a:p>
+                  </a:txBody>
+                  <a:tcPr anchor="ctr"/>
+                </a:tc>
+                <a:extLst>
+                  <a:ext uri="{0D108BD9-81ED-4DB2-BD59-A6C34878D82A}">
+                    <a16:rowId xmlns:a16="http://schemas.microsoft.com/office/drawing/2014/main" val="1646888325"/>
+                  </a:ext>
+                </a:extLst>
+              </a:tr>
+              <a:tr h="354852">
+                <a:tc>
+                  <a:txBody>
+                    <a:bodyPr/>
+                    <a:lstStyle/>
+                    <a:p>
+                      <a:pPr marL="0" algn="ctr" defTabSz="914400" rtl="0" eaLnBrk="1" latinLnBrk="1" hangingPunct="1"/>
+                      <a:r>
+                        <a:rPr lang="en-US" sz="1200" b="1" kern="1200" dirty="0">
+                          <a:solidFill>
+                            <a:schemeClr val="lt1"/>
+                          </a:solidFill>
+                          <a:latin typeface="+mn-lt"/>
+                          <a:ea typeface="+mn-ea"/>
+                          <a:cs typeface="+mn-cs"/>
+                        </a:rPr>
+                        <a:t>0</a:t>
+                      </a:r>
+                    </a:p>
+                  </a:txBody>
+                  <a:tcPr anchor="ctr"/>
+                </a:tc>
+                <a:tc>
+                  <a:txBody>
+                    <a:bodyPr/>
+                    <a:lstStyle/>
+                    <a:p>
+                      <a:pPr algn="r"/>
+                      <a:r>
+                        <a:rPr lang="en-US" sz="1400" dirty="0"/>
+                        <a:t>1.00</a:t>
+                      </a:r>
+                    </a:p>
+                  </a:txBody>
+                  <a:tcPr anchor="ctr"/>
+                </a:tc>
+                <a:tc>
+                  <a:txBody>
+                    <a:bodyPr/>
+                    <a:lstStyle/>
+                    <a:p>
+                      <a:pPr algn="r"/>
+                      <a:r>
+                        <a:rPr lang="en-US" sz="1400" dirty="0"/>
+                        <a:t>1.00</a:t>
+                      </a:r>
+                    </a:p>
+                  </a:txBody>
+                  <a:tcPr anchor="ctr"/>
+                </a:tc>
+                <a:tc>
+                  <a:txBody>
+                    <a:bodyPr/>
+                    <a:lstStyle/>
+                    <a:p>
+                      <a:pPr algn="r"/>
+                      <a:r>
+                        <a:rPr lang="en-US" sz="1400" dirty="0"/>
+                        <a:t>1.00</a:t>
+                      </a:r>
+                    </a:p>
+                  </a:txBody>
+                  <a:tcPr anchor="ctr"/>
+                </a:tc>
+                <a:extLst>
+                  <a:ext uri="{0D108BD9-81ED-4DB2-BD59-A6C34878D82A}">
+                    <a16:rowId xmlns:a16="http://schemas.microsoft.com/office/drawing/2014/main" val="3607368520"/>
+                  </a:ext>
+                </a:extLst>
+              </a:tr>
+              <a:tr h="354852">
+                <a:tc>
+                  <a:txBody>
+                    <a:bodyPr/>
+                    <a:lstStyle/>
+                    <a:p>
+                      <a:pPr marL="0" algn="ctr" defTabSz="914400" rtl="0" eaLnBrk="1" latinLnBrk="1" hangingPunct="1"/>
+                      <a:r>
+                        <a:rPr lang="en-US" sz="1200" b="1" kern="1200" dirty="0">
+                          <a:solidFill>
+                            <a:schemeClr val="lt1"/>
+                          </a:solidFill>
+                          <a:latin typeface="+mn-lt"/>
+                          <a:ea typeface="+mn-ea"/>
+                          <a:cs typeface="+mn-cs"/>
+                        </a:rPr>
+                        <a:t>1</a:t>
+                      </a:r>
+                    </a:p>
+                  </a:txBody>
+                  <a:tcPr anchor="ctr"/>
+                </a:tc>
+                <a:tc>
+                  <a:txBody>
+                    <a:bodyPr/>
+                    <a:lstStyle/>
+                    <a:p>
+                      <a:pPr algn="r"/>
+                      <a:r>
+                        <a:rPr lang="en-US" sz="1400" dirty="0"/>
+                        <a:t>0.15</a:t>
+                      </a:r>
+                    </a:p>
+                  </a:txBody>
+                  <a:tcPr anchor="ctr"/>
+                </a:tc>
+                <a:tc>
+                  <a:txBody>
+                    <a:bodyPr/>
+                    <a:lstStyle/>
+                    <a:p>
+                      <a:pPr algn="r"/>
+                      <a:r>
+                        <a:rPr lang="en-US" sz="1400" dirty="0"/>
+                        <a:t>0.97</a:t>
+                      </a:r>
+                    </a:p>
+                  </a:txBody>
+                  <a:tcPr anchor="ctr"/>
+                </a:tc>
+                <a:tc>
+                  <a:txBody>
+                    <a:bodyPr/>
+                    <a:lstStyle/>
+                    <a:p>
+                      <a:pPr algn="r"/>
+                      <a:r>
+                        <a:rPr lang="en-US" sz="1400" dirty="0"/>
+                        <a:t>0.25</a:t>
+                      </a:r>
+                    </a:p>
+                  </a:txBody>
+                  <a:tcPr anchor="ctr"/>
+                </a:tc>
+                <a:extLst>
+                  <a:ext uri="{0D108BD9-81ED-4DB2-BD59-A6C34878D82A}">
+                    <a16:rowId xmlns:a16="http://schemas.microsoft.com/office/drawing/2014/main" val="1182080453"/>
+                  </a:ext>
+                </a:extLst>
+              </a:tr>
+              <a:tr h="354852">
+                <a:tc>
+                  <a:txBody>
+                    <a:bodyPr/>
+                    <a:lstStyle/>
+                    <a:p>
+                      <a:pPr marL="0" algn="ctr" defTabSz="914400" rtl="0" eaLnBrk="1" latinLnBrk="1" hangingPunct="1"/>
+                      <a:r>
+                        <a:rPr lang="en-US" sz="1200" b="1" kern="1200" dirty="0">
+                          <a:solidFill>
+                            <a:schemeClr val="lt1"/>
+                          </a:solidFill>
+                          <a:latin typeface="+mn-lt"/>
+                          <a:ea typeface="+mn-ea"/>
+                          <a:cs typeface="+mn-cs"/>
+                        </a:rPr>
+                        <a:t>accuracy</a:t>
+                      </a:r>
+                    </a:p>
+                  </a:txBody>
+                  <a:tcPr anchor="ctr"/>
+                </a:tc>
+                <a:tc>
+                  <a:txBody>
+                    <a:bodyPr/>
+                    <a:lstStyle/>
+                    <a:p>
+                      <a:pPr algn="r"/>
+                      <a:endParaRPr lang="en-US" sz="1400" dirty="0"/>
+                    </a:p>
+                  </a:txBody>
+                  <a:tcPr anchor="ctr"/>
+                </a:tc>
+                <a:tc>
+                  <a:txBody>
+                    <a:bodyPr/>
+                    <a:lstStyle/>
+                    <a:p>
+                      <a:pPr algn="r"/>
+                      <a:endParaRPr lang="en-US" sz="1400" dirty="0"/>
+                    </a:p>
+                  </a:txBody>
+                  <a:tcPr anchor="ctr"/>
+                </a:tc>
+                <a:tc>
+                  <a:txBody>
+                    <a:bodyPr/>
+                    <a:lstStyle/>
+                    <a:p>
+                      <a:pPr algn="r"/>
+                      <a:r>
+                        <a:rPr lang="en-US" sz="1400" dirty="0"/>
+                        <a:t>0.98</a:t>
+                      </a:r>
+                    </a:p>
+                  </a:txBody>
+                  <a:tcPr anchor="ctr"/>
+                </a:tc>
+                <a:extLst>
+                  <a:ext uri="{0D108BD9-81ED-4DB2-BD59-A6C34878D82A}">
+                    <a16:rowId xmlns:a16="http://schemas.microsoft.com/office/drawing/2014/main" val="2581843712"/>
+                  </a:ext>
+                </a:extLst>
+              </a:tr>
+              <a:tr h="354852">
+                <a:tc>
+                  <a:txBody>
+                    <a:bodyPr/>
+                    <a:lstStyle/>
+                    <a:p>
+                      <a:pPr marL="0" algn="ctr" defTabSz="914400" rtl="0" eaLnBrk="1" latinLnBrk="1" hangingPunct="1"/>
+                      <a:r>
+                        <a:rPr lang="en-US" sz="1200" b="1" kern="1200" dirty="0">
+                          <a:solidFill>
+                            <a:schemeClr val="lt1"/>
+                          </a:solidFill>
+                          <a:latin typeface="+mn-lt"/>
+                          <a:ea typeface="+mn-ea"/>
+                          <a:cs typeface="+mn-cs"/>
+                        </a:rPr>
+                        <a:t>macro avg</a:t>
+                      </a:r>
+                    </a:p>
+                  </a:txBody>
+                  <a:tcPr anchor="ctr"/>
+                </a:tc>
+                <a:tc>
+                  <a:txBody>
+                    <a:bodyPr/>
+                    <a:lstStyle/>
+                    <a:p>
+                      <a:pPr algn="r"/>
+                      <a:r>
+                        <a:rPr lang="en-US" sz="1400" dirty="0"/>
+                        <a:t>0.57</a:t>
+                      </a:r>
+                    </a:p>
+                  </a:txBody>
+                  <a:tcPr anchor="ctr"/>
+                </a:tc>
+                <a:tc>
+                  <a:txBody>
+                    <a:bodyPr/>
+                    <a:lstStyle/>
+                    <a:p>
+                      <a:pPr algn="r"/>
+                      <a:r>
+                        <a:rPr lang="en-US" sz="1400" dirty="0"/>
+                        <a:t>0.97</a:t>
+                      </a:r>
+                    </a:p>
+                  </a:txBody>
+                  <a:tcPr anchor="ctr"/>
+                </a:tc>
+                <a:tc>
+                  <a:txBody>
+                    <a:bodyPr/>
+                    <a:lstStyle/>
+                    <a:p>
+                      <a:pPr algn="r"/>
+                      <a:r>
+                        <a:rPr lang="en-US" sz="1400" dirty="0"/>
+                        <a:t>0.62</a:t>
+                      </a:r>
+                    </a:p>
+                  </a:txBody>
+                  <a:tcPr anchor="ctr"/>
+                </a:tc>
+                <a:extLst>
+                  <a:ext uri="{0D108BD9-81ED-4DB2-BD59-A6C34878D82A}">
+                    <a16:rowId xmlns:a16="http://schemas.microsoft.com/office/drawing/2014/main" val="804198424"/>
+                  </a:ext>
+                </a:extLst>
+              </a:tr>
+              <a:tr h="354852">
+                <a:tc>
+                  <a:txBody>
+                    <a:bodyPr/>
+                    <a:lstStyle/>
+                    <a:p>
+                      <a:pPr marL="0" algn="ctr" defTabSz="914400" rtl="0" eaLnBrk="1" latinLnBrk="1" hangingPunct="1"/>
+                      <a:r>
+                        <a:rPr lang="en-US" sz="1200" b="1" kern="1200" dirty="0">
+                          <a:solidFill>
+                            <a:schemeClr val="lt1"/>
+                          </a:solidFill>
+                          <a:latin typeface="+mn-lt"/>
+                          <a:ea typeface="+mn-ea"/>
+                          <a:cs typeface="+mn-cs"/>
+                        </a:rPr>
+                        <a:t>weighted avg</a:t>
+                      </a:r>
+                    </a:p>
+                  </a:txBody>
+                  <a:tcPr anchor="ctr"/>
+                </a:tc>
+                <a:tc>
+                  <a:txBody>
+                    <a:bodyPr/>
+                    <a:lstStyle/>
+                    <a:p>
+                      <a:pPr algn="r"/>
+                      <a:r>
+                        <a:rPr lang="en-US" sz="1400" dirty="0"/>
+                        <a:t>1.00</a:t>
+                      </a:r>
+                    </a:p>
+                  </a:txBody>
+                  <a:tcPr anchor="ctr"/>
+                </a:tc>
+                <a:tc>
+                  <a:txBody>
+                    <a:bodyPr/>
+                    <a:lstStyle/>
+                    <a:p>
+                      <a:pPr algn="r"/>
+                      <a:r>
+                        <a:rPr lang="en-US" sz="1400" dirty="0"/>
+                        <a:t>0.98</a:t>
+                      </a:r>
+                    </a:p>
+                  </a:txBody>
+                  <a:tcPr anchor="ctr"/>
+                </a:tc>
+                <a:tc>
+                  <a:txBody>
+                    <a:bodyPr/>
+                    <a:lstStyle/>
+                    <a:p>
+                      <a:pPr algn="r"/>
+                      <a:r>
+                        <a:rPr lang="en-US" sz="1400" dirty="0"/>
+                        <a:t>0.99</a:t>
+                      </a:r>
+                    </a:p>
+                  </a:txBody>
+                  <a:tcPr anchor="ctr"/>
+                </a:tc>
+                <a:extLst>
+                  <a:ext uri="{0D108BD9-81ED-4DB2-BD59-A6C34878D82A}">
+                    <a16:rowId xmlns:a16="http://schemas.microsoft.com/office/drawing/2014/main" val="2396135537"/>
+                  </a:ext>
+                </a:extLst>
+              </a:tr>
+            </a:tbl>
+          </a:graphicData>
+        </a:graphic>
+      </p:graphicFrame>
+      <p:sp>
+        <p:nvSpPr>
+          <p:cNvPr id="8" name="Frame 7">
+            <a:extLst>
+              <a:ext uri="{FF2B5EF4-FFF2-40B4-BE49-F238E27FC236}">
+                <a16:creationId xmlns:a16="http://schemas.microsoft.com/office/drawing/2014/main" id="{15D5A841-CB4F-AD77-9904-6C84EBCEBE81}"/>
+              </a:ext>
+            </a:extLst>
+          </p:cNvPr>
+          <p:cNvSpPr/>
+          <p:nvPr/>
+        </p:nvSpPr>
+        <p:spPr>
+          <a:xfrm>
+            <a:off x="2975956" y="3624636"/>
+            <a:ext cx="1708558" cy="244296"/>
+          </a:xfrm>
+          <a:prstGeom prst="frame">
+            <a:avLst>
+              <a:gd name="adj1" fmla="val 4741"/>
+            </a:avLst>
+          </a:prstGeom>
+          <a:solidFill>
+            <a:srgbClr val="FF0000"/>
+          </a:solidFill>
+          <a:ln>
+            <a:noFill/>
+          </a:ln>
+        </p:spPr>
+        <p:style>
+          <a:lnRef idx="2">
+            <a:schemeClr val="accent1">
+              <a:shade val="50000"/>
+            </a:schemeClr>
+          </a:lnRef>
+          <a:fillRef idx="1">
+            <a:schemeClr val="accent1"/>
+          </a:fillRef>
+          <a:effectRef idx="0">
+            <a:schemeClr val="accent1"/>
+          </a:effectRef>
+          <a:fontRef idx="minor">
+            <a:schemeClr val="lt1"/>
+          </a:fontRef>
+        </p:style>
+        <p:txBody>
+          <a:bodyPr rtlCol="0" anchor="ctr"/>
+          <a:lstStyle/>
+          <a:p>
+            <a:pPr algn="ctr"/>
+            <a:endParaRPr lang="en-KR">
+              <a:solidFill>
+                <a:schemeClr val="tx1"/>
+              </a:solidFill>
+            </a:endParaRPr>
           </a:p>
         </p:txBody>
       </p:sp>
@@ -20752,7 +23271,862 @@
 </p:sld>
 </file>
 
-<file path=ppt/slides/slide33.xml><?xml version="1.0" encoding="utf-8"?>
+<file path=ppt/slides/slide34.xml><?xml version="1.0" encoding="utf-8"?>
+<p:sld xmlns:a="http://schemas.openxmlformats.org/drawingml/2006/main" xmlns:r="http://schemas.openxmlformats.org/officeDocument/2006/relationships" xmlns:p="http://schemas.openxmlformats.org/presentationml/2006/main">
+  <p:cSld>
+    <p:spTree>
+      <p:nvGrpSpPr>
+        <p:cNvPr id="1" name=""/>
+        <p:cNvGrpSpPr/>
+        <p:nvPr/>
+      </p:nvGrpSpPr>
+      <p:grpSpPr>
+        <a:xfrm>
+          <a:off x="0" y="0"/>
+          <a:ext cx="0" cy="0"/>
+          <a:chOff x="0" y="0"/>
+          <a:chExt cx="0" cy="0"/>
+        </a:xfrm>
+      </p:grpSpPr>
+      <p:pic>
+        <p:nvPicPr>
+          <p:cNvPr id="7170" name="Picture 2">
+            <a:extLst>
+              <a:ext uri="{FF2B5EF4-FFF2-40B4-BE49-F238E27FC236}">
+                <a16:creationId xmlns:a16="http://schemas.microsoft.com/office/drawing/2014/main" id="{3C8145E9-D715-74E6-70CB-22C327EE0EE9}"/>
+              </a:ext>
+            </a:extLst>
+          </p:cNvPr>
+          <p:cNvPicPr>
+            <a:picLocks noChangeAspect="1" noChangeArrowheads="1"/>
+          </p:cNvPicPr>
+          <p:nvPr/>
+        </p:nvPicPr>
+        <p:blipFill>
+          <a:blip r:embed="rId2">
+            <a:extLst>
+              <a:ext uri="{28A0092B-C50C-407E-A947-70E740481C1C}">
+                <a14:useLocalDpi xmlns:a14="http://schemas.microsoft.com/office/drawing/2010/main" val="0"/>
+              </a:ext>
+            </a:extLst>
+          </a:blip>
+          <a:srcRect/>
+          <a:stretch>
+            <a:fillRect/>
+          </a:stretch>
+        </p:blipFill>
+        <p:spPr bwMode="auto">
+          <a:xfrm>
+            <a:off x="6428847" y="2346850"/>
+            <a:ext cx="5250436" cy="3948261"/>
+          </a:xfrm>
+          <a:prstGeom prst="rect">
+            <a:avLst/>
+          </a:prstGeom>
+          <a:noFill/>
+          <a:extLst>
+            <a:ext uri="{909E8E84-426E-40DD-AFC4-6F175D3DCCD1}">
+              <a14:hiddenFill xmlns:a14="http://schemas.microsoft.com/office/drawing/2010/main">
+                <a:solidFill>
+                  <a:srgbClr val="FFFFFF"/>
+                </a:solidFill>
+              </a14:hiddenFill>
+            </a:ext>
+          </a:extLst>
+        </p:spPr>
+      </p:pic>
+      <p:cxnSp>
+        <p:nvCxnSpPr>
+          <p:cNvPr id="3" name="직선 연결선 2"/>
+          <p:cNvCxnSpPr/>
+          <p:nvPr/>
+        </p:nvCxnSpPr>
+        <p:spPr>
+          <a:xfrm>
+            <a:off x="254000" y="362675"/>
+            <a:ext cx="11671300" cy="0"/>
+          </a:xfrm>
+          <a:prstGeom prst="line">
+            <a:avLst/>
+          </a:prstGeom>
+          <a:ln w="6350">
+            <a:solidFill>
+              <a:srgbClr val="4B5555"/>
+            </a:solidFill>
+          </a:ln>
+        </p:spPr>
+        <p:style>
+          <a:lnRef idx="1">
+            <a:schemeClr val="accent1"/>
+          </a:lnRef>
+          <a:fillRef idx="0">
+            <a:schemeClr val="accent1"/>
+          </a:fillRef>
+          <a:effectRef idx="0">
+            <a:schemeClr val="accent1"/>
+          </a:effectRef>
+          <a:fontRef idx="minor">
+            <a:schemeClr val="tx1"/>
+          </a:fontRef>
+        </p:style>
+      </p:cxnSp>
+      <p:sp>
+        <p:nvSpPr>
+          <p:cNvPr id="2" name="TextBox 1">
+            <a:extLst>
+              <a:ext uri="{FF2B5EF4-FFF2-40B4-BE49-F238E27FC236}">
+                <a16:creationId xmlns:a16="http://schemas.microsoft.com/office/drawing/2014/main" id="{B83E3735-A258-661D-A015-36D6B5886803}"/>
+              </a:ext>
+            </a:extLst>
+          </p:cNvPr>
+          <p:cNvSpPr txBox="1"/>
+          <p:nvPr/>
+        </p:nvSpPr>
+        <p:spPr>
+          <a:xfrm>
+            <a:off x="266700" y="0"/>
+            <a:ext cx="1350049" cy="400110"/>
+          </a:xfrm>
+          <a:prstGeom prst="rect">
+            <a:avLst/>
+          </a:prstGeom>
+          <a:noFill/>
+        </p:spPr>
+        <p:txBody>
+          <a:bodyPr wrap="none" rtlCol="0">
+            <a:spAutoFit/>
+          </a:bodyPr>
+          <a:lstStyle/>
+          <a:p>
+            <a:pPr algn="ctr"/>
+            <a:r>
+              <a:rPr lang="en-US" altLang="ko-KR" sz="2000" b="1" dirty="0">
+                <a:solidFill>
+                  <a:srgbClr val="4B5555"/>
+                </a:solidFill>
+                <a:latin typeface="나눔고딕" panose="020D0604000000000000" pitchFamily="50" charset="-127"/>
+                <a:ea typeface="나눔고딕" panose="020D0604000000000000" pitchFamily="50" charset="-127"/>
+              </a:rPr>
+              <a:t>MZ</a:t>
+            </a:r>
+            <a:r>
+              <a:rPr lang="ko-KR" altLang="en-US" sz="2000" b="1" dirty="0">
+                <a:solidFill>
+                  <a:srgbClr val="4B5555"/>
+                </a:solidFill>
+                <a:latin typeface="나눔고딕" panose="020D0604000000000000" pitchFamily="50" charset="-127"/>
+                <a:ea typeface="나눔고딕" panose="020D0604000000000000" pitchFamily="50" charset="-127"/>
+              </a:rPr>
+              <a:t> </a:t>
+            </a:r>
+            <a:r>
+              <a:rPr lang="en-US" altLang="ko-KR" sz="2000" b="1" dirty="0">
+                <a:solidFill>
+                  <a:srgbClr val="4B5555"/>
+                </a:solidFill>
+                <a:latin typeface="나눔고딕" panose="020D0604000000000000" pitchFamily="50" charset="-127"/>
+                <a:ea typeface="나눔고딕" panose="020D0604000000000000" pitchFamily="50" charset="-127"/>
+              </a:rPr>
+              <a:t>CARD</a:t>
+            </a:r>
+            <a:endParaRPr lang="ko-KR" altLang="en-US" sz="2400" b="1" dirty="0">
+              <a:solidFill>
+                <a:srgbClr val="1171A4"/>
+              </a:solidFill>
+              <a:latin typeface="나눔고딕" panose="020D0604000000000000" pitchFamily="50" charset="-127"/>
+              <a:ea typeface="나눔고딕" panose="020D0604000000000000" pitchFamily="50" charset="-127"/>
+            </a:endParaRPr>
+          </a:p>
+        </p:txBody>
+      </p:sp>
+      <p:sp>
+        <p:nvSpPr>
+          <p:cNvPr id="5" name="TextBox 4">
+            <a:extLst>
+              <a:ext uri="{FF2B5EF4-FFF2-40B4-BE49-F238E27FC236}">
+                <a16:creationId xmlns:a16="http://schemas.microsoft.com/office/drawing/2014/main" id="{A0E380EB-5AEA-7826-3418-B45EA28E6AD7}"/>
+              </a:ext>
+            </a:extLst>
+          </p:cNvPr>
+          <p:cNvSpPr txBox="1"/>
+          <p:nvPr/>
+        </p:nvSpPr>
+        <p:spPr>
+          <a:xfrm>
+            <a:off x="511712" y="1154331"/>
+            <a:ext cx="10998644" cy="400110"/>
+          </a:xfrm>
+          <a:prstGeom prst="rect">
+            <a:avLst/>
+          </a:prstGeom>
+          <a:noFill/>
+        </p:spPr>
+        <p:txBody>
+          <a:bodyPr wrap="square" rtlCol="0">
+            <a:spAutoFit/>
+          </a:bodyPr>
+          <a:lstStyle/>
+          <a:p>
+            <a:r>
+              <a:rPr lang="ko-KR" altLang="en-US" sz="2000" b="1" dirty="0">
+                <a:solidFill>
+                  <a:srgbClr val="4B5555"/>
+                </a:solidFill>
+                <a:latin typeface="나눔고딕" panose="020D0604000000000000" pitchFamily="50" charset="-127"/>
+                <a:ea typeface="나눔고딕" panose="020D0604000000000000" pitchFamily="50" charset="-127"/>
+              </a:rPr>
+              <a:t>최적 </a:t>
+            </a:r>
+            <a:r>
+              <a:rPr lang="en-US" altLang="ko-KR" sz="2000" b="1" dirty="0">
+                <a:solidFill>
+                  <a:srgbClr val="4B5555"/>
+                </a:solidFill>
+                <a:latin typeface="나눔고딕" panose="020D0604000000000000" pitchFamily="50" charset="-127"/>
+                <a:ea typeface="나눔고딕" panose="020D0604000000000000" pitchFamily="50" charset="-127"/>
+              </a:rPr>
+              <a:t>Hyperparameters </a:t>
+            </a:r>
+            <a:r>
+              <a:rPr lang="ko-KR" altLang="en-US" sz="2000" b="1" dirty="0">
+                <a:solidFill>
+                  <a:srgbClr val="4B5555"/>
+                </a:solidFill>
+                <a:latin typeface="나눔고딕" panose="020D0604000000000000" pitchFamily="50" charset="-127"/>
+                <a:ea typeface="나눔고딕" panose="020D0604000000000000" pitchFamily="50" charset="-127"/>
+              </a:rPr>
+              <a:t>이용한 테스트 데이터 예측 </a:t>
+            </a:r>
+            <a:r>
+              <a:rPr lang="en-US" altLang="ko-KR" sz="2000" b="1" dirty="0">
+                <a:solidFill>
+                  <a:srgbClr val="4B5555"/>
+                </a:solidFill>
+                <a:latin typeface="나눔고딕" panose="020D0604000000000000" pitchFamily="50" charset="-127"/>
+                <a:ea typeface="나눔고딕" panose="020D0604000000000000" pitchFamily="50" charset="-127"/>
+              </a:rPr>
+              <a:t>(SMOTE </a:t>
+            </a:r>
+            <a:r>
+              <a:rPr lang="ko-KR" altLang="en-US" sz="2000" b="1" dirty="0" err="1">
+                <a:solidFill>
+                  <a:srgbClr val="4B5555"/>
+                </a:solidFill>
+                <a:latin typeface="나눔고딕" panose="020D0604000000000000" pitchFamily="50" charset="-127"/>
+                <a:ea typeface="나눔고딕" panose="020D0604000000000000" pitchFamily="50" charset="-127"/>
+              </a:rPr>
+              <a:t>오버샘플링</a:t>
+            </a:r>
+            <a:r>
+              <a:rPr lang="ko-KR" altLang="en-US" sz="2000" b="1" dirty="0">
+                <a:solidFill>
+                  <a:srgbClr val="4B5555"/>
+                </a:solidFill>
+                <a:latin typeface="나눔고딕" panose="020D0604000000000000" pitchFamily="50" charset="-127"/>
+                <a:ea typeface="나눔고딕" panose="020D0604000000000000" pitchFamily="50" charset="-127"/>
+              </a:rPr>
+              <a:t> 데이터로 학습한 모델 이용</a:t>
+            </a:r>
+            <a:r>
+              <a:rPr lang="en-US" altLang="ko-KR" sz="2000" b="1" dirty="0">
+                <a:solidFill>
+                  <a:srgbClr val="4B5555"/>
+                </a:solidFill>
+                <a:latin typeface="나눔고딕" panose="020D0604000000000000" pitchFamily="50" charset="-127"/>
+                <a:ea typeface="나눔고딕" panose="020D0604000000000000" pitchFamily="50" charset="-127"/>
+              </a:rPr>
+              <a:t>)</a:t>
+            </a:r>
+            <a:endParaRPr lang="ko-KR" altLang="en-US" sz="2400" b="1" dirty="0">
+              <a:solidFill>
+                <a:srgbClr val="1171A4"/>
+              </a:solidFill>
+              <a:latin typeface="나눔고딕" panose="020D0604000000000000" pitchFamily="50" charset="-127"/>
+              <a:ea typeface="나눔고딕" panose="020D0604000000000000" pitchFamily="50" charset="-127"/>
+            </a:endParaRPr>
+          </a:p>
+        </p:txBody>
+      </p:sp>
+      <p:sp>
+        <p:nvSpPr>
+          <p:cNvPr id="11" name="TextBox 10">
+            <a:extLst>
+              <a:ext uri="{FF2B5EF4-FFF2-40B4-BE49-F238E27FC236}">
+                <a16:creationId xmlns:a16="http://schemas.microsoft.com/office/drawing/2014/main" id="{6B287F43-05E7-F9C8-9D59-1E9EA41EFBC6}"/>
+              </a:ext>
+            </a:extLst>
+          </p:cNvPr>
+          <p:cNvSpPr txBox="1"/>
+          <p:nvPr/>
+        </p:nvSpPr>
+        <p:spPr>
+          <a:xfrm>
+            <a:off x="511713" y="508000"/>
+            <a:ext cx="1053494" cy="646331"/>
+          </a:xfrm>
+          <a:prstGeom prst="rect">
+            <a:avLst/>
+          </a:prstGeom>
+          <a:noFill/>
+        </p:spPr>
+        <p:txBody>
+          <a:bodyPr wrap="none" rtlCol="0">
+            <a:spAutoFit/>
+          </a:bodyPr>
+          <a:lstStyle/>
+          <a:p>
+            <a:r>
+              <a:rPr lang="ko-KR" altLang="en-US" sz="3600" b="1" dirty="0">
+                <a:solidFill>
+                  <a:srgbClr val="1171A4"/>
+                </a:solidFill>
+                <a:latin typeface="나눔고딕" panose="020D0604000000000000" pitchFamily="50" charset="-127"/>
+                <a:ea typeface="나눔고딕" panose="020D0604000000000000" pitchFamily="50" charset="-127"/>
+              </a:rPr>
+              <a:t>결과</a:t>
+            </a:r>
+          </a:p>
+        </p:txBody>
+      </p:sp>
+      <p:graphicFrame>
+        <p:nvGraphicFramePr>
+          <p:cNvPr id="4" name="Table 6">
+            <a:extLst>
+              <a:ext uri="{FF2B5EF4-FFF2-40B4-BE49-F238E27FC236}">
+                <a16:creationId xmlns:a16="http://schemas.microsoft.com/office/drawing/2014/main" id="{E1CB77EF-B8F5-C130-8F3A-0A11EEB3C0FC}"/>
+              </a:ext>
+            </a:extLst>
+          </p:cNvPr>
+          <p:cNvGraphicFramePr>
+            <a:graphicFrameLocks noGrp="1"/>
+          </p:cNvGraphicFramePr>
+          <p:nvPr>
+            <p:extLst>
+              <p:ext uri="{D42A27DB-BD31-4B8C-83A1-F6EECF244321}">
+                <p14:modId xmlns:p14="http://schemas.microsoft.com/office/powerpoint/2010/main" val="2709003414"/>
+              </p:ext>
+            </p:extLst>
+          </p:nvPr>
+        </p:nvGraphicFramePr>
+        <p:xfrm>
+          <a:off x="1064029" y="2849059"/>
+          <a:ext cx="4893428" cy="2140020"/>
+        </p:xfrm>
+        <a:graphic>
+          <a:graphicData uri="http://schemas.openxmlformats.org/drawingml/2006/table">
+            <a:tbl>
+              <a:tblPr firstRow="1" firstCol="1" bandRow="1">
+                <a:tableStyleId>{7DF18680-E054-41AD-8BC1-D1AEF772440D}</a:tableStyleId>
+              </a:tblPr>
+              <a:tblGrid>
+                <a:gridCol w="1223357">
+                  <a:extLst>
+                    <a:ext uri="{9D8B030D-6E8A-4147-A177-3AD203B41FA5}">
+                      <a16:colId xmlns:a16="http://schemas.microsoft.com/office/drawing/2014/main" val="1625168884"/>
+                    </a:ext>
+                  </a:extLst>
+                </a:gridCol>
+                <a:gridCol w="1223357">
+                  <a:extLst>
+                    <a:ext uri="{9D8B030D-6E8A-4147-A177-3AD203B41FA5}">
+                      <a16:colId xmlns:a16="http://schemas.microsoft.com/office/drawing/2014/main" val="2651069430"/>
+                    </a:ext>
+                  </a:extLst>
+                </a:gridCol>
+                <a:gridCol w="1223357">
+                  <a:extLst>
+                    <a:ext uri="{9D8B030D-6E8A-4147-A177-3AD203B41FA5}">
+                      <a16:colId xmlns:a16="http://schemas.microsoft.com/office/drawing/2014/main" val="1866455031"/>
+                    </a:ext>
+                  </a:extLst>
+                </a:gridCol>
+                <a:gridCol w="1223357">
+                  <a:extLst>
+                    <a:ext uri="{9D8B030D-6E8A-4147-A177-3AD203B41FA5}">
+                      <a16:colId xmlns:a16="http://schemas.microsoft.com/office/drawing/2014/main" val="2199166166"/>
+                    </a:ext>
+                  </a:extLst>
+                </a:gridCol>
+              </a:tblGrid>
+              <a:tr h="354852">
+                <a:tc>
+                  <a:txBody>
+                    <a:bodyPr/>
+                    <a:lstStyle/>
+                    <a:p>
+                      <a:endParaRPr lang="en-US" dirty="0"/>
+                    </a:p>
+                  </a:txBody>
+                  <a:tcPr/>
+                </a:tc>
+                <a:tc>
+                  <a:txBody>
+                    <a:bodyPr/>
+                    <a:lstStyle/>
+                    <a:p>
+                      <a:pPr algn="ctr"/>
+                      <a:r>
+                        <a:rPr lang="en-US" sz="1200" dirty="0"/>
+                        <a:t>precision</a:t>
+                      </a:r>
+                    </a:p>
+                  </a:txBody>
+                  <a:tcPr anchor="ctr"/>
+                </a:tc>
+                <a:tc>
+                  <a:txBody>
+                    <a:bodyPr/>
+                    <a:lstStyle/>
+                    <a:p>
+                      <a:pPr algn="ctr"/>
+                      <a:r>
+                        <a:rPr lang="en-US" sz="1200" dirty="0"/>
+                        <a:t>recall</a:t>
+                      </a:r>
+                    </a:p>
+                  </a:txBody>
+                  <a:tcPr anchor="ctr"/>
+                </a:tc>
+                <a:tc>
+                  <a:txBody>
+                    <a:bodyPr/>
+                    <a:lstStyle/>
+                    <a:p>
+                      <a:pPr algn="ctr"/>
+                      <a:r>
+                        <a:rPr lang="en-US" sz="1200" dirty="0"/>
+                        <a:t>F1-score</a:t>
+                      </a:r>
+                    </a:p>
+                  </a:txBody>
+                  <a:tcPr anchor="ctr"/>
+                </a:tc>
+                <a:extLst>
+                  <a:ext uri="{0D108BD9-81ED-4DB2-BD59-A6C34878D82A}">
+                    <a16:rowId xmlns:a16="http://schemas.microsoft.com/office/drawing/2014/main" val="1646888325"/>
+                  </a:ext>
+                </a:extLst>
+              </a:tr>
+              <a:tr h="354852">
+                <a:tc>
+                  <a:txBody>
+                    <a:bodyPr/>
+                    <a:lstStyle/>
+                    <a:p>
+                      <a:pPr marL="0" algn="ctr" defTabSz="914400" rtl="0" eaLnBrk="1" latinLnBrk="1" hangingPunct="1"/>
+                      <a:r>
+                        <a:rPr lang="en-US" sz="1200" b="1" kern="1200" dirty="0">
+                          <a:solidFill>
+                            <a:schemeClr val="lt1"/>
+                          </a:solidFill>
+                          <a:latin typeface="+mn-lt"/>
+                          <a:ea typeface="+mn-ea"/>
+                          <a:cs typeface="+mn-cs"/>
+                        </a:rPr>
+                        <a:t>0</a:t>
+                      </a:r>
+                    </a:p>
+                  </a:txBody>
+                  <a:tcPr anchor="ctr"/>
+                </a:tc>
+                <a:tc>
+                  <a:txBody>
+                    <a:bodyPr/>
+                    <a:lstStyle/>
+                    <a:p>
+                      <a:pPr algn="r"/>
+                      <a:r>
+                        <a:rPr lang="en-US" sz="1400" dirty="0"/>
+                        <a:t>1.00</a:t>
+                      </a:r>
+                    </a:p>
+                  </a:txBody>
+                  <a:tcPr anchor="ctr"/>
+                </a:tc>
+                <a:tc>
+                  <a:txBody>
+                    <a:bodyPr/>
+                    <a:lstStyle/>
+                    <a:p>
+                      <a:pPr algn="r"/>
+                      <a:r>
+                        <a:rPr lang="en-US" sz="1400" dirty="0"/>
+                        <a:t>1.00</a:t>
+                      </a:r>
+                    </a:p>
+                  </a:txBody>
+                  <a:tcPr anchor="ctr"/>
+                </a:tc>
+                <a:tc>
+                  <a:txBody>
+                    <a:bodyPr/>
+                    <a:lstStyle/>
+                    <a:p>
+                      <a:pPr algn="r"/>
+                      <a:r>
+                        <a:rPr lang="en-US" sz="1400" dirty="0"/>
+                        <a:t>1.00</a:t>
+                      </a:r>
+                    </a:p>
+                  </a:txBody>
+                  <a:tcPr anchor="ctr"/>
+                </a:tc>
+                <a:extLst>
+                  <a:ext uri="{0D108BD9-81ED-4DB2-BD59-A6C34878D82A}">
+                    <a16:rowId xmlns:a16="http://schemas.microsoft.com/office/drawing/2014/main" val="3607368520"/>
+                  </a:ext>
+                </a:extLst>
+              </a:tr>
+              <a:tr h="354852">
+                <a:tc>
+                  <a:txBody>
+                    <a:bodyPr/>
+                    <a:lstStyle/>
+                    <a:p>
+                      <a:pPr marL="0" algn="ctr" defTabSz="914400" rtl="0" eaLnBrk="1" latinLnBrk="1" hangingPunct="1"/>
+                      <a:r>
+                        <a:rPr lang="en-US" sz="1200" b="1" kern="1200" dirty="0">
+                          <a:solidFill>
+                            <a:schemeClr val="lt1"/>
+                          </a:solidFill>
+                          <a:latin typeface="+mn-lt"/>
+                          <a:ea typeface="+mn-ea"/>
+                          <a:cs typeface="+mn-cs"/>
+                        </a:rPr>
+                        <a:t>1</a:t>
+                      </a:r>
+                    </a:p>
+                  </a:txBody>
+                  <a:tcPr anchor="ctr"/>
+                </a:tc>
+                <a:tc>
+                  <a:txBody>
+                    <a:bodyPr/>
+                    <a:lstStyle/>
+                    <a:p>
+                      <a:pPr algn="r"/>
+                      <a:r>
+                        <a:rPr lang="en-US" sz="1400" dirty="0"/>
+                        <a:t>0.52</a:t>
+                      </a:r>
+                    </a:p>
+                  </a:txBody>
+                  <a:tcPr anchor="ctr"/>
+                </a:tc>
+                <a:tc>
+                  <a:txBody>
+                    <a:bodyPr/>
+                    <a:lstStyle/>
+                    <a:p>
+                      <a:pPr algn="r"/>
+                      <a:r>
+                        <a:rPr lang="en-US" sz="1400" dirty="0"/>
+                        <a:t>0.85</a:t>
+                      </a:r>
+                    </a:p>
+                  </a:txBody>
+                  <a:tcPr anchor="ctr"/>
+                </a:tc>
+                <a:tc>
+                  <a:txBody>
+                    <a:bodyPr/>
+                    <a:lstStyle/>
+                    <a:p>
+                      <a:pPr algn="r"/>
+                      <a:r>
+                        <a:rPr lang="en-US" sz="1400" dirty="0"/>
+                        <a:t>0.65</a:t>
+                      </a:r>
+                    </a:p>
+                  </a:txBody>
+                  <a:tcPr anchor="ctr"/>
+                </a:tc>
+                <a:extLst>
+                  <a:ext uri="{0D108BD9-81ED-4DB2-BD59-A6C34878D82A}">
+                    <a16:rowId xmlns:a16="http://schemas.microsoft.com/office/drawing/2014/main" val="1182080453"/>
+                  </a:ext>
+                </a:extLst>
+              </a:tr>
+              <a:tr h="354852">
+                <a:tc>
+                  <a:txBody>
+                    <a:bodyPr/>
+                    <a:lstStyle/>
+                    <a:p>
+                      <a:pPr marL="0" algn="ctr" defTabSz="914400" rtl="0" eaLnBrk="1" latinLnBrk="1" hangingPunct="1"/>
+                      <a:r>
+                        <a:rPr lang="en-US" sz="1200" b="1" kern="1200" dirty="0">
+                          <a:solidFill>
+                            <a:schemeClr val="lt1"/>
+                          </a:solidFill>
+                          <a:latin typeface="+mn-lt"/>
+                          <a:ea typeface="+mn-ea"/>
+                          <a:cs typeface="+mn-cs"/>
+                        </a:rPr>
+                        <a:t>accuracy</a:t>
+                      </a:r>
+                    </a:p>
+                  </a:txBody>
+                  <a:tcPr anchor="ctr"/>
+                </a:tc>
+                <a:tc>
+                  <a:txBody>
+                    <a:bodyPr/>
+                    <a:lstStyle/>
+                    <a:p>
+                      <a:pPr algn="r"/>
+                      <a:endParaRPr lang="en-US" sz="1400" dirty="0"/>
+                    </a:p>
+                  </a:txBody>
+                  <a:tcPr anchor="ctr"/>
+                </a:tc>
+                <a:tc>
+                  <a:txBody>
+                    <a:bodyPr/>
+                    <a:lstStyle/>
+                    <a:p>
+                      <a:pPr algn="r"/>
+                      <a:endParaRPr lang="en-US" sz="1400" dirty="0"/>
+                    </a:p>
+                  </a:txBody>
+                  <a:tcPr anchor="ctr"/>
+                </a:tc>
+                <a:tc>
+                  <a:txBody>
+                    <a:bodyPr/>
+                    <a:lstStyle/>
+                    <a:p>
+                      <a:pPr algn="r"/>
+                      <a:r>
+                        <a:rPr lang="en-US" sz="1400" dirty="0"/>
+                        <a:t>1.00</a:t>
+                      </a:r>
+                    </a:p>
+                  </a:txBody>
+                  <a:tcPr anchor="ctr"/>
+                </a:tc>
+                <a:extLst>
+                  <a:ext uri="{0D108BD9-81ED-4DB2-BD59-A6C34878D82A}">
+                    <a16:rowId xmlns:a16="http://schemas.microsoft.com/office/drawing/2014/main" val="2581843712"/>
+                  </a:ext>
+                </a:extLst>
+              </a:tr>
+              <a:tr h="354852">
+                <a:tc>
+                  <a:txBody>
+                    <a:bodyPr/>
+                    <a:lstStyle/>
+                    <a:p>
+                      <a:pPr marL="0" algn="ctr" defTabSz="914400" rtl="0" eaLnBrk="1" latinLnBrk="1" hangingPunct="1"/>
+                      <a:r>
+                        <a:rPr lang="en-US" sz="1200" b="1" kern="1200" dirty="0">
+                          <a:solidFill>
+                            <a:schemeClr val="lt1"/>
+                          </a:solidFill>
+                          <a:latin typeface="+mn-lt"/>
+                          <a:ea typeface="+mn-ea"/>
+                          <a:cs typeface="+mn-cs"/>
+                        </a:rPr>
+                        <a:t>macro avg</a:t>
+                      </a:r>
+                    </a:p>
+                  </a:txBody>
+                  <a:tcPr anchor="ctr"/>
+                </a:tc>
+                <a:tc>
+                  <a:txBody>
+                    <a:bodyPr/>
+                    <a:lstStyle/>
+                    <a:p>
+                      <a:pPr algn="r"/>
+                      <a:r>
+                        <a:rPr lang="en-US" sz="1400" dirty="0"/>
+                        <a:t>0.76</a:t>
+                      </a:r>
+                    </a:p>
+                  </a:txBody>
+                  <a:tcPr anchor="ctr"/>
+                </a:tc>
+                <a:tc>
+                  <a:txBody>
+                    <a:bodyPr/>
+                    <a:lstStyle/>
+                    <a:p>
+                      <a:pPr algn="r"/>
+                      <a:r>
+                        <a:rPr lang="en-US" sz="1400" dirty="0"/>
+                        <a:t>0.92</a:t>
+                      </a:r>
+                    </a:p>
+                  </a:txBody>
+                  <a:tcPr anchor="ctr"/>
+                </a:tc>
+                <a:tc>
+                  <a:txBody>
+                    <a:bodyPr/>
+                    <a:lstStyle/>
+                    <a:p>
+                      <a:pPr algn="r"/>
+                      <a:r>
+                        <a:rPr lang="en-US" sz="1400" dirty="0"/>
+                        <a:t>0.82</a:t>
+                      </a:r>
+                    </a:p>
+                  </a:txBody>
+                  <a:tcPr anchor="ctr"/>
+                </a:tc>
+                <a:extLst>
+                  <a:ext uri="{0D108BD9-81ED-4DB2-BD59-A6C34878D82A}">
+                    <a16:rowId xmlns:a16="http://schemas.microsoft.com/office/drawing/2014/main" val="804198424"/>
+                  </a:ext>
+                </a:extLst>
+              </a:tr>
+              <a:tr h="354852">
+                <a:tc>
+                  <a:txBody>
+                    <a:bodyPr/>
+                    <a:lstStyle/>
+                    <a:p>
+                      <a:pPr marL="0" algn="ctr" defTabSz="914400" rtl="0" eaLnBrk="1" latinLnBrk="1" hangingPunct="1"/>
+                      <a:r>
+                        <a:rPr lang="en-US" sz="1200" b="1" kern="1200" dirty="0">
+                          <a:solidFill>
+                            <a:schemeClr val="lt1"/>
+                          </a:solidFill>
+                          <a:latin typeface="+mn-lt"/>
+                          <a:ea typeface="+mn-ea"/>
+                          <a:cs typeface="+mn-cs"/>
+                        </a:rPr>
+                        <a:t>weighted avg</a:t>
+                      </a:r>
+                    </a:p>
+                  </a:txBody>
+                  <a:tcPr anchor="ctr"/>
+                </a:tc>
+                <a:tc>
+                  <a:txBody>
+                    <a:bodyPr/>
+                    <a:lstStyle/>
+                    <a:p>
+                      <a:pPr algn="r"/>
+                      <a:r>
+                        <a:rPr lang="en-US" sz="1400" dirty="0"/>
+                        <a:t>1.00</a:t>
+                      </a:r>
+                    </a:p>
+                  </a:txBody>
+                  <a:tcPr anchor="ctr"/>
+                </a:tc>
+                <a:tc>
+                  <a:txBody>
+                    <a:bodyPr/>
+                    <a:lstStyle/>
+                    <a:p>
+                      <a:pPr algn="r"/>
+                      <a:r>
+                        <a:rPr lang="en-US" sz="1400" dirty="0"/>
+                        <a:t>1.00</a:t>
+                      </a:r>
+                    </a:p>
+                  </a:txBody>
+                  <a:tcPr anchor="ctr"/>
+                </a:tc>
+                <a:tc>
+                  <a:txBody>
+                    <a:bodyPr/>
+                    <a:lstStyle/>
+                    <a:p>
+                      <a:pPr algn="r"/>
+                      <a:r>
+                        <a:rPr lang="en-US" sz="1400" dirty="0"/>
+                        <a:t>1.00</a:t>
+                      </a:r>
+                    </a:p>
+                  </a:txBody>
+                  <a:tcPr anchor="ctr"/>
+                </a:tc>
+                <a:extLst>
+                  <a:ext uri="{0D108BD9-81ED-4DB2-BD59-A6C34878D82A}">
+                    <a16:rowId xmlns:a16="http://schemas.microsoft.com/office/drawing/2014/main" val="2396135537"/>
+                  </a:ext>
+                </a:extLst>
+              </a:tr>
+            </a:tbl>
+          </a:graphicData>
+        </a:graphic>
+      </p:graphicFrame>
+      <p:sp>
+        <p:nvSpPr>
+          <p:cNvPr id="8" name="Frame 7">
+            <a:extLst>
+              <a:ext uri="{FF2B5EF4-FFF2-40B4-BE49-F238E27FC236}">
+                <a16:creationId xmlns:a16="http://schemas.microsoft.com/office/drawing/2014/main" id="{3B0FC7ED-1E9B-7527-0DEA-80055EC964C1}"/>
+              </a:ext>
+            </a:extLst>
+          </p:cNvPr>
+          <p:cNvSpPr/>
+          <p:nvPr/>
+        </p:nvSpPr>
+        <p:spPr>
+          <a:xfrm>
+            <a:off x="2975956" y="3624636"/>
+            <a:ext cx="1708558" cy="244296"/>
+          </a:xfrm>
+          <a:prstGeom prst="frame">
+            <a:avLst>
+              <a:gd name="adj1" fmla="val 4741"/>
+            </a:avLst>
+          </a:prstGeom>
+          <a:solidFill>
+            <a:srgbClr val="FF0000"/>
+          </a:solidFill>
+          <a:ln>
+            <a:noFill/>
+          </a:ln>
+        </p:spPr>
+        <p:style>
+          <a:lnRef idx="2">
+            <a:schemeClr val="accent1">
+              <a:shade val="50000"/>
+            </a:schemeClr>
+          </a:lnRef>
+          <a:fillRef idx="1">
+            <a:schemeClr val="accent1"/>
+          </a:fillRef>
+          <a:effectRef idx="0">
+            <a:schemeClr val="accent1"/>
+          </a:effectRef>
+          <a:fontRef idx="minor">
+            <a:schemeClr val="lt1"/>
+          </a:fontRef>
+        </p:style>
+        <p:txBody>
+          <a:bodyPr rtlCol="0" anchor="ctr"/>
+          <a:lstStyle/>
+          <a:p>
+            <a:pPr algn="ctr"/>
+            <a:endParaRPr lang="en-KR">
+              <a:solidFill>
+                <a:schemeClr val="tx1"/>
+              </a:solidFill>
+            </a:endParaRPr>
+          </a:p>
+        </p:txBody>
+      </p:sp>
+    </p:spTree>
+    <p:extLst>
+      <p:ext uri="{BB962C8B-B14F-4D97-AF65-F5344CB8AC3E}">
+        <p14:creationId xmlns:p14="http://schemas.microsoft.com/office/powerpoint/2010/main" val="3999019495"/>
+      </p:ext>
+    </p:extLst>
+  </p:cSld>
+  <p:clrMapOvr>
+    <a:masterClrMapping/>
+  </p:clrMapOvr>
+</p:sld>
+</file>
+
+<file path=ppt/slides/slide35.xml><?xml version="1.0" encoding="utf-8"?>
 <p:sld xmlns:a="http://schemas.openxmlformats.org/drawingml/2006/main" xmlns:r="http://schemas.openxmlformats.org/officeDocument/2006/relationships" xmlns:p="http://schemas.openxmlformats.org/presentationml/2006/main">
   <p:cSld>
     <p:spTree>

--- a/MZCARD.pptx
+++ b/MZCARD.pptx
@@ -35,11 +35,12 @@
     <p:sldId id="315" r:id="rId29"/>
     <p:sldId id="316" r:id="rId30"/>
     <p:sldId id="321" r:id="rId31"/>
-    <p:sldId id="320" r:id="rId32"/>
-    <p:sldId id="322" r:id="rId33"/>
-    <p:sldId id="318" r:id="rId34"/>
-    <p:sldId id="323" r:id="rId35"/>
-    <p:sldId id="266" r:id="rId36"/>
+    <p:sldId id="322" r:id="rId32"/>
+    <p:sldId id="320" r:id="rId33"/>
+    <p:sldId id="323" r:id="rId34"/>
+    <p:sldId id="318" r:id="rId35"/>
+    <p:sldId id="324" r:id="rId36"/>
+    <p:sldId id="266" r:id="rId37"/>
   </p:sldIdLst>
   <p:sldSz cx="12192000" cy="6858000"/>
   <p:notesSz cx="6858000" cy="9144000"/>
@@ -293,7 +294,7 @@
           <a:p>
             <a:fld id="{72316AD9-E501-42FD-AA2F-869DA5381A7E}" type="datetimeFigureOut">
               <a:rPr lang="ko-KR" altLang="en-US" smtClean="0"/>
-              <a:t>2022-10-30</a:t>
+              <a:t>2022. 10. 31.</a:t>
             </a:fld>
             <a:endParaRPr lang="ko-KR" altLang="en-US"/>
           </a:p>
@@ -491,7 +492,7 @@
           <a:p>
             <a:fld id="{72316AD9-E501-42FD-AA2F-869DA5381A7E}" type="datetimeFigureOut">
               <a:rPr lang="ko-KR" altLang="en-US" smtClean="0"/>
-              <a:t>2022-10-30</a:t>
+              <a:t>2022. 10. 31.</a:t>
             </a:fld>
             <a:endParaRPr lang="ko-KR" altLang="en-US"/>
           </a:p>
@@ -699,7 +700,7 @@
           <a:p>
             <a:fld id="{72316AD9-E501-42FD-AA2F-869DA5381A7E}" type="datetimeFigureOut">
               <a:rPr lang="ko-KR" altLang="en-US" smtClean="0"/>
-              <a:t>2022-10-30</a:t>
+              <a:t>2022. 10. 31.</a:t>
             </a:fld>
             <a:endParaRPr lang="ko-KR" altLang="en-US"/>
           </a:p>
@@ -897,7 +898,7 @@
           <a:p>
             <a:fld id="{72316AD9-E501-42FD-AA2F-869DA5381A7E}" type="datetimeFigureOut">
               <a:rPr lang="ko-KR" altLang="en-US" smtClean="0"/>
-              <a:t>2022-10-30</a:t>
+              <a:t>2022. 10. 31.</a:t>
             </a:fld>
             <a:endParaRPr lang="ko-KR" altLang="en-US"/>
           </a:p>
@@ -1172,7 +1173,7 @@
           <a:p>
             <a:fld id="{72316AD9-E501-42FD-AA2F-869DA5381A7E}" type="datetimeFigureOut">
               <a:rPr lang="ko-KR" altLang="en-US" smtClean="0"/>
-              <a:t>2022-10-30</a:t>
+              <a:t>2022. 10. 31.</a:t>
             </a:fld>
             <a:endParaRPr lang="ko-KR" altLang="en-US"/>
           </a:p>
@@ -1437,7 +1438,7 @@
           <a:p>
             <a:fld id="{72316AD9-E501-42FD-AA2F-869DA5381A7E}" type="datetimeFigureOut">
               <a:rPr lang="ko-KR" altLang="en-US" smtClean="0"/>
-              <a:t>2022-10-30</a:t>
+              <a:t>2022. 10. 31.</a:t>
             </a:fld>
             <a:endParaRPr lang="ko-KR" altLang="en-US"/>
           </a:p>
@@ -1849,7 +1850,7 @@
           <a:p>
             <a:fld id="{72316AD9-E501-42FD-AA2F-869DA5381A7E}" type="datetimeFigureOut">
               <a:rPr lang="ko-KR" altLang="en-US" smtClean="0"/>
-              <a:t>2022-10-30</a:t>
+              <a:t>2022. 10. 31.</a:t>
             </a:fld>
             <a:endParaRPr lang="ko-KR" altLang="en-US"/>
           </a:p>
@@ -1990,7 +1991,7 @@
           <a:p>
             <a:fld id="{72316AD9-E501-42FD-AA2F-869DA5381A7E}" type="datetimeFigureOut">
               <a:rPr lang="ko-KR" altLang="en-US" smtClean="0"/>
-              <a:t>2022-10-30</a:t>
+              <a:t>2022. 10. 31.</a:t>
             </a:fld>
             <a:endParaRPr lang="ko-KR" altLang="en-US"/>
           </a:p>
@@ -2103,7 +2104,7 @@
           <a:p>
             <a:fld id="{72316AD9-E501-42FD-AA2F-869DA5381A7E}" type="datetimeFigureOut">
               <a:rPr lang="ko-KR" altLang="en-US" smtClean="0"/>
-              <a:t>2022-10-30</a:t>
+              <a:t>2022. 10. 31.</a:t>
             </a:fld>
             <a:endParaRPr lang="ko-KR" altLang="en-US"/>
           </a:p>
@@ -2414,7 +2415,7 @@
           <a:p>
             <a:fld id="{72316AD9-E501-42FD-AA2F-869DA5381A7E}" type="datetimeFigureOut">
               <a:rPr lang="ko-KR" altLang="en-US" smtClean="0"/>
-              <a:t>2022-10-30</a:t>
+              <a:t>2022. 10. 31.</a:t>
             </a:fld>
             <a:endParaRPr lang="ko-KR" altLang="en-US"/>
           </a:p>
@@ -2702,7 +2703,7 @@
           <a:p>
             <a:fld id="{72316AD9-E501-42FD-AA2F-869DA5381A7E}" type="datetimeFigureOut">
               <a:rPr lang="ko-KR" altLang="en-US" smtClean="0"/>
-              <a:t>2022-10-30</a:t>
+              <a:t>2022. 10. 31.</a:t>
             </a:fld>
             <a:endParaRPr lang="ko-KR" altLang="en-US"/>
           </a:p>
@@ -2943,7 +2944,7 @@
           <a:p>
             <a:fld id="{72316AD9-E501-42FD-AA2F-869DA5381A7E}" type="datetimeFigureOut">
               <a:rPr lang="ko-KR" altLang="en-US" smtClean="0"/>
-              <a:t>2022-10-30</a:t>
+              <a:t>2022. 10. 31.</a:t>
             </a:fld>
             <a:endParaRPr lang="ko-KR" altLang="en-US"/>
           </a:p>
@@ -20658,7 +20659,13 @@
           <p:cNvGraphicFramePr>
             <a:graphicFrameLocks noGrp="1"/>
           </p:cNvGraphicFramePr>
-          <p:nvPr/>
+          <p:nvPr>
+            <p:extLst>
+              <p:ext uri="{D42A27DB-BD31-4B8C-83A1-F6EECF244321}">
+                <p14:modId xmlns:p14="http://schemas.microsoft.com/office/powerpoint/2010/main" val="2126233856"/>
+              </p:ext>
+            </p:extLst>
+          </p:nvPr>
         </p:nvGraphicFramePr>
         <p:xfrm>
           <a:off x="1412779" y="3012596"/>
@@ -20949,13 +20956,7 @@
           <p:cNvGraphicFramePr>
             <a:graphicFrameLocks noGrp="1"/>
           </p:cNvGraphicFramePr>
-          <p:nvPr>
-            <p:extLst>
-              <p:ext uri="{D42A27DB-BD31-4B8C-83A1-F6EECF244321}">
-                <p14:modId xmlns:p14="http://schemas.microsoft.com/office/powerpoint/2010/main" val="3692807324"/>
-              </p:ext>
-            </p:extLst>
-          </p:nvPr>
+          <p:nvPr/>
         </p:nvGraphicFramePr>
         <p:xfrm>
           <a:off x="7622252" y="3012596"/>
@@ -21045,7 +21046,7 @@
                       <a:pPr algn="ctr"/>
                       <a:r>
                         <a:rPr lang="en-US" sz="1600" dirty="0"/>
-                        <a:t>100</a:t>
+                        <a:t>300</a:t>
                       </a:r>
                     </a:p>
                   </a:txBody>
@@ -21174,7 +21175,7 @@
                       <a:pPr algn="ctr"/>
                       <a:r>
                         <a:rPr lang="en-US" sz="1600" dirty="0"/>
-                        <a:t>0</a:t>
+                        <a:t>1</a:t>
                       </a:r>
                     </a:p>
                   </a:txBody>
@@ -21356,7 +21357,7 @@
           <p:spPr>
             <a:xfrm>
               <a:off x="4870416" y="4635299"/>
-              <a:ext cx="2563871" cy="307777"/>
+              <a:ext cx="2563871" cy="338554"/>
             </a:xfrm>
             <a:prstGeom prst="rect">
               <a:avLst/>
@@ -21383,8 +21384,16 @@
             </a:lstStyle>
             <a:p>
               <a:r>
+                <a:rPr lang="en-US" altLang="ko-KR" dirty="0"/>
+                <a:t>SMOTE</a:t>
+              </a:r>
+              <a:r>
+                <a:rPr lang="ko-KR" altLang="en-US" dirty="0"/>
+                <a:t> </a:t>
+              </a:r>
+              <a:r>
                 <a:rPr lang="ko-KR" altLang="en-US" dirty="0" err="1"/>
-                <a:t>언더샘플링</a:t>
+                <a:t>오버샘플링</a:t>
               </a:r>
               <a:r>
                 <a:rPr lang="ko-KR" altLang="en-US" dirty="0"/>
@@ -21397,7 +21406,7 @@
     </p:spTree>
     <p:extLst>
       <p:ext uri="{BB962C8B-B14F-4D97-AF65-F5344CB8AC3E}">
-        <p14:creationId xmlns:p14="http://schemas.microsoft.com/office/powerpoint/2010/main" val="2473648630"/>
+        <p14:creationId xmlns:p14="http://schemas.microsoft.com/office/powerpoint/2010/main" val="3196836218"/>
       </p:ext>
     </p:extLst>
   </p:cSld>
@@ -21659,13 +21668,7 @@
           <p:cNvGraphicFramePr>
             <a:graphicFrameLocks noGrp="1"/>
           </p:cNvGraphicFramePr>
-          <p:nvPr>
-            <p:extLst>
-              <p:ext uri="{D42A27DB-BD31-4B8C-83A1-F6EECF244321}">
-                <p14:modId xmlns:p14="http://schemas.microsoft.com/office/powerpoint/2010/main" val="2126233856"/>
-              </p:ext>
-            </p:extLst>
-          </p:nvPr>
+          <p:nvPr/>
         </p:nvGraphicFramePr>
         <p:xfrm>
           <a:off x="1412779" y="3012596"/>
@@ -21956,7 +21959,13 @@
           <p:cNvGraphicFramePr>
             <a:graphicFrameLocks noGrp="1"/>
           </p:cNvGraphicFramePr>
-          <p:nvPr/>
+          <p:nvPr>
+            <p:extLst>
+              <p:ext uri="{D42A27DB-BD31-4B8C-83A1-F6EECF244321}">
+                <p14:modId xmlns:p14="http://schemas.microsoft.com/office/powerpoint/2010/main" val="3692807324"/>
+              </p:ext>
+            </p:extLst>
+          </p:nvPr>
         </p:nvGraphicFramePr>
         <p:xfrm>
           <a:off x="7622252" y="3012596"/>
@@ -22046,7 +22055,7 @@
                       <a:pPr algn="ctr"/>
                       <a:r>
                         <a:rPr lang="en-US" sz="1600" dirty="0"/>
-                        <a:t>300</a:t>
+                        <a:t>100</a:t>
                       </a:r>
                     </a:p>
                   </a:txBody>
@@ -22175,7 +22184,7 @@
                       <a:pPr algn="ctr"/>
                       <a:r>
                         <a:rPr lang="en-US" sz="1600" dirty="0"/>
-                        <a:t>1</a:t>
+                        <a:t>0</a:t>
                       </a:r>
                     </a:p>
                   </a:txBody>
@@ -22357,7 +22366,7 @@
           <p:spPr>
             <a:xfrm>
               <a:off x="4870416" y="4635299"/>
-              <a:ext cx="2563871" cy="338554"/>
+              <a:ext cx="2563871" cy="307777"/>
             </a:xfrm>
             <a:prstGeom prst="rect">
               <a:avLst/>
@@ -22384,16 +22393,8 @@
             </a:lstStyle>
             <a:p>
               <a:r>
-                <a:rPr lang="en-US" altLang="ko-KR" dirty="0"/>
-                <a:t>SMOTE</a:t>
-              </a:r>
-              <a:r>
-                <a:rPr lang="ko-KR" altLang="en-US" dirty="0"/>
-                <a:t> </a:t>
-              </a:r>
-              <a:r>
                 <a:rPr lang="ko-KR" altLang="en-US" dirty="0" err="1"/>
-                <a:t>오버샘플링</a:t>
+                <a:t>언더샘플링</a:t>
               </a:r>
               <a:r>
                 <a:rPr lang="ko-KR" altLang="en-US" dirty="0"/>
@@ -22406,7 +22407,7 @@
     </p:spTree>
     <p:extLst>
       <p:ext uri="{BB962C8B-B14F-4D97-AF65-F5344CB8AC3E}">
-        <p14:creationId xmlns:p14="http://schemas.microsoft.com/office/powerpoint/2010/main" val="3196836218"/>
+        <p14:creationId xmlns:p14="http://schemas.microsoft.com/office/powerpoint/2010/main" val="2473648630"/>
       </p:ext>
     </p:extLst>
   </p:cSld>
@@ -22417,861 +22418,6 @@
 </file>
 
 <file path=ppt/slides/slide33.xml><?xml version="1.0" encoding="utf-8"?>
-<p:sld xmlns:a="http://schemas.openxmlformats.org/drawingml/2006/main" xmlns:r="http://schemas.openxmlformats.org/officeDocument/2006/relationships" xmlns:p="http://schemas.openxmlformats.org/presentationml/2006/main">
-  <p:cSld>
-    <p:spTree>
-      <p:nvGrpSpPr>
-        <p:cNvPr id="1" name=""/>
-        <p:cNvGrpSpPr/>
-        <p:nvPr/>
-      </p:nvGrpSpPr>
-      <p:grpSpPr>
-        <a:xfrm>
-          <a:off x="0" y="0"/>
-          <a:ext cx="0" cy="0"/>
-          <a:chOff x="0" y="0"/>
-          <a:chExt cx="0" cy="0"/>
-        </a:xfrm>
-      </p:grpSpPr>
-      <p:pic>
-        <p:nvPicPr>
-          <p:cNvPr id="8194" name="Picture 2">
-            <a:extLst>
-              <a:ext uri="{FF2B5EF4-FFF2-40B4-BE49-F238E27FC236}">
-                <a16:creationId xmlns:a16="http://schemas.microsoft.com/office/drawing/2014/main" id="{6D41FEA4-ED51-7F2C-126B-79F611D3A14A}"/>
-              </a:ext>
-            </a:extLst>
-          </p:cNvPr>
-          <p:cNvPicPr>
-            <a:picLocks noChangeAspect="1" noChangeArrowheads="1"/>
-          </p:cNvPicPr>
-          <p:nvPr/>
-        </p:nvPicPr>
-        <p:blipFill>
-          <a:blip r:embed="rId2">
-            <a:extLst>
-              <a:ext uri="{28A0092B-C50C-407E-A947-70E740481C1C}">
-                <a14:useLocalDpi xmlns:a14="http://schemas.microsoft.com/office/drawing/2010/main" val="0"/>
-              </a:ext>
-            </a:extLst>
-          </a:blip>
-          <a:srcRect/>
-          <a:stretch>
-            <a:fillRect/>
-          </a:stretch>
-        </p:blipFill>
-        <p:spPr bwMode="auto">
-          <a:xfrm>
-            <a:off x="6428847" y="2346097"/>
-            <a:ext cx="5251440" cy="3949016"/>
-          </a:xfrm>
-          <a:prstGeom prst="rect">
-            <a:avLst/>
-          </a:prstGeom>
-          <a:noFill/>
-          <a:extLst>
-            <a:ext uri="{909E8E84-426E-40DD-AFC4-6F175D3DCCD1}">
-              <a14:hiddenFill xmlns:a14="http://schemas.microsoft.com/office/drawing/2010/main">
-                <a:solidFill>
-                  <a:srgbClr val="FFFFFF"/>
-                </a:solidFill>
-              </a14:hiddenFill>
-            </a:ext>
-          </a:extLst>
-        </p:spPr>
-      </p:pic>
-      <p:cxnSp>
-        <p:nvCxnSpPr>
-          <p:cNvPr id="3" name="직선 연결선 2"/>
-          <p:cNvCxnSpPr/>
-          <p:nvPr/>
-        </p:nvCxnSpPr>
-        <p:spPr>
-          <a:xfrm>
-            <a:off x="254000" y="362675"/>
-            <a:ext cx="11671300" cy="0"/>
-          </a:xfrm>
-          <a:prstGeom prst="line">
-            <a:avLst/>
-          </a:prstGeom>
-          <a:ln w="6350">
-            <a:solidFill>
-              <a:srgbClr val="4B5555"/>
-            </a:solidFill>
-          </a:ln>
-        </p:spPr>
-        <p:style>
-          <a:lnRef idx="1">
-            <a:schemeClr val="accent1"/>
-          </a:lnRef>
-          <a:fillRef idx="0">
-            <a:schemeClr val="accent1"/>
-          </a:fillRef>
-          <a:effectRef idx="0">
-            <a:schemeClr val="accent1"/>
-          </a:effectRef>
-          <a:fontRef idx="minor">
-            <a:schemeClr val="tx1"/>
-          </a:fontRef>
-        </p:style>
-      </p:cxnSp>
-      <p:sp>
-        <p:nvSpPr>
-          <p:cNvPr id="2" name="TextBox 1">
-            <a:extLst>
-              <a:ext uri="{FF2B5EF4-FFF2-40B4-BE49-F238E27FC236}">
-                <a16:creationId xmlns:a16="http://schemas.microsoft.com/office/drawing/2014/main" id="{B83E3735-A258-661D-A015-36D6B5886803}"/>
-              </a:ext>
-            </a:extLst>
-          </p:cNvPr>
-          <p:cNvSpPr txBox="1"/>
-          <p:nvPr/>
-        </p:nvSpPr>
-        <p:spPr>
-          <a:xfrm>
-            <a:off x="266700" y="0"/>
-            <a:ext cx="1350049" cy="400110"/>
-          </a:xfrm>
-          <a:prstGeom prst="rect">
-            <a:avLst/>
-          </a:prstGeom>
-          <a:noFill/>
-        </p:spPr>
-        <p:txBody>
-          <a:bodyPr wrap="none" rtlCol="0">
-            <a:spAutoFit/>
-          </a:bodyPr>
-          <a:lstStyle/>
-          <a:p>
-            <a:pPr algn="ctr"/>
-            <a:r>
-              <a:rPr lang="en-US" altLang="ko-KR" sz="2000" b="1" dirty="0">
-                <a:solidFill>
-                  <a:srgbClr val="4B5555"/>
-                </a:solidFill>
-                <a:latin typeface="나눔고딕" panose="020D0604000000000000" pitchFamily="50" charset="-127"/>
-                <a:ea typeface="나눔고딕" panose="020D0604000000000000" pitchFamily="50" charset="-127"/>
-              </a:rPr>
-              <a:t>MZ</a:t>
-            </a:r>
-            <a:r>
-              <a:rPr lang="ko-KR" altLang="en-US" sz="2000" b="1" dirty="0">
-                <a:solidFill>
-                  <a:srgbClr val="4B5555"/>
-                </a:solidFill>
-                <a:latin typeface="나눔고딕" panose="020D0604000000000000" pitchFamily="50" charset="-127"/>
-                <a:ea typeface="나눔고딕" panose="020D0604000000000000" pitchFamily="50" charset="-127"/>
-              </a:rPr>
-              <a:t> </a:t>
-            </a:r>
-            <a:r>
-              <a:rPr lang="en-US" altLang="ko-KR" sz="2000" b="1" dirty="0">
-                <a:solidFill>
-                  <a:srgbClr val="4B5555"/>
-                </a:solidFill>
-                <a:latin typeface="나눔고딕" panose="020D0604000000000000" pitchFamily="50" charset="-127"/>
-                <a:ea typeface="나눔고딕" panose="020D0604000000000000" pitchFamily="50" charset="-127"/>
-              </a:rPr>
-              <a:t>CARD</a:t>
-            </a:r>
-            <a:endParaRPr lang="ko-KR" altLang="en-US" sz="2400" b="1" dirty="0">
-              <a:solidFill>
-                <a:srgbClr val="1171A4"/>
-              </a:solidFill>
-              <a:latin typeface="나눔고딕" panose="020D0604000000000000" pitchFamily="50" charset="-127"/>
-              <a:ea typeface="나눔고딕" panose="020D0604000000000000" pitchFamily="50" charset="-127"/>
-            </a:endParaRPr>
-          </a:p>
-        </p:txBody>
-      </p:sp>
-      <p:sp>
-        <p:nvSpPr>
-          <p:cNvPr id="5" name="TextBox 4">
-            <a:extLst>
-              <a:ext uri="{FF2B5EF4-FFF2-40B4-BE49-F238E27FC236}">
-                <a16:creationId xmlns:a16="http://schemas.microsoft.com/office/drawing/2014/main" id="{A0E380EB-5AEA-7826-3418-B45EA28E6AD7}"/>
-              </a:ext>
-            </a:extLst>
-          </p:cNvPr>
-          <p:cNvSpPr txBox="1"/>
-          <p:nvPr/>
-        </p:nvSpPr>
-        <p:spPr>
-          <a:xfrm>
-            <a:off x="511712" y="1154331"/>
-            <a:ext cx="11015270" cy="400110"/>
-          </a:xfrm>
-          <a:prstGeom prst="rect">
-            <a:avLst/>
-          </a:prstGeom>
-          <a:noFill/>
-        </p:spPr>
-        <p:txBody>
-          <a:bodyPr wrap="square" rtlCol="0">
-            <a:spAutoFit/>
-          </a:bodyPr>
-          <a:lstStyle/>
-          <a:p>
-            <a:r>
-              <a:rPr lang="ko-KR" altLang="en-US" sz="2000" b="1" dirty="0">
-                <a:solidFill>
-                  <a:srgbClr val="4B5555"/>
-                </a:solidFill>
-                <a:latin typeface="나눔고딕" panose="020D0604000000000000" pitchFamily="50" charset="-127"/>
-                <a:ea typeface="나눔고딕" panose="020D0604000000000000" pitchFamily="50" charset="-127"/>
-              </a:rPr>
-              <a:t>최적 </a:t>
-            </a:r>
-            <a:r>
-              <a:rPr lang="en-US" altLang="ko-KR" sz="2000" b="1" dirty="0">
-                <a:solidFill>
-                  <a:srgbClr val="4B5555"/>
-                </a:solidFill>
-                <a:latin typeface="나눔고딕" panose="020D0604000000000000" pitchFamily="50" charset="-127"/>
-                <a:ea typeface="나눔고딕" panose="020D0604000000000000" pitchFamily="50" charset="-127"/>
-              </a:rPr>
-              <a:t>Hyperparameters </a:t>
-            </a:r>
-            <a:r>
-              <a:rPr lang="ko-KR" altLang="en-US" sz="2000" b="1" dirty="0">
-                <a:solidFill>
-                  <a:srgbClr val="4B5555"/>
-                </a:solidFill>
-                <a:latin typeface="나눔고딕" panose="020D0604000000000000" pitchFamily="50" charset="-127"/>
-                <a:ea typeface="나눔고딕" panose="020D0604000000000000" pitchFamily="50" charset="-127"/>
-              </a:rPr>
-              <a:t>이용한 테스트 데이터 예측 </a:t>
-            </a:r>
-            <a:r>
-              <a:rPr lang="en-US" altLang="ko-KR" sz="2000" b="1" dirty="0">
-                <a:solidFill>
-                  <a:srgbClr val="4B5555"/>
-                </a:solidFill>
-                <a:latin typeface="나눔고딕" panose="020D0604000000000000" pitchFamily="50" charset="-127"/>
-                <a:ea typeface="나눔고딕" panose="020D0604000000000000" pitchFamily="50" charset="-127"/>
-              </a:rPr>
-              <a:t>(</a:t>
-            </a:r>
-            <a:r>
-              <a:rPr lang="ko-KR" altLang="en-US" sz="2000" b="1" dirty="0" err="1">
-                <a:solidFill>
-                  <a:srgbClr val="4B5555"/>
-                </a:solidFill>
-                <a:latin typeface="나눔고딕" panose="020D0604000000000000" pitchFamily="50" charset="-127"/>
-                <a:ea typeface="나눔고딕" panose="020D0604000000000000" pitchFamily="50" charset="-127"/>
-              </a:rPr>
-              <a:t>언더샘플링</a:t>
-            </a:r>
-            <a:r>
-              <a:rPr lang="ko-KR" altLang="en-US" sz="2000" b="1" dirty="0">
-                <a:solidFill>
-                  <a:srgbClr val="4B5555"/>
-                </a:solidFill>
-                <a:latin typeface="나눔고딕" panose="020D0604000000000000" pitchFamily="50" charset="-127"/>
-                <a:ea typeface="나눔고딕" panose="020D0604000000000000" pitchFamily="50" charset="-127"/>
-              </a:rPr>
-              <a:t> 데이터로 학습한 모델 이용</a:t>
-            </a:r>
-            <a:r>
-              <a:rPr lang="en-US" altLang="ko-KR" sz="2000" b="1" dirty="0">
-                <a:solidFill>
-                  <a:srgbClr val="4B5555"/>
-                </a:solidFill>
-                <a:latin typeface="나눔고딕" panose="020D0604000000000000" pitchFamily="50" charset="-127"/>
-                <a:ea typeface="나눔고딕" panose="020D0604000000000000" pitchFamily="50" charset="-127"/>
-              </a:rPr>
-              <a:t>)</a:t>
-            </a:r>
-            <a:endParaRPr lang="ko-KR" altLang="en-US" sz="2400" b="1" dirty="0">
-              <a:solidFill>
-                <a:srgbClr val="1171A4"/>
-              </a:solidFill>
-              <a:latin typeface="나눔고딕" panose="020D0604000000000000" pitchFamily="50" charset="-127"/>
-              <a:ea typeface="나눔고딕" panose="020D0604000000000000" pitchFamily="50" charset="-127"/>
-            </a:endParaRPr>
-          </a:p>
-        </p:txBody>
-      </p:sp>
-      <p:sp>
-        <p:nvSpPr>
-          <p:cNvPr id="11" name="TextBox 10">
-            <a:extLst>
-              <a:ext uri="{FF2B5EF4-FFF2-40B4-BE49-F238E27FC236}">
-                <a16:creationId xmlns:a16="http://schemas.microsoft.com/office/drawing/2014/main" id="{6B287F43-05E7-F9C8-9D59-1E9EA41EFBC6}"/>
-              </a:ext>
-            </a:extLst>
-          </p:cNvPr>
-          <p:cNvSpPr txBox="1"/>
-          <p:nvPr/>
-        </p:nvSpPr>
-        <p:spPr>
-          <a:xfrm>
-            <a:off x="511713" y="508000"/>
-            <a:ext cx="1053494" cy="646331"/>
-          </a:xfrm>
-          <a:prstGeom prst="rect">
-            <a:avLst/>
-          </a:prstGeom>
-          <a:noFill/>
-        </p:spPr>
-        <p:txBody>
-          <a:bodyPr wrap="none" rtlCol="0">
-            <a:spAutoFit/>
-          </a:bodyPr>
-          <a:lstStyle/>
-          <a:p>
-            <a:r>
-              <a:rPr lang="ko-KR" altLang="en-US" sz="3600" b="1" dirty="0">
-                <a:solidFill>
-                  <a:srgbClr val="1171A4"/>
-                </a:solidFill>
-                <a:latin typeface="나눔고딕" panose="020D0604000000000000" pitchFamily="50" charset="-127"/>
-                <a:ea typeface="나눔고딕" panose="020D0604000000000000" pitchFamily="50" charset="-127"/>
-              </a:rPr>
-              <a:t>결과</a:t>
-            </a:r>
-          </a:p>
-        </p:txBody>
-      </p:sp>
-      <p:graphicFrame>
-        <p:nvGraphicFramePr>
-          <p:cNvPr id="4" name="Table 6">
-            <a:extLst>
-              <a:ext uri="{FF2B5EF4-FFF2-40B4-BE49-F238E27FC236}">
-                <a16:creationId xmlns:a16="http://schemas.microsoft.com/office/drawing/2014/main" id="{E1CB77EF-B8F5-C130-8F3A-0A11EEB3C0FC}"/>
-              </a:ext>
-            </a:extLst>
-          </p:cNvPr>
-          <p:cNvGraphicFramePr>
-            <a:graphicFrameLocks noGrp="1"/>
-          </p:cNvGraphicFramePr>
-          <p:nvPr>
-            <p:extLst>
-              <p:ext uri="{D42A27DB-BD31-4B8C-83A1-F6EECF244321}">
-                <p14:modId xmlns:p14="http://schemas.microsoft.com/office/powerpoint/2010/main" val="596038857"/>
-              </p:ext>
-            </p:extLst>
-          </p:nvPr>
-        </p:nvGraphicFramePr>
-        <p:xfrm>
-          <a:off x="1064029" y="2849059"/>
-          <a:ext cx="4893428" cy="2140020"/>
-        </p:xfrm>
-        <a:graphic>
-          <a:graphicData uri="http://schemas.openxmlformats.org/drawingml/2006/table">
-            <a:tbl>
-              <a:tblPr firstRow="1" firstCol="1" bandRow="1">
-                <a:tableStyleId>{7DF18680-E054-41AD-8BC1-D1AEF772440D}</a:tableStyleId>
-              </a:tblPr>
-              <a:tblGrid>
-                <a:gridCol w="1223357">
-                  <a:extLst>
-                    <a:ext uri="{9D8B030D-6E8A-4147-A177-3AD203B41FA5}">
-                      <a16:colId xmlns:a16="http://schemas.microsoft.com/office/drawing/2014/main" val="1625168884"/>
-                    </a:ext>
-                  </a:extLst>
-                </a:gridCol>
-                <a:gridCol w="1223357">
-                  <a:extLst>
-                    <a:ext uri="{9D8B030D-6E8A-4147-A177-3AD203B41FA5}">
-                      <a16:colId xmlns:a16="http://schemas.microsoft.com/office/drawing/2014/main" val="2651069430"/>
-                    </a:ext>
-                  </a:extLst>
-                </a:gridCol>
-                <a:gridCol w="1223357">
-                  <a:extLst>
-                    <a:ext uri="{9D8B030D-6E8A-4147-A177-3AD203B41FA5}">
-                      <a16:colId xmlns:a16="http://schemas.microsoft.com/office/drawing/2014/main" val="1866455031"/>
-                    </a:ext>
-                  </a:extLst>
-                </a:gridCol>
-                <a:gridCol w="1223357">
-                  <a:extLst>
-                    <a:ext uri="{9D8B030D-6E8A-4147-A177-3AD203B41FA5}">
-                      <a16:colId xmlns:a16="http://schemas.microsoft.com/office/drawing/2014/main" val="2199166166"/>
-                    </a:ext>
-                  </a:extLst>
-                </a:gridCol>
-              </a:tblGrid>
-              <a:tr h="354852">
-                <a:tc>
-                  <a:txBody>
-                    <a:bodyPr/>
-                    <a:lstStyle/>
-                    <a:p>
-                      <a:endParaRPr lang="en-US" dirty="0"/>
-                    </a:p>
-                  </a:txBody>
-                  <a:tcPr/>
-                </a:tc>
-                <a:tc>
-                  <a:txBody>
-                    <a:bodyPr/>
-                    <a:lstStyle/>
-                    <a:p>
-                      <a:pPr algn="ctr"/>
-                      <a:r>
-                        <a:rPr lang="en-US" sz="1200" dirty="0"/>
-                        <a:t>precision</a:t>
-                      </a:r>
-                    </a:p>
-                  </a:txBody>
-                  <a:tcPr anchor="ctr"/>
-                </a:tc>
-                <a:tc>
-                  <a:txBody>
-                    <a:bodyPr/>
-                    <a:lstStyle/>
-                    <a:p>
-                      <a:pPr algn="ctr"/>
-                      <a:r>
-                        <a:rPr lang="en-US" sz="1200" dirty="0"/>
-                        <a:t>recall</a:t>
-                      </a:r>
-                    </a:p>
-                  </a:txBody>
-                  <a:tcPr anchor="ctr"/>
-                </a:tc>
-                <a:tc>
-                  <a:txBody>
-                    <a:bodyPr/>
-                    <a:lstStyle/>
-                    <a:p>
-                      <a:pPr algn="ctr"/>
-                      <a:r>
-                        <a:rPr lang="en-US" sz="1200" dirty="0"/>
-                        <a:t>F1-score</a:t>
-                      </a:r>
-                    </a:p>
-                  </a:txBody>
-                  <a:tcPr anchor="ctr"/>
-                </a:tc>
-                <a:extLst>
-                  <a:ext uri="{0D108BD9-81ED-4DB2-BD59-A6C34878D82A}">
-                    <a16:rowId xmlns:a16="http://schemas.microsoft.com/office/drawing/2014/main" val="1646888325"/>
-                  </a:ext>
-                </a:extLst>
-              </a:tr>
-              <a:tr h="354852">
-                <a:tc>
-                  <a:txBody>
-                    <a:bodyPr/>
-                    <a:lstStyle/>
-                    <a:p>
-                      <a:pPr marL="0" algn="ctr" defTabSz="914400" rtl="0" eaLnBrk="1" latinLnBrk="1" hangingPunct="1"/>
-                      <a:r>
-                        <a:rPr lang="en-US" sz="1200" b="1" kern="1200" dirty="0">
-                          <a:solidFill>
-                            <a:schemeClr val="lt1"/>
-                          </a:solidFill>
-                          <a:latin typeface="+mn-lt"/>
-                          <a:ea typeface="+mn-ea"/>
-                          <a:cs typeface="+mn-cs"/>
-                        </a:rPr>
-                        <a:t>0</a:t>
-                      </a:r>
-                    </a:p>
-                  </a:txBody>
-                  <a:tcPr anchor="ctr"/>
-                </a:tc>
-                <a:tc>
-                  <a:txBody>
-                    <a:bodyPr/>
-                    <a:lstStyle/>
-                    <a:p>
-                      <a:pPr algn="r"/>
-                      <a:r>
-                        <a:rPr lang="en-US" sz="1400" dirty="0"/>
-                        <a:t>1.00</a:t>
-                      </a:r>
-                    </a:p>
-                  </a:txBody>
-                  <a:tcPr anchor="ctr"/>
-                </a:tc>
-                <a:tc>
-                  <a:txBody>
-                    <a:bodyPr/>
-                    <a:lstStyle/>
-                    <a:p>
-                      <a:pPr algn="r"/>
-                      <a:r>
-                        <a:rPr lang="en-US" sz="1400" dirty="0"/>
-                        <a:t>1.00</a:t>
-                      </a:r>
-                    </a:p>
-                  </a:txBody>
-                  <a:tcPr anchor="ctr"/>
-                </a:tc>
-                <a:tc>
-                  <a:txBody>
-                    <a:bodyPr/>
-                    <a:lstStyle/>
-                    <a:p>
-                      <a:pPr algn="r"/>
-                      <a:r>
-                        <a:rPr lang="en-US" sz="1400" dirty="0"/>
-                        <a:t>1.00</a:t>
-                      </a:r>
-                    </a:p>
-                  </a:txBody>
-                  <a:tcPr anchor="ctr"/>
-                </a:tc>
-                <a:extLst>
-                  <a:ext uri="{0D108BD9-81ED-4DB2-BD59-A6C34878D82A}">
-                    <a16:rowId xmlns:a16="http://schemas.microsoft.com/office/drawing/2014/main" val="3607368520"/>
-                  </a:ext>
-                </a:extLst>
-              </a:tr>
-              <a:tr h="354852">
-                <a:tc>
-                  <a:txBody>
-                    <a:bodyPr/>
-                    <a:lstStyle/>
-                    <a:p>
-                      <a:pPr marL="0" algn="ctr" defTabSz="914400" rtl="0" eaLnBrk="1" latinLnBrk="1" hangingPunct="1"/>
-                      <a:r>
-                        <a:rPr lang="en-US" sz="1200" b="1" kern="1200" dirty="0">
-                          <a:solidFill>
-                            <a:schemeClr val="lt1"/>
-                          </a:solidFill>
-                          <a:latin typeface="+mn-lt"/>
-                          <a:ea typeface="+mn-ea"/>
-                          <a:cs typeface="+mn-cs"/>
-                        </a:rPr>
-                        <a:t>1</a:t>
-                      </a:r>
-                    </a:p>
-                  </a:txBody>
-                  <a:tcPr anchor="ctr"/>
-                </a:tc>
-                <a:tc>
-                  <a:txBody>
-                    <a:bodyPr/>
-                    <a:lstStyle/>
-                    <a:p>
-                      <a:pPr algn="r"/>
-                      <a:r>
-                        <a:rPr lang="en-US" sz="1400" dirty="0"/>
-                        <a:t>0.15</a:t>
-                      </a:r>
-                    </a:p>
-                  </a:txBody>
-                  <a:tcPr anchor="ctr"/>
-                </a:tc>
-                <a:tc>
-                  <a:txBody>
-                    <a:bodyPr/>
-                    <a:lstStyle/>
-                    <a:p>
-                      <a:pPr algn="r"/>
-                      <a:r>
-                        <a:rPr lang="en-US" sz="1400" dirty="0"/>
-                        <a:t>0.97</a:t>
-                      </a:r>
-                    </a:p>
-                  </a:txBody>
-                  <a:tcPr anchor="ctr"/>
-                </a:tc>
-                <a:tc>
-                  <a:txBody>
-                    <a:bodyPr/>
-                    <a:lstStyle/>
-                    <a:p>
-                      <a:pPr algn="r"/>
-                      <a:r>
-                        <a:rPr lang="en-US" sz="1400" dirty="0"/>
-                        <a:t>0.25</a:t>
-                      </a:r>
-                    </a:p>
-                  </a:txBody>
-                  <a:tcPr anchor="ctr"/>
-                </a:tc>
-                <a:extLst>
-                  <a:ext uri="{0D108BD9-81ED-4DB2-BD59-A6C34878D82A}">
-                    <a16:rowId xmlns:a16="http://schemas.microsoft.com/office/drawing/2014/main" val="1182080453"/>
-                  </a:ext>
-                </a:extLst>
-              </a:tr>
-              <a:tr h="354852">
-                <a:tc>
-                  <a:txBody>
-                    <a:bodyPr/>
-                    <a:lstStyle/>
-                    <a:p>
-                      <a:pPr marL="0" algn="ctr" defTabSz="914400" rtl="0" eaLnBrk="1" latinLnBrk="1" hangingPunct="1"/>
-                      <a:r>
-                        <a:rPr lang="en-US" sz="1200" b="1" kern="1200" dirty="0">
-                          <a:solidFill>
-                            <a:schemeClr val="lt1"/>
-                          </a:solidFill>
-                          <a:latin typeface="+mn-lt"/>
-                          <a:ea typeface="+mn-ea"/>
-                          <a:cs typeface="+mn-cs"/>
-                        </a:rPr>
-                        <a:t>accuracy</a:t>
-                      </a:r>
-                    </a:p>
-                  </a:txBody>
-                  <a:tcPr anchor="ctr"/>
-                </a:tc>
-                <a:tc>
-                  <a:txBody>
-                    <a:bodyPr/>
-                    <a:lstStyle/>
-                    <a:p>
-                      <a:pPr algn="r"/>
-                      <a:endParaRPr lang="en-US" sz="1400" dirty="0"/>
-                    </a:p>
-                  </a:txBody>
-                  <a:tcPr anchor="ctr"/>
-                </a:tc>
-                <a:tc>
-                  <a:txBody>
-                    <a:bodyPr/>
-                    <a:lstStyle/>
-                    <a:p>
-                      <a:pPr algn="r"/>
-                      <a:endParaRPr lang="en-US" sz="1400" dirty="0"/>
-                    </a:p>
-                  </a:txBody>
-                  <a:tcPr anchor="ctr"/>
-                </a:tc>
-                <a:tc>
-                  <a:txBody>
-                    <a:bodyPr/>
-                    <a:lstStyle/>
-                    <a:p>
-                      <a:pPr algn="r"/>
-                      <a:r>
-                        <a:rPr lang="en-US" sz="1400" dirty="0"/>
-                        <a:t>0.98</a:t>
-                      </a:r>
-                    </a:p>
-                  </a:txBody>
-                  <a:tcPr anchor="ctr"/>
-                </a:tc>
-                <a:extLst>
-                  <a:ext uri="{0D108BD9-81ED-4DB2-BD59-A6C34878D82A}">
-                    <a16:rowId xmlns:a16="http://schemas.microsoft.com/office/drawing/2014/main" val="2581843712"/>
-                  </a:ext>
-                </a:extLst>
-              </a:tr>
-              <a:tr h="354852">
-                <a:tc>
-                  <a:txBody>
-                    <a:bodyPr/>
-                    <a:lstStyle/>
-                    <a:p>
-                      <a:pPr marL="0" algn="ctr" defTabSz="914400" rtl="0" eaLnBrk="1" latinLnBrk="1" hangingPunct="1"/>
-                      <a:r>
-                        <a:rPr lang="en-US" sz="1200" b="1" kern="1200" dirty="0">
-                          <a:solidFill>
-                            <a:schemeClr val="lt1"/>
-                          </a:solidFill>
-                          <a:latin typeface="+mn-lt"/>
-                          <a:ea typeface="+mn-ea"/>
-                          <a:cs typeface="+mn-cs"/>
-                        </a:rPr>
-                        <a:t>macro avg</a:t>
-                      </a:r>
-                    </a:p>
-                  </a:txBody>
-                  <a:tcPr anchor="ctr"/>
-                </a:tc>
-                <a:tc>
-                  <a:txBody>
-                    <a:bodyPr/>
-                    <a:lstStyle/>
-                    <a:p>
-                      <a:pPr algn="r"/>
-                      <a:r>
-                        <a:rPr lang="en-US" sz="1400" dirty="0"/>
-                        <a:t>0.57</a:t>
-                      </a:r>
-                    </a:p>
-                  </a:txBody>
-                  <a:tcPr anchor="ctr"/>
-                </a:tc>
-                <a:tc>
-                  <a:txBody>
-                    <a:bodyPr/>
-                    <a:lstStyle/>
-                    <a:p>
-                      <a:pPr algn="r"/>
-                      <a:r>
-                        <a:rPr lang="en-US" sz="1400" dirty="0"/>
-                        <a:t>0.97</a:t>
-                      </a:r>
-                    </a:p>
-                  </a:txBody>
-                  <a:tcPr anchor="ctr"/>
-                </a:tc>
-                <a:tc>
-                  <a:txBody>
-                    <a:bodyPr/>
-                    <a:lstStyle/>
-                    <a:p>
-                      <a:pPr algn="r"/>
-                      <a:r>
-                        <a:rPr lang="en-US" sz="1400" dirty="0"/>
-                        <a:t>0.62</a:t>
-                      </a:r>
-                    </a:p>
-                  </a:txBody>
-                  <a:tcPr anchor="ctr"/>
-                </a:tc>
-                <a:extLst>
-                  <a:ext uri="{0D108BD9-81ED-4DB2-BD59-A6C34878D82A}">
-                    <a16:rowId xmlns:a16="http://schemas.microsoft.com/office/drawing/2014/main" val="804198424"/>
-                  </a:ext>
-                </a:extLst>
-              </a:tr>
-              <a:tr h="354852">
-                <a:tc>
-                  <a:txBody>
-                    <a:bodyPr/>
-                    <a:lstStyle/>
-                    <a:p>
-                      <a:pPr marL="0" algn="ctr" defTabSz="914400" rtl="0" eaLnBrk="1" latinLnBrk="1" hangingPunct="1"/>
-                      <a:r>
-                        <a:rPr lang="en-US" sz="1200" b="1" kern="1200" dirty="0">
-                          <a:solidFill>
-                            <a:schemeClr val="lt1"/>
-                          </a:solidFill>
-                          <a:latin typeface="+mn-lt"/>
-                          <a:ea typeface="+mn-ea"/>
-                          <a:cs typeface="+mn-cs"/>
-                        </a:rPr>
-                        <a:t>weighted avg</a:t>
-                      </a:r>
-                    </a:p>
-                  </a:txBody>
-                  <a:tcPr anchor="ctr"/>
-                </a:tc>
-                <a:tc>
-                  <a:txBody>
-                    <a:bodyPr/>
-                    <a:lstStyle/>
-                    <a:p>
-                      <a:pPr algn="r"/>
-                      <a:r>
-                        <a:rPr lang="en-US" sz="1400" dirty="0"/>
-                        <a:t>1.00</a:t>
-                      </a:r>
-                    </a:p>
-                  </a:txBody>
-                  <a:tcPr anchor="ctr"/>
-                </a:tc>
-                <a:tc>
-                  <a:txBody>
-                    <a:bodyPr/>
-                    <a:lstStyle/>
-                    <a:p>
-                      <a:pPr algn="r"/>
-                      <a:r>
-                        <a:rPr lang="en-US" sz="1400" dirty="0"/>
-                        <a:t>0.98</a:t>
-                      </a:r>
-                    </a:p>
-                  </a:txBody>
-                  <a:tcPr anchor="ctr"/>
-                </a:tc>
-                <a:tc>
-                  <a:txBody>
-                    <a:bodyPr/>
-                    <a:lstStyle/>
-                    <a:p>
-                      <a:pPr algn="r"/>
-                      <a:r>
-                        <a:rPr lang="en-US" sz="1400" dirty="0"/>
-                        <a:t>0.99</a:t>
-                      </a:r>
-                    </a:p>
-                  </a:txBody>
-                  <a:tcPr anchor="ctr"/>
-                </a:tc>
-                <a:extLst>
-                  <a:ext uri="{0D108BD9-81ED-4DB2-BD59-A6C34878D82A}">
-                    <a16:rowId xmlns:a16="http://schemas.microsoft.com/office/drawing/2014/main" val="2396135537"/>
-                  </a:ext>
-                </a:extLst>
-              </a:tr>
-            </a:tbl>
-          </a:graphicData>
-        </a:graphic>
-      </p:graphicFrame>
-      <p:sp>
-        <p:nvSpPr>
-          <p:cNvPr id="8" name="Frame 7">
-            <a:extLst>
-              <a:ext uri="{FF2B5EF4-FFF2-40B4-BE49-F238E27FC236}">
-                <a16:creationId xmlns:a16="http://schemas.microsoft.com/office/drawing/2014/main" id="{15D5A841-CB4F-AD77-9904-6C84EBCEBE81}"/>
-              </a:ext>
-            </a:extLst>
-          </p:cNvPr>
-          <p:cNvSpPr/>
-          <p:nvPr/>
-        </p:nvSpPr>
-        <p:spPr>
-          <a:xfrm>
-            <a:off x="2975956" y="3624636"/>
-            <a:ext cx="1708558" cy="244296"/>
-          </a:xfrm>
-          <a:prstGeom prst="frame">
-            <a:avLst>
-              <a:gd name="adj1" fmla="val 4741"/>
-            </a:avLst>
-          </a:prstGeom>
-          <a:solidFill>
-            <a:srgbClr val="FF0000"/>
-          </a:solidFill>
-          <a:ln>
-            <a:noFill/>
-          </a:ln>
-        </p:spPr>
-        <p:style>
-          <a:lnRef idx="2">
-            <a:schemeClr val="accent1">
-              <a:shade val="50000"/>
-            </a:schemeClr>
-          </a:lnRef>
-          <a:fillRef idx="1">
-            <a:schemeClr val="accent1"/>
-          </a:fillRef>
-          <a:effectRef idx="0">
-            <a:schemeClr val="accent1"/>
-          </a:effectRef>
-          <a:fontRef idx="minor">
-            <a:schemeClr val="lt1"/>
-          </a:fontRef>
-        </p:style>
-        <p:txBody>
-          <a:bodyPr rtlCol="0" anchor="ctr"/>
-          <a:lstStyle/>
-          <a:p>
-            <a:pPr algn="ctr"/>
-            <a:endParaRPr lang="en-KR">
-              <a:solidFill>
-                <a:schemeClr val="tx1"/>
-              </a:solidFill>
-            </a:endParaRPr>
-          </a:p>
-        </p:txBody>
-      </p:sp>
-    </p:spTree>
-    <p:extLst>
-      <p:ext uri="{BB962C8B-B14F-4D97-AF65-F5344CB8AC3E}">
-        <p14:creationId xmlns:p14="http://schemas.microsoft.com/office/powerpoint/2010/main" val="2546290377"/>
-      </p:ext>
-    </p:extLst>
-  </p:cSld>
-  <p:clrMapOvr>
-    <a:masterClrMapping/>
-  </p:clrMapOvr>
-</p:sld>
-</file>
-
-<file path=ppt/slides/slide34.xml><?xml version="1.0" encoding="utf-8"?>
 <p:sld xmlns:a="http://schemas.openxmlformats.org/drawingml/2006/main" xmlns:r="http://schemas.openxmlformats.org/officeDocument/2006/relationships" xmlns:p="http://schemas.openxmlformats.org/presentationml/2006/main">
   <p:cSld>
     <p:spTree>
@@ -24126,7 +23272,1132 @@
 </p:sld>
 </file>
 
+<file path=ppt/slides/slide34.xml><?xml version="1.0" encoding="utf-8"?>
+<p:sld xmlns:a="http://schemas.openxmlformats.org/drawingml/2006/main" xmlns:r="http://schemas.openxmlformats.org/officeDocument/2006/relationships" xmlns:p="http://schemas.openxmlformats.org/presentationml/2006/main">
+  <p:cSld>
+    <p:spTree>
+      <p:nvGrpSpPr>
+        <p:cNvPr id="1" name=""/>
+        <p:cNvGrpSpPr/>
+        <p:nvPr/>
+      </p:nvGrpSpPr>
+      <p:grpSpPr>
+        <a:xfrm>
+          <a:off x="0" y="0"/>
+          <a:ext cx="0" cy="0"/>
+          <a:chOff x="0" y="0"/>
+          <a:chExt cx="0" cy="0"/>
+        </a:xfrm>
+      </p:grpSpPr>
+      <p:pic>
+        <p:nvPicPr>
+          <p:cNvPr id="1026" name="Picture 2">
+            <a:extLst>
+              <a:ext uri="{FF2B5EF4-FFF2-40B4-BE49-F238E27FC236}">
+                <a16:creationId xmlns:a16="http://schemas.microsoft.com/office/drawing/2014/main" id="{D1E515A9-2C16-F246-5426-83550E8B4E26}"/>
+              </a:ext>
+            </a:extLst>
+          </p:cNvPr>
+          <p:cNvPicPr>
+            <a:picLocks noChangeAspect="1" noChangeArrowheads="1"/>
+          </p:cNvPicPr>
+          <p:nvPr/>
+        </p:nvPicPr>
+        <p:blipFill>
+          <a:blip r:embed="rId2">
+            <a:extLst>
+              <a:ext uri="{28A0092B-C50C-407E-A947-70E740481C1C}">
+                <a14:useLocalDpi xmlns:a14="http://schemas.microsoft.com/office/drawing/2010/main" val="0"/>
+              </a:ext>
+            </a:extLst>
+          </a:blip>
+          <a:srcRect/>
+          <a:stretch>
+            <a:fillRect/>
+          </a:stretch>
+        </p:blipFill>
+        <p:spPr bwMode="auto">
+          <a:xfrm>
+            <a:off x="6428847" y="2346096"/>
+            <a:ext cx="5251441" cy="3949017"/>
+          </a:xfrm>
+          <a:prstGeom prst="rect">
+            <a:avLst/>
+          </a:prstGeom>
+          <a:noFill/>
+          <a:extLst>
+            <a:ext uri="{909E8E84-426E-40DD-AFC4-6F175D3DCCD1}">
+              <a14:hiddenFill xmlns:a14="http://schemas.microsoft.com/office/drawing/2010/main">
+                <a:solidFill>
+                  <a:srgbClr val="FFFFFF"/>
+                </a:solidFill>
+              </a14:hiddenFill>
+            </a:ext>
+          </a:extLst>
+        </p:spPr>
+      </p:pic>
+      <p:cxnSp>
+        <p:nvCxnSpPr>
+          <p:cNvPr id="3" name="직선 연결선 2"/>
+          <p:cNvCxnSpPr/>
+          <p:nvPr/>
+        </p:nvCxnSpPr>
+        <p:spPr>
+          <a:xfrm>
+            <a:off x="254000" y="362675"/>
+            <a:ext cx="11671300" cy="0"/>
+          </a:xfrm>
+          <a:prstGeom prst="line">
+            <a:avLst/>
+          </a:prstGeom>
+          <a:ln w="6350">
+            <a:solidFill>
+              <a:srgbClr val="4B5555"/>
+            </a:solidFill>
+          </a:ln>
+        </p:spPr>
+        <p:style>
+          <a:lnRef idx="1">
+            <a:schemeClr val="accent1"/>
+          </a:lnRef>
+          <a:fillRef idx="0">
+            <a:schemeClr val="accent1"/>
+          </a:fillRef>
+          <a:effectRef idx="0">
+            <a:schemeClr val="accent1"/>
+          </a:effectRef>
+          <a:fontRef idx="minor">
+            <a:schemeClr val="tx1"/>
+          </a:fontRef>
+        </p:style>
+      </p:cxnSp>
+      <p:sp>
+        <p:nvSpPr>
+          <p:cNvPr id="2" name="TextBox 1">
+            <a:extLst>
+              <a:ext uri="{FF2B5EF4-FFF2-40B4-BE49-F238E27FC236}">
+                <a16:creationId xmlns:a16="http://schemas.microsoft.com/office/drawing/2014/main" id="{B83E3735-A258-661D-A015-36D6B5886803}"/>
+              </a:ext>
+            </a:extLst>
+          </p:cNvPr>
+          <p:cNvSpPr txBox="1"/>
+          <p:nvPr/>
+        </p:nvSpPr>
+        <p:spPr>
+          <a:xfrm>
+            <a:off x="266700" y="0"/>
+            <a:ext cx="1350049" cy="400110"/>
+          </a:xfrm>
+          <a:prstGeom prst="rect">
+            <a:avLst/>
+          </a:prstGeom>
+          <a:noFill/>
+        </p:spPr>
+        <p:txBody>
+          <a:bodyPr wrap="none" rtlCol="0">
+            <a:spAutoFit/>
+          </a:bodyPr>
+          <a:lstStyle/>
+          <a:p>
+            <a:pPr algn="ctr"/>
+            <a:r>
+              <a:rPr lang="en-US" altLang="ko-KR" sz="2000" b="1" dirty="0">
+                <a:solidFill>
+                  <a:srgbClr val="4B5555"/>
+                </a:solidFill>
+                <a:latin typeface="나눔고딕" panose="020D0604000000000000" pitchFamily="50" charset="-127"/>
+                <a:ea typeface="나눔고딕" panose="020D0604000000000000" pitchFamily="50" charset="-127"/>
+              </a:rPr>
+              <a:t>MZ</a:t>
+            </a:r>
+            <a:r>
+              <a:rPr lang="ko-KR" altLang="en-US" sz="2000" b="1" dirty="0">
+                <a:solidFill>
+                  <a:srgbClr val="4B5555"/>
+                </a:solidFill>
+                <a:latin typeface="나눔고딕" panose="020D0604000000000000" pitchFamily="50" charset="-127"/>
+                <a:ea typeface="나눔고딕" panose="020D0604000000000000" pitchFamily="50" charset="-127"/>
+              </a:rPr>
+              <a:t> </a:t>
+            </a:r>
+            <a:r>
+              <a:rPr lang="en-US" altLang="ko-KR" sz="2000" b="1" dirty="0">
+                <a:solidFill>
+                  <a:srgbClr val="4B5555"/>
+                </a:solidFill>
+                <a:latin typeface="나눔고딕" panose="020D0604000000000000" pitchFamily="50" charset="-127"/>
+                <a:ea typeface="나눔고딕" panose="020D0604000000000000" pitchFamily="50" charset="-127"/>
+              </a:rPr>
+              <a:t>CARD</a:t>
+            </a:r>
+            <a:endParaRPr lang="ko-KR" altLang="en-US" sz="2400" b="1" dirty="0">
+              <a:solidFill>
+                <a:srgbClr val="1171A4"/>
+              </a:solidFill>
+              <a:latin typeface="나눔고딕" panose="020D0604000000000000" pitchFamily="50" charset="-127"/>
+              <a:ea typeface="나눔고딕" panose="020D0604000000000000" pitchFamily="50" charset="-127"/>
+            </a:endParaRPr>
+          </a:p>
+        </p:txBody>
+      </p:sp>
+      <p:sp>
+        <p:nvSpPr>
+          <p:cNvPr id="5" name="TextBox 4">
+            <a:extLst>
+              <a:ext uri="{FF2B5EF4-FFF2-40B4-BE49-F238E27FC236}">
+                <a16:creationId xmlns:a16="http://schemas.microsoft.com/office/drawing/2014/main" id="{A0E380EB-5AEA-7826-3418-B45EA28E6AD7}"/>
+              </a:ext>
+            </a:extLst>
+          </p:cNvPr>
+          <p:cNvSpPr txBox="1"/>
+          <p:nvPr/>
+        </p:nvSpPr>
+        <p:spPr>
+          <a:xfrm>
+            <a:off x="511712" y="1154331"/>
+            <a:ext cx="11015270" cy="400110"/>
+          </a:xfrm>
+          <a:prstGeom prst="rect">
+            <a:avLst/>
+          </a:prstGeom>
+          <a:noFill/>
+        </p:spPr>
+        <p:txBody>
+          <a:bodyPr wrap="square" rtlCol="0">
+            <a:spAutoFit/>
+          </a:bodyPr>
+          <a:lstStyle/>
+          <a:p>
+            <a:r>
+              <a:rPr lang="ko-KR" altLang="en-US" sz="2000" b="1" dirty="0">
+                <a:solidFill>
+                  <a:srgbClr val="4B5555"/>
+                </a:solidFill>
+                <a:latin typeface="나눔고딕" panose="020D0604000000000000" pitchFamily="50" charset="-127"/>
+                <a:ea typeface="나눔고딕" panose="020D0604000000000000" pitchFamily="50" charset="-127"/>
+              </a:rPr>
+              <a:t>최적 </a:t>
+            </a:r>
+            <a:r>
+              <a:rPr lang="en-US" altLang="ko-KR" sz="2000" b="1" dirty="0">
+                <a:solidFill>
+                  <a:srgbClr val="4B5555"/>
+                </a:solidFill>
+                <a:latin typeface="나눔고딕" panose="020D0604000000000000" pitchFamily="50" charset="-127"/>
+                <a:ea typeface="나눔고딕" panose="020D0604000000000000" pitchFamily="50" charset="-127"/>
+              </a:rPr>
+              <a:t>Hyperparameters </a:t>
+            </a:r>
+            <a:r>
+              <a:rPr lang="ko-KR" altLang="en-US" sz="2000" b="1" dirty="0">
+                <a:solidFill>
+                  <a:srgbClr val="4B5555"/>
+                </a:solidFill>
+                <a:latin typeface="나눔고딕" panose="020D0604000000000000" pitchFamily="50" charset="-127"/>
+                <a:ea typeface="나눔고딕" panose="020D0604000000000000" pitchFamily="50" charset="-127"/>
+              </a:rPr>
+              <a:t>이용한 테스트 데이터 예측 </a:t>
+            </a:r>
+            <a:r>
+              <a:rPr lang="en-US" altLang="ko-KR" sz="2000" b="1" dirty="0">
+                <a:solidFill>
+                  <a:srgbClr val="4B5555"/>
+                </a:solidFill>
+                <a:latin typeface="나눔고딕" panose="020D0604000000000000" pitchFamily="50" charset="-127"/>
+                <a:ea typeface="나눔고딕" panose="020D0604000000000000" pitchFamily="50" charset="-127"/>
+              </a:rPr>
+              <a:t>(</a:t>
+            </a:r>
+            <a:r>
+              <a:rPr lang="ko-KR" altLang="en-US" sz="2000" b="1" dirty="0" err="1">
+                <a:solidFill>
+                  <a:srgbClr val="4B5555"/>
+                </a:solidFill>
+                <a:latin typeface="나눔고딕" panose="020D0604000000000000" pitchFamily="50" charset="-127"/>
+                <a:ea typeface="나눔고딕" panose="020D0604000000000000" pitchFamily="50" charset="-127"/>
+              </a:rPr>
+              <a:t>언더샘플링</a:t>
+            </a:r>
+            <a:r>
+              <a:rPr lang="ko-KR" altLang="en-US" sz="2000" b="1" dirty="0">
+                <a:solidFill>
+                  <a:srgbClr val="4B5555"/>
+                </a:solidFill>
+                <a:latin typeface="나눔고딕" panose="020D0604000000000000" pitchFamily="50" charset="-127"/>
+                <a:ea typeface="나눔고딕" panose="020D0604000000000000" pitchFamily="50" charset="-127"/>
+              </a:rPr>
+              <a:t> 데이터로 학습한 모델 이용</a:t>
+            </a:r>
+            <a:r>
+              <a:rPr lang="en-US" altLang="ko-KR" sz="2000" b="1" dirty="0">
+                <a:solidFill>
+                  <a:srgbClr val="4B5555"/>
+                </a:solidFill>
+                <a:latin typeface="나눔고딕" panose="020D0604000000000000" pitchFamily="50" charset="-127"/>
+                <a:ea typeface="나눔고딕" panose="020D0604000000000000" pitchFamily="50" charset="-127"/>
+              </a:rPr>
+              <a:t>)</a:t>
+            </a:r>
+            <a:endParaRPr lang="ko-KR" altLang="en-US" sz="2400" b="1" dirty="0">
+              <a:solidFill>
+                <a:srgbClr val="1171A4"/>
+              </a:solidFill>
+              <a:latin typeface="나눔고딕" panose="020D0604000000000000" pitchFamily="50" charset="-127"/>
+              <a:ea typeface="나눔고딕" panose="020D0604000000000000" pitchFamily="50" charset="-127"/>
+            </a:endParaRPr>
+          </a:p>
+        </p:txBody>
+      </p:sp>
+      <p:sp>
+        <p:nvSpPr>
+          <p:cNvPr id="11" name="TextBox 10">
+            <a:extLst>
+              <a:ext uri="{FF2B5EF4-FFF2-40B4-BE49-F238E27FC236}">
+                <a16:creationId xmlns:a16="http://schemas.microsoft.com/office/drawing/2014/main" id="{6B287F43-05E7-F9C8-9D59-1E9EA41EFBC6}"/>
+              </a:ext>
+            </a:extLst>
+          </p:cNvPr>
+          <p:cNvSpPr txBox="1"/>
+          <p:nvPr/>
+        </p:nvSpPr>
+        <p:spPr>
+          <a:xfrm>
+            <a:off x="511713" y="508000"/>
+            <a:ext cx="1053494" cy="646331"/>
+          </a:xfrm>
+          <a:prstGeom prst="rect">
+            <a:avLst/>
+          </a:prstGeom>
+          <a:noFill/>
+        </p:spPr>
+        <p:txBody>
+          <a:bodyPr wrap="none" rtlCol="0">
+            <a:spAutoFit/>
+          </a:bodyPr>
+          <a:lstStyle/>
+          <a:p>
+            <a:r>
+              <a:rPr lang="ko-KR" altLang="en-US" sz="3600" b="1" dirty="0">
+                <a:solidFill>
+                  <a:srgbClr val="1171A4"/>
+                </a:solidFill>
+                <a:latin typeface="나눔고딕" panose="020D0604000000000000" pitchFamily="50" charset="-127"/>
+                <a:ea typeface="나눔고딕" panose="020D0604000000000000" pitchFamily="50" charset="-127"/>
+              </a:rPr>
+              <a:t>결과</a:t>
+            </a:r>
+          </a:p>
+        </p:txBody>
+      </p:sp>
+      <p:graphicFrame>
+        <p:nvGraphicFramePr>
+          <p:cNvPr id="4" name="Table 6">
+            <a:extLst>
+              <a:ext uri="{FF2B5EF4-FFF2-40B4-BE49-F238E27FC236}">
+                <a16:creationId xmlns:a16="http://schemas.microsoft.com/office/drawing/2014/main" id="{E1CB77EF-B8F5-C130-8F3A-0A11EEB3C0FC}"/>
+              </a:ext>
+            </a:extLst>
+          </p:cNvPr>
+          <p:cNvGraphicFramePr>
+            <a:graphicFrameLocks noGrp="1"/>
+          </p:cNvGraphicFramePr>
+          <p:nvPr>
+            <p:extLst>
+              <p:ext uri="{D42A27DB-BD31-4B8C-83A1-F6EECF244321}">
+                <p14:modId xmlns:p14="http://schemas.microsoft.com/office/powerpoint/2010/main" val="1010650250"/>
+              </p:ext>
+            </p:extLst>
+          </p:nvPr>
+        </p:nvGraphicFramePr>
+        <p:xfrm>
+          <a:off x="1064029" y="2849059"/>
+          <a:ext cx="4893428" cy="2140020"/>
+        </p:xfrm>
+        <a:graphic>
+          <a:graphicData uri="http://schemas.openxmlformats.org/drawingml/2006/table">
+            <a:tbl>
+              <a:tblPr firstRow="1" firstCol="1" bandRow="1">
+                <a:tableStyleId>{7DF18680-E054-41AD-8BC1-D1AEF772440D}</a:tableStyleId>
+              </a:tblPr>
+              <a:tblGrid>
+                <a:gridCol w="1223357">
+                  <a:extLst>
+                    <a:ext uri="{9D8B030D-6E8A-4147-A177-3AD203B41FA5}">
+                      <a16:colId xmlns:a16="http://schemas.microsoft.com/office/drawing/2014/main" val="1625168884"/>
+                    </a:ext>
+                  </a:extLst>
+                </a:gridCol>
+                <a:gridCol w="1223357">
+                  <a:extLst>
+                    <a:ext uri="{9D8B030D-6E8A-4147-A177-3AD203B41FA5}">
+                      <a16:colId xmlns:a16="http://schemas.microsoft.com/office/drawing/2014/main" val="2651069430"/>
+                    </a:ext>
+                  </a:extLst>
+                </a:gridCol>
+                <a:gridCol w="1223357">
+                  <a:extLst>
+                    <a:ext uri="{9D8B030D-6E8A-4147-A177-3AD203B41FA5}">
+                      <a16:colId xmlns:a16="http://schemas.microsoft.com/office/drawing/2014/main" val="1866455031"/>
+                    </a:ext>
+                  </a:extLst>
+                </a:gridCol>
+                <a:gridCol w="1223357">
+                  <a:extLst>
+                    <a:ext uri="{9D8B030D-6E8A-4147-A177-3AD203B41FA5}">
+                      <a16:colId xmlns:a16="http://schemas.microsoft.com/office/drawing/2014/main" val="2199166166"/>
+                    </a:ext>
+                  </a:extLst>
+                </a:gridCol>
+              </a:tblGrid>
+              <a:tr h="354852">
+                <a:tc>
+                  <a:txBody>
+                    <a:bodyPr/>
+                    <a:lstStyle/>
+                    <a:p>
+                      <a:endParaRPr lang="en-US" dirty="0"/>
+                    </a:p>
+                  </a:txBody>
+                  <a:tcPr/>
+                </a:tc>
+                <a:tc>
+                  <a:txBody>
+                    <a:bodyPr/>
+                    <a:lstStyle/>
+                    <a:p>
+                      <a:pPr algn="ctr"/>
+                      <a:r>
+                        <a:rPr lang="en-US" sz="1200" dirty="0"/>
+                        <a:t>precision</a:t>
+                      </a:r>
+                    </a:p>
+                  </a:txBody>
+                  <a:tcPr anchor="ctr"/>
+                </a:tc>
+                <a:tc>
+                  <a:txBody>
+                    <a:bodyPr/>
+                    <a:lstStyle/>
+                    <a:p>
+                      <a:pPr algn="ctr"/>
+                      <a:r>
+                        <a:rPr lang="en-US" sz="1200" dirty="0"/>
+                        <a:t>recall</a:t>
+                      </a:r>
+                    </a:p>
+                  </a:txBody>
+                  <a:tcPr anchor="ctr"/>
+                </a:tc>
+                <a:tc>
+                  <a:txBody>
+                    <a:bodyPr/>
+                    <a:lstStyle/>
+                    <a:p>
+                      <a:pPr algn="ctr"/>
+                      <a:r>
+                        <a:rPr lang="en-US" sz="1200" dirty="0"/>
+                        <a:t>F1-score</a:t>
+                      </a:r>
+                    </a:p>
+                  </a:txBody>
+                  <a:tcPr anchor="ctr"/>
+                </a:tc>
+                <a:extLst>
+                  <a:ext uri="{0D108BD9-81ED-4DB2-BD59-A6C34878D82A}">
+                    <a16:rowId xmlns:a16="http://schemas.microsoft.com/office/drawing/2014/main" val="1646888325"/>
+                  </a:ext>
+                </a:extLst>
+              </a:tr>
+              <a:tr h="354852">
+                <a:tc>
+                  <a:txBody>
+                    <a:bodyPr/>
+                    <a:lstStyle/>
+                    <a:p>
+                      <a:pPr marL="0" algn="ctr" defTabSz="914400" rtl="0" eaLnBrk="1" latinLnBrk="1" hangingPunct="1"/>
+                      <a:r>
+                        <a:rPr lang="en-US" sz="1200" b="1" kern="1200" dirty="0">
+                          <a:solidFill>
+                            <a:schemeClr val="lt1"/>
+                          </a:solidFill>
+                          <a:latin typeface="+mn-lt"/>
+                          <a:ea typeface="+mn-ea"/>
+                          <a:cs typeface="+mn-cs"/>
+                        </a:rPr>
+                        <a:t>0</a:t>
+                      </a:r>
+                    </a:p>
+                  </a:txBody>
+                  <a:tcPr anchor="ctr"/>
+                </a:tc>
+                <a:tc>
+                  <a:txBody>
+                    <a:bodyPr/>
+                    <a:lstStyle/>
+                    <a:p>
+                      <a:pPr algn="r"/>
+                      <a:r>
+                        <a:rPr lang="en-US" sz="1400" dirty="0"/>
+                        <a:t>1.00</a:t>
+                      </a:r>
+                    </a:p>
+                  </a:txBody>
+                  <a:tcPr anchor="ctr"/>
+                </a:tc>
+                <a:tc>
+                  <a:txBody>
+                    <a:bodyPr/>
+                    <a:lstStyle/>
+                    <a:p>
+                      <a:pPr algn="r"/>
+                      <a:r>
+                        <a:rPr lang="en-US" sz="1400" dirty="0"/>
+                        <a:t>0.98</a:t>
+                      </a:r>
+                    </a:p>
+                  </a:txBody>
+                  <a:tcPr anchor="ctr"/>
+                </a:tc>
+                <a:tc>
+                  <a:txBody>
+                    <a:bodyPr/>
+                    <a:lstStyle/>
+                    <a:p>
+                      <a:pPr algn="r"/>
+                      <a:r>
+                        <a:rPr lang="en-US" sz="1400" dirty="0"/>
+                        <a:t>0.99</a:t>
+                      </a:r>
+                    </a:p>
+                  </a:txBody>
+                  <a:tcPr anchor="ctr"/>
+                </a:tc>
+                <a:extLst>
+                  <a:ext uri="{0D108BD9-81ED-4DB2-BD59-A6C34878D82A}">
+                    <a16:rowId xmlns:a16="http://schemas.microsoft.com/office/drawing/2014/main" val="3607368520"/>
+                  </a:ext>
+                </a:extLst>
+              </a:tr>
+              <a:tr h="354852">
+                <a:tc>
+                  <a:txBody>
+                    <a:bodyPr/>
+                    <a:lstStyle/>
+                    <a:p>
+                      <a:pPr marL="0" algn="ctr" defTabSz="914400" rtl="0" eaLnBrk="1" latinLnBrk="1" hangingPunct="1"/>
+                      <a:r>
+                        <a:rPr lang="en-US" sz="1200" b="1" kern="1200" dirty="0">
+                          <a:solidFill>
+                            <a:schemeClr val="lt1"/>
+                          </a:solidFill>
+                          <a:latin typeface="+mn-lt"/>
+                          <a:ea typeface="+mn-ea"/>
+                          <a:cs typeface="+mn-cs"/>
+                        </a:rPr>
+                        <a:t>1</a:t>
+                      </a:r>
+                    </a:p>
+                  </a:txBody>
+                  <a:tcPr anchor="ctr"/>
+                </a:tc>
+                <a:tc>
+                  <a:txBody>
+                    <a:bodyPr/>
+                    <a:lstStyle/>
+                    <a:p>
+                      <a:pPr algn="r"/>
+                      <a:r>
+                        <a:rPr lang="en-US" sz="1400" dirty="0"/>
+                        <a:t>0.15</a:t>
+                      </a:r>
+                    </a:p>
+                  </a:txBody>
+                  <a:tcPr anchor="ctr"/>
+                </a:tc>
+                <a:tc>
+                  <a:txBody>
+                    <a:bodyPr/>
+                    <a:lstStyle/>
+                    <a:p>
+                      <a:pPr algn="r"/>
+                      <a:r>
+                        <a:rPr lang="en-US" sz="1400" dirty="0"/>
+                        <a:t>0.97</a:t>
+                      </a:r>
+                    </a:p>
+                  </a:txBody>
+                  <a:tcPr anchor="ctr"/>
+                </a:tc>
+                <a:tc>
+                  <a:txBody>
+                    <a:bodyPr/>
+                    <a:lstStyle/>
+                    <a:p>
+                      <a:pPr algn="r"/>
+                      <a:r>
+                        <a:rPr lang="en-US" sz="1400" dirty="0"/>
+                        <a:t>0.26</a:t>
+                      </a:r>
+                    </a:p>
+                  </a:txBody>
+                  <a:tcPr anchor="ctr"/>
+                </a:tc>
+                <a:extLst>
+                  <a:ext uri="{0D108BD9-81ED-4DB2-BD59-A6C34878D82A}">
+                    <a16:rowId xmlns:a16="http://schemas.microsoft.com/office/drawing/2014/main" val="1182080453"/>
+                  </a:ext>
+                </a:extLst>
+              </a:tr>
+              <a:tr h="354852">
+                <a:tc>
+                  <a:txBody>
+                    <a:bodyPr/>
+                    <a:lstStyle/>
+                    <a:p>
+                      <a:pPr marL="0" algn="ctr" defTabSz="914400" rtl="0" eaLnBrk="1" latinLnBrk="1" hangingPunct="1"/>
+                      <a:r>
+                        <a:rPr lang="en-US" sz="1200" b="1" kern="1200" dirty="0">
+                          <a:solidFill>
+                            <a:schemeClr val="lt1"/>
+                          </a:solidFill>
+                          <a:latin typeface="+mn-lt"/>
+                          <a:ea typeface="+mn-ea"/>
+                          <a:cs typeface="+mn-cs"/>
+                        </a:rPr>
+                        <a:t>accuracy</a:t>
+                      </a:r>
+                    </a:p>
+                  </a:txBody>
+                  <a:tcPr anchor="ctr"/>
+                </a:tc>
+                <a:tc>
+                  <a:txBody>
+                    <a:bodyPr/>
+                    <a:lstStyle/>
+                    <a:p>
+                      <a:pPr algn="r"/>
+                      <a:endParaRPr lang="en-US" sz="1400" dirty="0"/>
+                    </a:p>
+                  </a:txBody>
+                  <a:tcPr anchor="ctr"/>
+                </a:tc>
+                <a:tc>
+                  <a:txBody>
+                    <a:bodyPr/>
+                    <a:lstStyle/>
+                    <a:p>
+                      <a:pPr algn="r"/>
+                      <a:endParaRPr lang="en-US" sz="1400" dirty="0"/>
+                    </a:p>
+                  </a:txBody>
+                  <a:tcPr anchor="ctr"/>
+                </a:tc>
+                <a:tc>
+                  <a:txBody>
+                    <a:bodyPr/>
+                    <a:lstStyle/>
+                    <a:p>
+                      <a:pPr algn="r"/>
+                      <a:r>
+                        <a:rPr lang="en-US" sz="1400" dirty="0"/>
+                        <a:t>0.98</a:t>
+                      </a:r>
+                    </a:p>
+                  </a:txBody>
+                  <a:tcPr anchor="ctr"/>
+                </a:tc>
+                <a:extLst>
+                  <a:ext uri="{0D108BD9-81ED-4DB2-BD59-A6C34878D82A}">
+                    <a16:rowId xmlns:a16="http://schemas.microsoft.com/office/drawing/2014/main" val="2581843712"/>
+                  </a:ext>
+                </a:extLst>
+              </a:tr>
+              <a:tr h="354852">
+                <a:tc>
+                  <a:txBody>
+                    <a:bodyPr/>
+                    <a:lstStyle/>
+                    <a:p>
+                      <a:pPr marL="0" algn="ctr" defTabSz="914400" rtl="0" eaLnBrk="1" latinLnBrk="1" hangingPunct="1"/>
+                      <a:r>
+                        <a:rPr lang="en-US" sz="1200" b="1" kern="1200" dirty="0">
+                          <a:solidFill>
+                            <a:schemeClr val="lt1"/>
+                          </a:solidFill>
+                          <a:latin typeface="+mn-lt"/>
+                          <a:ea typeface="+mn-ea"/>
+                          <a:cs typeface="+mn-cs"/>
+                        </a:rPr>
+                        <a:t>macro avg</a:t>
+                      </a:r>
+                    </a:p>
+                  </a:txBody>
+                  <a:tcPr anchor="ctr"/>
+                </a:tc>
+                <a:tc>
+                  <a:txBody>
+                    <a:bodyPr/>
+                    <a:lstStyle/>
+                    <a:p>
+                      <a:pPr algn="r"/>
+                      <a:r>
+                        <a:rPr lang="en-US" sz="1400" dirty="0"/>
+                        <a:t>0.57</a:t>
+                      </a:r>
+                    </a:p>
+                  </a:txBody>
+                  <a:tcPr anchor="ctr"/>
+                </a:tc>
+                <a:tc>
+                  <a:txBody>
+                    <a:bodyPr/>
+                    <a:lstStyle/>
+                    <a:p>
+                      <a:pPr algn="r"/>
+                      <a:r>
+                        <a:rPr lang="en-US" sz="1400" dirty="0"/>
+                        <a:t>0.98</a:t>
+                      </a:r>
+                    </a:p>
+                  </a:txBody>
+                  <a:tcPr anchor="ctr"/>
+                </a:tc>
+                <a:tc>
+                  <a:txBody>
+                    <a:bodyPr/>
+                    <a:lstStyle/>
+                    <a:p>
+                      <a:pPr algn="r"/>
+                      <a:r>
+                        <a:rPr lang="en-US" sz="1400" dirty="0"/>
+                        <a:t>0.62</a:t>
+                      </a:r>
+                    </a:p>
+                  </a:txBody>
+                  <a:tcPr anchor="ctr"/>
+                </a:tc>
+                <a:extLst>
+                  <a:ext uri="{0D108BD9-81ED-4DB2-BD59-A6C34878D82A}">
+                    <a16:rowId xmlns:a16="http://schemas.microsoft.com/office/drawing/2014/main" val="804198424"/>
+                  </a:ext>
+                </a:extLst>
+              </a:tr>
+              <a:tr h="354852">
+                <a:tc>
+                  <a:txBody>
+                    <a:bodyPr/>
+                    <a:lstStyle/>
+                    <a:p>
+                      <a:pPr marL="0" algn="ctr" defTabSz="914400" rtl="0" eaLnBrk="1" latinLnBrk="1" hangingPunct="1"/>
+                      <a:r>
+                        <a:rPr lang="en-US" sz="1200" b="1" kern="1200" dirty="0">
+                          <a:solidFill>
+                            <a:schemeClr val="lt1"/>
+                          </a:solidFill>
+                          <a:latin typeface="+mn-lt"/>
+                          <a:ea typeface="+mn-ea"/>
+                          <a:cs typeface="+mn-cs"/>
+                        </a:rPr>
+                        <a:t>weighted avg</a:t>
+                      </a:r>
+                    </a:p>
+                  </a:txBody>
+                  <a:tcPr anchor="ctr"/>
+                </a:tc>
+                <a:tc>
+                  <a:txBody>
+                    <a:bodyPr/>
+                    <a:lstStyle/>
+                    <a:p>
+                      <a:pPr algn="r"/>
+                      <a:r>
+                        <a:rPr lang="en-US" sz="1400" dirty="0"/>
+                        <a:t>1.00</a:t>
+                      </a:r>
+                    </a:p>
+                  </a:txBody>
+                  <a:tcPr anchor="ctr"/>
+                </a:tc>
+                <a:tc>
+                  <a:txBody>
+                    <a:bodyPr/>
+                    <a:lstStyle/>
+                    <a:p>
+                      <a:pPr algn="r"/>
+                      <a:r>
+                        <a:rPr lang="en-US" sz="1400" dirty="0"/>
+                        <a:t>0.98</a:t>
+                      </a:r>
+                    </a:p>
+                  </a:txBody>
+                  <a:tcPr anchor="ctr"/>
+                </a:tc>
+                <a:tc>
+                  <a:txBody>
+                    <a:bodyPr/>
+                    <a:lstStyle/>
+                    <a:p>
+                      <a:pPr algn="r"/>
+                      <a:r>
+                        <a:rPr lang="en-US" sz="1400" dirty="0"/>
+                        <a:t>0.99</a:t>
+                      </a:r>
+                    </a:p>
+                  </a:txBody>
+                  <a:tcPr anchor="ctr"/>
+                </a:tc>
+                <a:extLst>
+                  <a:ext uri="{0D108BD9-81ED-4DB2-BD59-A6C34878D82A}">
+                    <a16:rowId xmlns:a16="http://schemas.microsoft.com/office/drawing/2014/main" val="2396135537"/>
+                  </a:ext>
+                </a:extLst>
+              </a:tr>
+            </a:tbl>
+          </a:graphicData>
+        </a:graphic>
+      </p:graphicFrame>
+      <p:sp>
+        <p:nvSpPr>
+          <p:cNvPr id="8" name="Frame 7">
+            <a:extLst>
+              <a:ext uri="{FF2B5EF4-FFF2-40B4-BE49-F238E27FC236}">
+                <a16:creationId xmlns:a16="http://schemas.microsoft.com/office/drawing/2014/main" id="{15D5A841-CB4F-AD77-9904-6C84EBCEBE81}"/>
+              </a:ext>
+            </a:extLst>
+          </p:cNvPr>
+          <p:cNvSpPr/>
+          <p:nvPr/>
+        </p:nvSpPr>
+        <p:spPr>
+          <a:xfrm>
+            <a:off x="2975956" y="3624636"/>
+            <a:ext cx="1708558" cy="244296"/>
+          </a:xfrm>
+          <a:prstGeom prst="frame">
+            <a:avLst>
+              <a:gd name="adj1" fmla="val 4741"/>
+            </a:avLst>
+          </a:prstGeom>
+          <a:solidFill>
+            <a:srgbClr val="FF0000"/>
+          </a:solidFill>
+          <a:ln>
+            <a:noFill/>
+          </a:ln>
+        </p:spPr>
+        <p:style>
+          <a:lnRef idx="2">
+            <a:schemeClr val="accent1">
+              <a:shade val="50000"/>
+            </a:schemeClr>
+          </a:lnRef>
+          <a:fillRef idx="1">
+            <a:schemeClr val="accent1"/>
+          </a:fillRef>
+          <a:effectRef idx="0">
+            <a:schemeClr val="accent1"/>
+          </a:effectRef>
+          <a:fontRef idx="minor">
+            <a:schemeClr val="lt1"/>
+          </a:fontRef>
+        </p:style>
+        <p:txBody>
+          <a:bodyPr rtlCol="0" anchor="ctr"/>
+          <a:lstStyle/>
+          <a:p>
+            <a:pPr algn="ctr"/>
+            <a:endParaRPr lang="en-KR">
+              <a:solidFill>
+                <a:schemeClr val="tx1"/>
+              </a:solidFill>
+            </a:endParaRPr>
+          </a:p>
+        </p:txBody>
+      </p:sp>
+    </p:spTree>
+    <p:extLst>
+      <p:ext uri="{BB962C8B-B14F-4D97-AF65-F5344CB8AC3E}">
+        <p14:creationId xmlns:p14="http://schemas.microsoft.com/office/powerpoint/2010/main" val="2546290377"/>
+      </p:ext>
+    </p:extLst>
+  </p:cSld>
+  <p:clrMapOvr>
+    <a:masterClrMapping/>
+  </p:clrMapOvr>
+</p:sld>
+</file>
+
 <file path=ppt/slides/slide35.xml><?xml version="1.0" encoding="utf-8"?>
+<p:sld xmlns:a="http://schemas.openxmlformats.org/drawingml/2006/main" xmlns:r="http://schemas.openxmlformats.org/officeDocument/2006/relationships" xmlns:p="http://schemas.openxmlformats.org/presentationml/2006/main">
+  <p:cSld>
+    <p:spTree>
+      <p:nvGrpSpPr>
+        <p:cNvPr id="1" name=""/>
+        <p:cNvGrpSpPr/>
+        <p:nvPr/>
+      </p:nvGrpSpPr>
+      <p:grpSpPr>
+        <a:xfrm>
+          <a:off x="0" y="0"/>
+          <a:ext cx="0" cy="0"/>
+          <a:chOff x="0" y="0"/>
+          <a:chExt cx="0" cy="0"/>
+        </a:xfrm>
+      </p:grpSpPr>
+      <p:cxnSp>
+        <p:nvCxnSpPr>
+          <p:cNvPr id="3" name="직선 연결선 2"/>
+          <p:cNvCxnSpPr/>
+          <p:nvPr/>
+        </p:nvCxnSpPr>
+        <p:spPr>
+          <a:xfrm>
+            <a:off x="254000" y="362675"/>
+            <a:ext cx="11671300" cy="0"/>
+          </a:xfrm>
+          <a:prstGeom prst="line">
+            <a:avLst/>
+          </a:prstGeom>
+          <a:ln w="6350">
+            <a:solidFill>
+              <a:srgbClr val="4B5555"/>
+            </a:solidFill>
+          </a:ln>
+        </p:spPr>
+        <p:style>
+          <a:lnRef idx="1">
+            <a:schemeClr val="accent1"/>
+          </a:lnRef>
+          <a:fillRef idx="0">
+            <a:schemeClr val="accent1"/>
+          </a:fillRef>
+          <a:effectRef idx="0">
+            <a:schemeClr val="accent1"/>
+          </a:effectRef>
+          <a:fontRef idx="minor">
+            <a:schemeClr val="tx1"/>
+          </a:fontRef>
+        </p:style>
+      </p:cxnSp>
+      <p:sp>
+        <p:nvSpPr>
+          <p:cNvPr id="2" name="TextBox 1">
+            <a:extLst>
+              <a:ext uri="{FF2B5EF4-FFF2-40B4-BE49-F238E27FC236}">
+                <a16:creationId xmlns:a16="http://schemas.microsoft.com/office/drawing/2014/main" id="{B83E3735-A258-661D-A015-36D6B5886803}"/>
+              </a:ext>
+            </a:extLst>
+          </p:cNvPr>
+          <p:cNvSpPr txBox="1"/>
+          <p:nvPr/>
+        </p:nvSpPr>
+        <p:spPr>
+          <a:xfrm>
+            <a:off x="266700" y="0"/>
+            <a:ext cx="1350049" cy="400110"/>
+          </a:xfrm>
+          <a:prstGeom prst="rect">
+            <a:avLst/>
+          </a:prstGeom>
+          <a:noFill/>
+        </p:spPr>
+        <p:txBody>
+          <a:bodyPr wrap="none" rtlCol="0">
+            <a:spAutoFit/>
+          </a:bodyPr>
+          <a:lstStyle/>
+          <a:p>
+            <a:pPr algn="ctr"/>
+            <a:r>
+              <a:rPr lang="en-US" altLang="ko-KR" sz="2000" b="1" dirty="0">
+                <a:solidFill>
+                  <a:srgbClr val="4B5555"/>
+                </a:solidFill>
+                <a:latin typeface="나눔고딕" panose="020D0604000000000000" pitchFamily="50" charset="-127"/>
+                <a:ea typeface="나눔고딕" panose="020D0604000000000000" pitchFamily="50" charset="-127"/>
+              </a:rPr>
+              <a:t>MZ</a:t>
+            </a:r>
+            <a:r>
+              <a:rPr lang="ko-KR" altLang="en-US" sz="2000" b="1" dirty="0">
+                <a:solidFill>
+                  <a:srgbClr val="4B5555"/>
+                </a:solidFill>
+                <a:latin typeface="나눔고딕" panose="020D0604000000000000" pitchFamily="50" charset="-127"/>
+                <a:ea typeface="나눔고딕" panose="020D0604000000000000" pitchFamily="50" charset="-127"/>
+              </a:rPr>
+              <a:t> </a:t>
+            </a:r>
+            <a:r>
+              <a:rPr lang="en-US" altLang="ko-KR" sz="2000" b="1" dirty="0">
+                <a:solidFill>
+                  <a:srgbClr val="4B5555"/>
+                </a:solidFill>
+                <a:latin typeface="나눔고딕" panose="020D0604000000000000" pitchFamily="50" charset="-127"/>
+                <a:ea typeface="나눔고딕" panose="020D0604000000000000" pitchFamily="50" charset="-127"/>
+              </a:rPr>
+              <a:t>CARD</a:t>
+            </a:r>
+            <a:endParaRPr lang="ko-KR" altLang="en-US" sz="2400" b="1" dirty="0">
+              <a:solidFill>
+                <a:srgbClr val="1171A4"/>
+              </a:solidFill>
+              <a:latin typeface="나눔고딕" panose="020D0604000000000000" pitchFamily="50" charset="-127"/>
+              <a:ea typeface="나눔고딕" panose="020D0604000000000000" pitchFamily="50" charset="-127"/>
+            </a:endParaRPr>
+          </a:p>
+        </p:txBody>
+      </p:sp>
+      <p:sp>
+        <p:nvSpPr>
+          <p:cNvPr id="5" name="TextBox 4">
+            <a:extLst>
+              <a:ext uri="{FF2B5EF4-FFF2-40B4-BE49-F238E27FC236}">
+                <a16:creationId xmlns:a16="http://schemas.microsoft.com/office/drawing/2014/main" id="{A0E380EB-5AEA-7826-3418-B45EA28E6AD7}"/>
+              </a:ext>
+            </a:extLst>
+          </p:cNvPr>
+          <p:cNvSpPr txBox="1"/>
+          <p:nvPr/>
+        </p:nvSpPr>
+        <p:spPr>
+          <a:xfrm>
+            <a:off x="511712" y="1154331"/>
+            <a:ext cx="11015270" cy="400110"/>
+          </a:xfrm>
+          <a:prstGeom prst="rect">
+            <a:avLst/>
+          </a:prstGeom>
+          <a:noFill/>
+        </p:spPr>
+        <p:txBody>
+          <a:bodyPr wrap="square" rtlCol="0">
+            <a:spAutoFit/>
+          </a:bodyPr>
+          <a:lstStyle/>
+          <a:p>
+            <a:r>
+              <a:rPr lang="en-US" altLang="ko-KR" sz="2000" b="1" dirty="0">
+                <a:solidFill>
+                  <a:srgbClr val="4B5555"/>
+                </a:solidFill>
+                <a:latin typeface="나눔고딕" panose="020D0604000000000000" pitchFamily="50" charset="-127"/>
+                <a:ea typeface="나눔고딕" panose="020D0604000000000000" pitchFamily="50" charset="-127"/>
+              </a:rPr>
+              <a:t>Feature Importance</a:t>
+            </a:r>
+            <a:endParaRPr lang="ko-KR" altLang="en-US" sz="2400" b="1" dirty="0">
+              <a:solidFill>
+                <a:srgbClr val="1171A4"/>
+              </a:solidFill>
+              <a:latin typeface="나눔고딕" panose="020D0604000000000000" pitchFamily="50" charset="-127"/>
+              <a:ea typeface="나눔고딕" panose="020D0604000000000000" pitchFamily="50" charset="-127"/>
+            </a:endParaRPr>
+          </a:p>
+        </p:txBody>
+      </p:sp>
+      <p:sp>
+        <p:nvSpPr>
+          <p:cNvPr id="11" name="TextBox 10">
+            <a:extLst>
+              <a:ext uri="{FF2B5EF4-FFF2-40B4-BE49-F238E27FC236}">
+                <a16:creationId xmlns:a16="http://schemas.microsoft.com/office/drawing/2014/main" id="{6B287F43-05E7-F9C8-9D59-1E9EA41EFBC6}"/>
+              </a:ext>
+            </a:extLst>
+          </p:cNvPr>
+          <p:cNvSpPr txBox="1"/>
+          <p:nvPr/>
+        </p:nvSpPr>
+        <p:spPr>
+          <a:xfrm>
+            <a:off x="511713" y="508000"/>
+            <a:ext cx="1053494" cy="646331"/>
+          </a:xfrm>
+          <a:prstGeom prst="rect">
+            <a:avLst/>
+          </a:prstGeom>
+          <a:noFill/>
+        </p:spPr>
+        <p:txBody>
+          <a:bodyPr wrap="none" rtlCol="0">
+            <a:spAutoFit/>
+          </a:bodyPr>
+          <a:lstStyle/>
+          <a:p>
+            <a:r>
+              <a:rPr lang="ko-KR" altLang="en-US" sz="3600" b="1" dirty="0">
+                <a:solidFill>
+                  <a:srgbClr val="1171A4"/>
+                </a:solidFill>
+                <a:latin typeface="나눔고딕" panose="020D0604000000000000" pitchFamily="50" charset="-127"/>
+                <a:ea typeface="나눔고딕" panose="020D0604000000000000" pitchFamily="50" charset="-127"/>
+              </a:rPr>
+              <a:t>결과</a:t>
+            </a:r>
+          </a:p>
+        </p:txBody>
+      </p:sp>
+      <p:pic>
+        <p:nvPicPr>
+          <p:cNvPr id="2052" name="Picture 4">
+            <a:extLst>
+              <a:ext uri="{FF2B5EF4-FFF2-40B4-BE49-F238E27FC236}">
+                <a16:creationId xmlns:a16="http://schemas.microsoft.com/office/drawing/2014/main" id="{215B1D18-5447-2C50-9FD4-5081A86CC433}"/>
+              </a:ext>
+            </a:extLst>
+          </p:cNvPr>
+          <p:cNvPicPr>
+            <a:picLocks noChangeAspect="1" noChangeArrowheads="1"/>
+          </p:cNvPicPr>
+          <p:nvPr/>
+        </p:nvPicPr>
+        <p:blipFill>
+          <a:blip r:embed="rId2">
+            <a:extLst>
+              <a:ext uri="{28A0092B-C50C-407E-A947-70E740481C1C}">
+                <a14:useLocalDpi xmlns:a14="http://schemas.microsoft.com/office/drawing/2010/main" val="0"/>
+              </a:ext>
+            </a:extLst>
+          </a:blip>
+          <a:srcRect/>
+          <a:stretch>
+            <a:fillRect/>
+          </a:stretch>
+        </p:blipFill>
+        <p:spPr bwMode="auto">
+          <a:xfrm>
+            <a:off x="3738520" y="694576"/>
+            <a:ext cx="7063713" cy="5946072"/>
+          </a:xfrm>
+          <a:prstGeom prst="rect">
+            <a:avLst/>
+          </a:prstGeom>
+          <a:noFill/>
+          <a:extLst>
+            <a:ext uri="{909E8E84-426E-40DD-AFC4-6F175D3DCCD1}">
+              <a14:hiddenFill xmlns:a14="http://schemas.microsoft.com/office/drawing/2010/main">
+                <a:solidFill>
+                  <a:srgbClr val="FFFFFF"/>
+                </a:solidFill>
+              </a14:hiddenFill>
+            </a:ext>
+          </a:extLst>
+        </p:spPr>
+      </p:pic>
+    </p:spTree>
+    <p:extLst>
+      <p:ext uri="{BB962C8B-B14F-4D97-AF65-F5344CB8AC3E}">
+        <p14:creationId xmlns:p14="http://schemas.microsoft.com/office/powerpoint/2010/main" val="2537614656"/>
+      </p:ext>
+    </p:extLst>
+  </p:cSld>
+  <p:clrMapOvr>
+    <a:masterClrMapping/>
+  </p:clrMapOvr>
+</p:sld>
+</file>
+
+<file path=ppt/slides/slide36.xml><?xml version="1.0" encoding="utf-8"?>
 <p:sld xmlns:a="http://schemas.openxmlformats.org/drawingml/2006/main" xmlns:r="http://schemas.openxmlformats.org/officeDocument/2006/relationships" xmlns:p="http://schemas.openxmlformats.org/presentationml/2006/main">
   <p:cSld>
     <p:spTree>

--- a/MZCARD.pptx
+++ b/MZCARD.pptx
@@ -24262,8 +24262,8 @@
         </p:nvSpPr>
         <p:spPr>
           <a:xfrm>
-            <a:off x="511712" y="1154331"/>
-            <a:ext cx="11015270" cy="400110"/>
+            <a:off x="1069299" y="3429000"/>
+            <a:ext cx="2505852" cy="400110"/>
           </a:xfrm>
           <a:prstGeom prst="rect">
             <a:avLst/>
@@ -24276,6 +24276,7 @@
           </a:bodyPr>
           <a:lstStyle/>
           <a:p>
+            <a:pPr algn="ctr"/>
             <a:r>
               <a:rPr lang="en-US" altLang="ko-KR" sz="2000" b="1" dirty="0">
                 <a:solidFill>
@@ -24283,8 +24284,9 @@
                 </a:solidFill>
                 <a:latin typeface="나눔고딕" panose="020D0604000000000000" pitchFamily="50" charset="-127"/>
                 <a:ea typeface="나눔고딕" panose="020D0604000000000000" pitchFamily="50" charset="-127"/>
-              </a:rPr>
-              <a:t>Feature Importance</a:t>
+                <a:hlinkClick r:id="rId2"/>
+              </a:rPr>
+              <a:t>Final Report</a:t>
             </a:r>
             <a:endParaRPr lang="ko-KR" altLang="en-US" sz="2400" b="1" dirty="0">
               <a:solidFill>
@@ -24352,7 +24354,7 @@
           <p:nvPr/>
         </p:nvPicPr>
         <p:blipFill>
-          <a:blip r:embed="rId2">
+          <a:blip r:embed="rId3">
             <a:extLst>
               <a:ext uri="{28A0092B-C50C-407E-A947-70E740481C1C}">
                 <a14:useLocalDpi xmlns:a14="http://schemas.microsoft.com/office/drawing/2010/main" val="0"/>
@@ -24366,7 +24368,7 @@
         </p:blipFill>
         <p:spPr bwMode="auto">
           <a:xfrm>
-            <a:off x="3738520" y="694576"/>
+            <a:off x="4321147" y="694576"/>
             <a:ext cx="7063713" cy="5946072"/>
           </a:xfrm>
           <a:prstGeom prst="rect">
